--- a/EvictionPrediction.pptx
+++ b/EvictionPrediction.pptx
@@ -9,6 +9,10 @@
     <p:sldId id="258" r:id="rId3"/>
     <p:sldId id="259" r:id="rId4"/>
     <p:sldId id="260" r:id="rId5"/>
+    <p:sldId id="261" r:id="rId6"/>
+    <p:sldId id="263" r:id="rId7"/>
+    <p:sldId id="262" r:id="rId8"/>
+    <p:sldId id="264" r:id="rId9"/>
   </p:sldIdLst>
   <p:sldSz cx="12192000" cy="6858000"/>
   <p:notesSz cx="6858000" cy="9144000"/>
@@ -113,6 +117,3026 @@
     </p:ext>
   </p:extLst>
 </p:presentation>
+</file>
+
+<file path=ppt/diagrams/colors1.xml><?xml version="1.0" encoding="utf-8"?>
+<dgm:colorsDef xmlns:dgm="http://schemas.openxmlformats.org/drawingml/2006/diagram" xmlns:a="http://schemas.openxmlformats.org/drawingml/2006/main" uniqueId="urn:microsoft.com/office/officeart/2005/8/colors/accent2_2">
+  <dgm:title val=""/>
+  <dgm:desc val=""/>
+  <dgm:catLst>
+    <dgm:cat type="accent2" pri="11200"/>
+  </dgm:catLst>
+  <dgm:styleLbl name="node0">
+    <dgm:fillClrLst meth="repeat">
+      <a:schemeClr val="accent2"/>
+    </dgm:fillClrLst>
+    <dgm:linClrLst meth="repeat">
+      <a:schemeClr val="lt1"/>
+    </dgm:linClrLst>
+    <dgm:effectClrLst/>
+    <dgm:txLinClrLst/>
+    <dgm:txFillClrLst/>
+    <dgm:txEffectClrLst/>
+  </dgm:styleLbl>
+  <dgm:styleLbl name="node1">
+    <dgm:fillClrLst meth="repeat">
+      <a:schemeClr val="accent2"/>
+    </dgm:fillClrLst>
+    <dgm:linClrLst meth="repeat">
+      <a:schemeClr val="lt1"/>
+    </dgm:linClrLst>
+    <dgm:effectClrLst/>
+    <dgm:txLinClrLst/>
+    <dgm:txFillClrLst/>
+    <dgm:txEffectClrLst/>
+  </dgm:styleLbl>
+  <dgm:styleLbl name="alignNode1">
+    <dgm:fillClrLst meth="repeat">
+      <a:schemeClr val="accent2"/>
+    </dgm:fillClrLst>
+    <dgm:linClrLst meth="repeat">
+      <a:schemeClr val="accent2"/>
+    </dgm:linClrLst>
+    <dgm:effectClrLst/>
+    <dgm:txLinClrLst/>
+    <dgm:txFillClrLst/>
+    <dgm:txEffectClrLst/>
+  </dgm:styleLbl>
+  <dgm:styleLbl name="lnNode1">
+    <dgm:fillClrLst meth="repeat">
+      <a:schemeClr val="accent2"/>
+    </dgm:fillClrLst>
+    <dgm:linClrLst meth="repeat">
+      <a:schemeClr val="lt1"/>
+    </dgm:linClrLst>
+    <dgm:effectClrLst/>
+    <dgm:txLinClrLst/>
+    <dgm:txFillClrLst/>
+    <dgm:txEffectClrLst/>
+  </dgm:styleLbl>
+  <dgm:styleLbl name="vennNode1">
+    <dgm:fillClrLst meth="repeat">
+      <a:schemeClr val="accent2">
+        <a:alpha val="50000"/>
+      </a:schemeClr>
+    </dgm:fillClrLst>
+    <dgm:linClrLst meth="repeat">
+      <a:schemeClr val="lt1"/>
+    </dgm:linClrLst>
+    <dgm:effectClrLst/>
+    <dgm:txLinClrLst/>
+    <dgm:txFillClrLst/>
+    <dgm:txEffectClrLst/>
+  </dgm:styleLbl>
+  <dgm:styleLbl name="node2">
+    <dgm:fillClrLst meth="repeat">
+      <a:schemeClr val="accent2"/>
+    </dgm:fillClrLst>
+    <dgm:linClrLst meth="repeat">
+      <a:schemeClr val="lt1"/>
+    </dgm:linClrLst>
+    <dgm:effectClrLst/>
+    <dgm:txLinClrLst/>
+    <dgm:txFillClrLst/>
+    <dgm:txEffectClrLst/>
+  </dgm:styleLbl>
+  <dgm:styleLbl name="node3">
+    <dgm:fillClrLst meth="repeat">
+      <a:schemeClr val="accent2"/>
+    </dgm:fillClrLst>
+    <dgm:linClrLst meth="repeat">
+      <a:schemeClr val="lt1"/>
+    </dgm:linClrLst>
+    <dgm:effectClrLst/>
+    <dgm:txLinClrLst/>
+    <dgm:txFillClrLst/>
+    <dgm:txEffectClrLst/>
+  </dgm:styleLbl>
+  <dgm:styleLbl name="node4">
+    <dgm:fillClrLst meth="repeat">
+      <a:schemeClr val="accent2"/>
+    </dgm:fillClrLst>
+    <dgm:linClrLst meth="repeat">
+      <a:schemeClr val="lt1"/>
+    </dgm:linClrLst>
+    <dgm:effectClrLst/>
+    <dgm:txLinClrLst/>
+    <dgm:txFillClrLst/>
+    <dgm:txEffectClrLst/>
+  </dgm:styleLbl>
+  <dgm:styleLbl name="fgImgPlace1">
+    <dgm:fillClrLst meth="repeat">
+      <a:schemeClr val="accent2">
+        <a:tint val="50000"/>
+      </a:schemeClr>
+    </dgm:fillClrLst>
+    <dgm:linClrLst meth="repeat">
+      <a:schemeClr val="lt1"/>
+    </dgm:linClrLst>
+    <dgm:effectClrLst/>
+    <dgm:txLinClrLst/>
+    <dgm:txFillClrLst meth="repeat">
+      <a:schemeClr val="lt1"/>
+    </dgm:txFillClrLst>
+    <dgm:txEffectClrLst/>
+  </dgm:styleLbl>
+  <dgm:styleLbl name="alignImgPlace1">
+    <dgm:fillClrLst meth="repeat">
+      <a:schemeClr val="accent2">
+        <a:tint val="50000"/>
+      </a:schemeClr>
+    </dgm:fillClrLst>
+    <dgm:linClrLst meth="repeat">
+      <a:schemeClr val="lt1"/>
+    </dgm:linClrLst>
+    <dgm:effectClrLst/>
+    <dgm:txLinClrLst/>
+    <dgm:txFillClrLst meth="repeat">
+      <a:schemeClr val="lt1"/>
+    </dgm:txFillClrLst>
+    <dgm:txEffectClrLst/>
+  </dgm:styleLbl>
+  <dgm:styleLbl name="bgImgPlace1">
+    <dgm:fillClrLst meth="repeat">
+      <a:schemeClr val="accent2">
+        <a:tint val="50000"/>
+      </a:schemeClr>
+    </dgm:fillClrLst>
+    <dgm:linClrLst meth="repeat">
+      <a:schemeClr val="lt1"/>
+    </dgm:linClrLst>
+    <dgm:effectClrLst/>
+    <dgm:txLinClrLst/>
+    <dgm:txFillClrLst meth="repeat">
+      <a:schemeClr val="lt1"/>
+    </dgm:txFillClrLst>
+    <dgm:txEffectClrLst/>
+  </dgm:styleLbl>
+  <dgm:styleLbl name="sibTrans2D1">
+    <dgm:fillClrLst meth="repeat">
+      <a:schemeClr val="accent2">
+        <a:tint val="60000"/>
+      </a:schemeClr>
+    </dgm:fillClrLst>
+    <dgm:linClrLst meth="repeat">
+      <a:schemeClr val="accent2">
+        <a:tint val="60000"/>
+      </a:schemeClr>
+    </dgm:linClrLst>
+    <dgm:effectClrLst/>
+    <dgm:txLinClrLst/>
+    <dgm:txFillClrLst/>
+    <dgm:txEffectClrLst/>
+  </dgm:styleLbl>
+  <dgm:styleLbl name="fgSibTrans2D1">
+    <dgm:fillClrLst meth="repeat">
+      <a:schemeClr val="accent2">
+        <a:tint val="60000"/>
+      </a:schemeClr>
+    </dgm:fillClrLst>
+    <dgm:linClrLst meth="repeat">
+      <a:schemeClr val="accent2">
+        <a:tint val="60000"/>
+      </a:schemeClr>
+    </dgm:linClrLst>
+    <dgm:effectClrLst/>
+    <dgm:txLinClrLst/>
+    <dgm:txFillClrLst/>
+    <dgm:txEffectClrLst/>
+  </dgm:styleLbl>
+  <dgm:styleLbl name="bgSibTrans2D1">
+    <dgm:fillClrLst meth="repeat">
+      <a:schemeClr val="accent2">
+        <a:tint val="60000"/>
+      </a:schemeClr>
+    </dgm:fillClrLst>
+    <dgm:linClrLst meth="repeat">
+      <a:schemeClr val="accent2">
+        <a:tint val="60000"/>
+      </a:schemeClr>
+    </dgm:linClrLst>
+    <dgm:effectClrLst/>
+    <dgm:txLinClrLst/>
+    <dgm:txFillClrLst/>
+    <dgm:txEffectClrLst/>
+  </dgm:styleLbl>
+  <dgm:styleLbl name="sibTrans1D1">
+    <dgm:fillClrLst meth="repeat">
+      <a:schemeClr val="accent2"/>
+    </dgm:fillClrLst>
+    <dgm:linClrLst meth="repeat">
+      <a:schemeClr val="accent2"/>
+    </dgm:linClrLst>
+    <dgm:effectClrLst/>
+    <dgm:txLinClrLst/>
+    <dgm:txFillClrLst meth="repeat">
+      <a:schemeClr val="tx1"/>
+    </dgm:txFillClrLst>
+    <dgm:txEffectClrLst/>
+  </dgm:styleLbl>
+  <dgm:styleLbl name="callout">
+    <dgm:fillClrLst meth="repeat">
+      <a:schemeClr val="accent2"/>
+    </dgm:fillClrLst>
+    <dgm:linClrLst meth="repeat">
+      <a:schemeClr val="accent2">
+        <a:tint val="50000"/>
+      </a:schemeClr>
+    </dgm:linClrLst>
+    <dgm:effectClrLst/>
+    <dgm:txLinClrLst/>
+    <dgm:txFillClrLst meth="repeat">
+      <a:schemeClr val="tx1"/>
+    </dgm:txFillClrLst>
+    <dgm:txEffectClrLst/>
+  </dgm:styleLbl>
+  <dgm:styleLbl name="asst0">
+    <dgm:fillClrLst meth="repeat">
+      <a:schemeClr val="accent2"/>
+    </dgm:fillClrLst>
+    <dgm:linClrLst meth="repeat">
+      <a:schemeClr val="lt1"/>
+    </dgm:linClrLst>
+    <dgm:effectClrLst/>
+    <dgm:txLinClrLst/>
+    <dgm:txFillClrLst/>
+    <dgm:txEffectClrLst/>
+  </dgm:styleLbl>
+  <dgm:styleLbl name="asst1">
+    <dgm:fillClrLst meth="repeat">
+      <a:schemeClr val="accent2"/>
+    </dgm:fillClrLst>
+    <dgm:linClrLst meth="repeat">
+      <a:schemeClr val="lt1"/>
+    </dgm:linClrLst>
+    <dgm:effectClrLst/>
+    <dgm:txLinClrLst/>
+    <dgm:txFillClrLst/>
+    <dgm:txEffectClrLst/>
+  </dgm:styleLbl>
+  <dgm:styleLbl name="asst2">
+    <dgm:fillClrLst meth="repeat">
+      <a:schemeClr val="accent2"/>
+    </dgm:fillClrLst>
+    <dgm:linClrLst meth="repeat">
+      <a:schemeClr val="lt1"/>
+    </dgm:linClrLst>
+    <dgm:effectClrLst/>
+    <dgm:txLinClrLst/>
+    <dgm:txFillClrLst/>
+    <dgm:txEffectClrLst/>
+  </dgm:styleLbl>
+  <dgm:styleLbl name="asst3">
+    <dgm:fillClrLst meth="repeat">
+      <a:schemeClr val="accent2"/>
+    </dgm:fillClrLst>
+    <dgm:linClrLst meth="repeat">
+      <a:schemeClr val="lt1"/>
+    </dgm:linClrLst>
+    <dgm:effectClrLst/>
+    <dgm:txLinClrLst/>
+    <dgm:txFillClrLst/>
+    <dgm:txEffectClrLst/>
+  </dgm:styleLbl>
+  <dgm:styleLbl name="asst4">
+    <dgm:fillClrLst meth="repeat">
+      <a:schemeClr val="accent2"/>
+    </dgm:fillClrLst>
+    <dgm:linClrLst meth="repeat">
+      <a:schemeClr val="lt1"/>
+    </dgm:linClrLst>
+    <dgm:effectClrLst/>
+    <dgm:txLinClrLst/>
+    <dgm:txFillClrLst/>
+    <dgm:txEffectClrLst/>
+  </dgm:styleLbl>
+  <dgm:styleLbl name="parChTrans2D1">
+    <dgm:fillClrLst meth="repeat">
+      <a:schemeClr val="accent2">
+        <a:tint val="60000"/>
+      </a:schemeClr>
+    </dgm:fillClrLst>
+    <dgm:linClrLst meth="repeat">
+      <a:schemeClr val="accent2">
+        <a:tint val="60000"/>
+      </a:schemeClr>
+    </dgm:linClrLst>
+    <dgm:effectClrLst/>
+    <dgm:txLinClrLst/>
+    <dgm:txFillClrLst meth="repeat">
+      <a:schemeClr val="lt1"/>
+    </dgm:txFillClrLst>
+    <dgm:txEffectClrLst/>
+  </dgm:styleLbl>
+  <dgm:styleLbl name="parChTrans2D2">
+    <dgm:fillClrLst meth="repeat">
+      <a:schemeClr val="accent2"/>
+    </dgm:fillClrLst>
+    <dgm:linClrLst meth="repeat">
+      <a:schemeClr val="accent2"/>
+    </dgm:linClrLst>
+    <dgm:effectClrLst/>
+    <dgm:txLinClrLst/>
+    <dgm:txFillClrLst meth="repeat">
+      <a:schemeClr val="lt1"/>
+    </dgm:txFillClrLst>
+    <dgm:txEffectClrLst/>
+  </dgm:styleLbl>
+  <dgm:styleLbl name="parChTrans2D3">
+    <dgm:fillClrLst meth="repeat">
+      <a:schemeClr val="accent2"/>
+    </dgm:fillClrLst>
+    <dgm:linClrLst meth="repeat">
+      <a:schemeClr val="accent2"/>
+    </dgm:linClrLst>
+    <dgm:effectClrLst/>
+    <dgm:txLinClrLst/>
+    <dgm:txFillClrLst meth="repeat">
+      <a:schemeClr val="lt1"/>
+    </dgm:txFillClrLst>
+    <dgm:txEffectClrLst/>
+  </dgm:styleLbl>
+  <dgm:styleLbl name="parChTrans2D4">
+    <dgm:fillClrLst meth="repeat">
+      <a:schemeClr val="accent2"/>
+    </dgm:fillClrLst>
+    <dgm:linClrLst meth="repeat">
+      <a:schemeClr val="accent2"/>
+    </dgm:linClrLst>
+    <dgm:effectClrLst/>
+    <dgm:txLinClrLst/>
+    <dgm:txFillClrLst meth="repeat">
+      <a:schemeClr val="lt1"/>
+    </dgm:txFillClrLst>
+    <dgm:txEffectClrLst/>
+  </dgm:styleLbl>
+  <dgm:styleLbl name="parChTrans1D1">
+    <dgm:fillClrLst meth="repeat">
+      <a:schemeClr val="accent2"/>
+    </dgm:fillClrLst>
+    <dgm:linClrLst meth="repeat">
+      <a:schemeClr val="accent2">
+        <a:shade val="60000"/>
+      </a:schemeClr>
+    </dgm:linClrLst>
+    <dgm:effectClrLst/>
+    <dgm:txLinClrLst/>
+    <dgm:txFillClrLst meth="repeat">
+      <a:schemeClr val="tx1"/>
+    </dgm:txFillClrLst>
+    <dgm:txEffectClrLst/>
+  </dgm:styleLbl>
+  <dgm:styleLbl name="parChTrans1D2">
+    <dgm:fillClrLst meth="repeat">
+      <a:schemeClr val="accent2"/>
+    </dgm:fillClrLst>
+    <dgm:linClrLst meth="repeat">
+      <a:schemeClr val="accent2">
+        <a:shade val="60000"/>
+      </a:schemeClr>
+    </dgm:linClrLst>
+    <dgm:effectClrLst/>
+    <dgm:txLinClrLst/>
+    <dgm:txFillClrLst meth="repeat">
+      <a:schemeClr val="tx1"/>
+    </dgm:txFillClrLst>
+    <dgm:txEffectClrLst/>
+  </dgm:styleLbl>
+  <dgm:styleLbl name="parChTrans1D3">
+    <dgm:fillClrLst meth="repeat">
+      <a:schemeClr val="accent2"/>
+    </dgm:fillClrLst>
+    <dgm:linClrLst meth="repeat">
+      <a:schemeClr val="accent2">
+        <a:shade val="80000"/>
+      </a:schemeClr>
+    </dgm:linClrLst>
+    <dgm:effectClrLst/>
+    <dgm:txLinClrLst/>
+    <dgm:txFillClrLst meth="repeat">
+      <a:schemeClr val="tx1"/>
+    </dgm:txFillClrLst>
+    <dgm:txEffectClrLst/>
+  </dgm:styleLbl>
+  <dgm:styleLbl name="parChTrans1D4">
+    <dgm:fillClrLst meth="repeat">
+      <a:schemeClr val="accent2"/>
+    </dgm:fillClrLst>
+    <dgm:linClrLst meth="repeat">
+      <a:schemeClr val="accent2">
+        <a:shade val="80000"/>
+      </a:schemeClr>
+    </dgm:linClrLst>
+    <dgm:effectClrLst/>
+    <dgm:txLinClrLst/>
+    <dgm:txFillClrLst meth="repeat">
+      <a:schemeClr val="tx1"/>
+    </dgm:txFillClrLst>
+    <dgm:txEffectClrLst/>
+  </dgm:styleLbl>
+  <dgm:styleLbl name="fgAcc1">
+    <dgm:fillClrLst meth="repeat">
+      <a:schemeClr val="lt1">
+        <a:alpha val="90000"/>
+      </a:schemeClr>
+    </dgm:fillClrLst>
+    <dgm:linClrLst meth="repeat">
+      <a:schemeClr val="accent2"/>
+    </dgm:linClrLst>
+    <dgm:effectClrLst/>
+    <dgm:txLinClrLst/>
+    <dgm:txFillClrLst meth="repeat">
+      <a:schemeClr val="dk1"/>
+    </dgm:txFillClrLst>
+    <dgm:txEffectClrLst/>
+  </dgm:styleLbl>
+  <dgm:styleLbl name="conFgAcc1">
+    <dgm:fillClrLst meth="repeat">
+      <a:schemeClr val="lt1">
+        <a:alpha val="90000"/>
+      </a:schemeClr>
+    </dgm:fillClrLst>
+    <dgm:linClrLst meth="repeat">
+      <a:schemeClr val="accent2"/>
+    </dgm:linClrLst>
+    <dgm:effectClrLst/>
+    <dgm:txLinClrLst/>
+    <dgm:txFillClrLst meth="repeat">
+      <a:schemeClr val="dk1"/>
+    </dgm:txFillClrLst>
+    <dgm:txEffectClrLst/>
+  </dgm:styleLbl>
+  <dgm:styleLbl name="alignAcc1">
+    <dgm:fillClrLst meth="repeat">
+      <a:schemeClr val="lt1">
+        <a:alpha val="90000"/>
+      </a:schemeClr>
+    </dgm:fillClrLst>
+    <dgm:linClrLst meth="repeat">
+      <a:schemeClr val="accent2"/>
+    </dgm:linClrLst>
+    <dgm:effectClrLst/>
+    <dgm:txLinClrLst/>
+    <dgm:txFillClrLst meth="repeat">
+      <a:schemeClr val="dk1"/>
+    </dgm:txFillClrLst>
+    <dgm:txEffectClrLst/>
+  </dgm:styleLbl>
+  <dgm:styleLbl name="trAlignAcc1">
+    <dgm:fillClrLst meth="repeat">
+      <a:schemeClr val="lt1">
+        <a:alpha val="40000"/>
+      </a:schemeClr>
+    </dgm:fillClrLst>
+    <dgm:linClrLst meth="repeat">
+      <a:schemeClr val="accent2"/>
+    </dgm:linClrLst>
+    <dgm:effectClrLst/>
+    <dgm:txLinClrLst/>
+    <dgm:txFillClrLst meth="repeat">
+      <a:schemeClr val="dk1"/>
+    </dgm:txFillClrLst>
+    <dgm:txEffectClrLst/>
+  </dgm:styleLbl>
+  <dgm:styleLbl name="bgAcc1">
+    <dgm:fillClrLst meth="repeat">
+      <a:schemeClr val="lt1">
+        <a:alpha val="90000"/>
+      </a:schemeClr>
+    </dgm:fillClrLst>
+    <dgm:linClrLst meth="repeat">
+      <a:schemeClr val="accent2"/>
+    </dgm:linClrLst>
+    <dgm:effectClrLst/>
+    <dgm:txLinClrLst/>
+    <dgm:txFillClrLst meth="repeat">
+      <a:schemeClr val="dk1"/>
+    </dgm:txFillClrLst>
+    <dgm:txEffectClrLst/>
+  </dgm:styleLbl>
+  <dgm:styleLbl name="solidFgAcc1">
+    <dgm:fillClrLst meth="repeat">
+      <a:schemeClr val="lt1"/>
+    </dgm:fillClrLst>
+    <dgm:linClrLst meth="repeat">
+      <a:schemeClr val="accent2"/>
+    </dgm:linClrLst>
+    <dgm:effectClrLst/>
+    <dgm:txLinClrLst/>
+    <dgm:txFillClrLst meth="repeat">
+      <a:schemeClr val="dk1"/>
+    </dgm:txFillClrLst>
+    <dgm:txEffectClrLst/>
+  </dgm:styleLbl>
+  <dgm:styleLbl name="solidAlignAcc1">
+    <dgm:fillClrLst meth="repeat">
+      <a:schemeClr val="lt1"/>
+    </dgm:fillClrLst>
+    <dgm:linClrLst meth="repeat">
+      <a:schemeClr val="accent2"/>
+    </dgm:linClrLst>
+    <dgm:effectClrLst/>
+    <dgm:txLinClrLst/>
+    <dgm:txFillClrLst meth="repeat">
+      <a:schemeClr val="dk1"/>
+    </dgm:txFillClrLst>
+    <dgm:txEffectClrLst/>
+  </dgm:styleLbl>
+  <dgm:styleLbl name="solidBgAcc1">
+    <dgm:fillClrLst meth="repeat">
+      <a:schemeClr val="lt1"/>
+    </dgm:fillClrLst>
+    <dgm:linClrLst meth="repeat">
+      <a:schemeClr val="accent2"/>
+    </dgm:linClrLst>
+    <dgm:effectClrLst/>
+    <dgm:txLinClrLst/>
+    <dgm:txFillClrLst meth="repeat">
+      <a:schemeClr val="dk1"/>
+    </dgm:txFillClrLst>
+    <dgm:txEffectClrLst/>
+  </dgm:styleLbl>
+  <dgm:styleLbl name="fgAccFollowNode1">
+    <dgm:fillClrLst meth="repeat">
+      <a:schemeClr val="accent2">
+        <a:alpha val="90000"/>
+        <a:tint val="40000"/>
+      </a:schemeClr>
+    </dgm:fillClrLst>
+    <dgm:linClrLst meth="repeat">
+      <a:schemeClr val="accent2">
+        <a:alpha val="90000"/>
+        <a:tint val="40000"/>
+      </a:schemeClr>
+    </dgm:linClrLst>
+    <dgm:effectClrLst/>
+    <dgm:txLinClrLst/>
+    <dgm:txFillClrLst meth="repeat">
+      <a:schemeClr val="dk1"/>
+    </dgm:txFillClrLst>
+    <dgm:txEffectClrLst/>
+  </dgm:styleLbl>
+  <dgm:styleLbl name="alignAccFollowNode1">
+    <dgm:fillClrLst meth="repeat">
+      <a:schemeClr val="accent2">
+        <a:alpha val="90000"/>
+        <a:tint val="40000"/>
+      </a:schemeClr>
+    </dgm:fillClrLst>
+    <dgm:linClrLst meth="repeat">
+      <a:schemeClr val="accent2">
+        <a:alpha val="90000"/>
+        <a:tint val="40000"/>
+      </a:schemeClr>
+    </dgm:linClrLst>
+    <dgm:effectClrLst/>
+    <dgm:txLinClrLst/>
+    <dgm:txFillClrLst meth="repeat">
+      <a:schemeClr val="dk1"/>
+    </dgm:txFillClrLst>
+    <dgm:txEffectClrLst/>
+  </dgm:styleLbl>
+  <dgm:styleLbl name="bgAccFollowNode1">
+    <dgm:fillClrLst meth="repeat">
+      <a:schemeClr val="accent2">
+        <a:alpha val="90000"/>
+        <a:tint val="40000"/>
+      </a:schemeClr>
+    </dgm:fillClrLst>
+    <dgm:linClrLst meth="repeat">
+      <a:schemeClr val="accent2">
+        <a:alpha val="90000"/>
+        <a:tint val="40000"/>
+      </a:schemeClr>
+    </dgm:linClrLst>
+    <dgm:effectClrLst/>
+    <dgm:txLinClrLst/>
+    <dgm:txFillClrLst meth="repeat">
+      <a:schemeClr val="dk1"/>
+    </dgm:txFillClrLst>
+    <dgm:txEffectClrLst/>
+  </dgm:styleLbl>
+  <dgm:styleLbl name="fgAcc0">
+    <dgm:fillClrLst meth="repeat">
+      <a:schemeClr val="lt1">
+        <a:alpha val="90000"/>
+      </a:schemeClr>
+    </dgm:fillClrLst>
+    <dgm:linClrLst meth="repeat">
+      <a:schemeClr val="accent2"/>
+    </dgm:linClrLst>
+    <dgm:effectClrLst/>
+    <dgm:txLinClrLst/>
+    <dgm:txFillClrLst meth="repeat">
+      <a:schemeClr val="dk1"/>
+    </dgm:txFillClrLst>
+    <dgm:txEffectClrLst/>
+  </dgm:styleLbl>
+  <dgm:styleLbl name="fgAcc2">
+    <dgm:fillClrLst meth="repeat">
+      <a:schemeClr val="lt1">
+        <a:alpha val="90000"/>
+      </a:schemeClr>
+    </dgm:fillClrLst>
+    <dgm:linClrLst meth="repeat">
+      <a:schemeClr val="accent2"/>
+    </dgm:linClrLst>
+    <dgm:effectClrLst/>
+    <dgm:txLinClrLst/>
+    <dgm:txFillClrLst meth="repeat">
+      <a:schemeClr val="dk1"/>
+    </dgm:txFillClrLst>
+    <dgm:txEffectClrLst/>
+  </dgm:styleLbl>
+  <dgm:styleLbl name="fgAcc3">
+    <dgm:fillClrLst meth="repeat">
+      <a:schemeClr val="lt1">
+        <a:alpha val="90000"/>
+      </a:schemeClr>
+    </dgm:fillClrLst>
+    <dgm:linClrLst meth="repeat">
+      <a:schemeClr val="accent2"/>
+    </dgm:linClrLst>
+    <dgm:effectClrLst/>
+    <dgm:txLinClrLst/>
+    <dgm:txFillClrLst meth="repeat">
+      <a:schemeClr val="dk1"/>
+    </dgm:txFillClrLst>
+    <dgm:txEffectClrLst/>
+  </dgm:styleLbl>
+  <dgm:styleLbl name="fgAcc4">
+    <dgm:fillClrLst meth="repeat">
+      <a:schemeClr val="lt1">
+        <a:alpha val="90000"/>
+      </a:schemeClr>
+    </dgm:fillClrLst>
+    <dgm:linClrLst meth="repeat">
+      <a:schemeClr val="accent2"/>
+    </dgm:linClrLst>
+    <dgm:effectClrLst/>
+    <dgm:txLinClrLst/>
+    <dgm:txFillClrLst meth="repeat">
+      <a:schemeClr val="dk1"/>
+    </dgm:txFillClrLst>
+    <dgm:txEffectClrLst/>
+  </dgm:styleLbl>
+  <dgm:styleLbl name="bgShp">
+    <dgm:fillClrLst meth="repeat">
+      <a:schemeClr val="accent2">
+        <a:tint val="40000"/>
+      </a:schemeClr>
+    </dgm:fillClrLst>
+    <dgm:linClrLst meth="repeat">
+      <a:schemeClr val="accent2"/>
+    </dgm:linClrLst>
+    <dgm:effectClrLst/>
+    <dgm:txLinClrLst/>
+    <dgm:txFillClrLst meth="repeat">
+      <a:schemeClr val="dk1"/>
+    </dgm:txFillClrLst>
+    <dgm:txEffectClrLst/>
+  </dgm:styleLbl>
+  <dgm:styleLbl name="dkBgShp">
+    <dgm:fillClrLst meth="repeat">
+      <a:schemeClr val="accent2">
+        <a:shade val="80000"/>
+      </a:schemeClr>
+    </dgm:fillClrLst>
+    <dgm:linClrLst meth="repeat">
+      <a:schemeClr val="accent2"/>
+    </dgm:linClrLst>
+    <dgm:effectClrLst/>
+    <dgm:txLinClrLst/>
+    <dgm:txFillClrLst meth="repeat">
+      <a:schemeClr val="lt1"/>
+    </dgm:txFillClrLst>
+    <dgm:txEffectClrLst/>
+  </dgm:styleLbl>
+  <dgm:styleLbl name="trBgShp">
+    <dgm:fillClrLst meth="repeat">
+      <a:schemeClr val="accent2">
+        <a:tint val="50000"/>
+        <a:alpha val="40000"/>
+      </a:schemeClr>
+    </dgm:fillClrLst>
+    <dgm:linClrLst meth="repeat">
+      <a:schemeClr val="accent2"/>
+    </dgm:linClrLst>
+    <dgm:effectClrLst/>
+    <dgm:txLinClrLst/>
+    <dgm:txFillClrLst meth="repeat">
+      <a:schemeClr val="lt1"/>
+    </dgm:txFillClrLst>
+    <dgm:txEffectClrLst/>
+  </dgm:styleLbl>
+  <dgm:styleLbl name="fgShp">
+    <dgm:fillClrLst meth="repeat">
+      <a:schemeClr val="accent2">
+        <a:tint val="60000"/>
+      </a:schemeClr>
+    </dgm:fillClrLst>
+    <dgm:linClrLst meth="repeat">
+      <a:schemeClr val="lt1"/>
+    </dgm:linClrLst>
+    <dgm:effectClrLst/>
+    <dgm:txLinClrLst/>
+    <dgm:txFillClrLst meth="repeat">
+      <a:schemeClr val="dk1"/>
+    </dgm:txFillClrLst>
+    <dgm:txEffectClrLst/>
+  </dgm:styleLbl>
+  <dgm:styleLbl name="revTx">
+    <dgm:fillClrLst meth="repeat">
+      <a:schemeClr val="lt1">
+        <a:alpha val="0"/>
+      </a:schemeClr>
+    </dgm:fillClrLst>
+    <dgm:linClrLst meth="repeat">
+      <a:schemeClr val="dk1">
+        <a:alpha val="0"/>
+      </a:schemeClr>
+    </dgm:linClrLst>
+    <dgm:effectClrLst/>
+    <dgm:txLinClrLst/>
+    <dgm:txFillClrLst meth="repeat">
+      <a:schemeClr val="tx1"/>
+    </dgm:txFillClrLst>
+    <dgm:txEffectClrLst/>
+  </dgm:styleLbl>
+</dgm:colorsDef>
+</file>
+
+<file path=ppt/diagrams/data1.xml><?xml version="1.0" encoding="utf-8"?>
+<dgm:dataModel xmlns:dgm="http://schemas.openxmlformats.org/drawingml/2006/diagram" xmlns:a="http://schemas.openxmlformats.org/drawingml/2006/main">
+  <dgm:ptLst>
+    <dgm:pt modelId="{670CD6D4-026D-4C37-8476-6E0899DD8EE8}" type="doc">
+      <dgm:prSet loTypeId="urn:microsoft.com/office/officeart/2018/2/layout/IconLabelList" loCatId="icon" qsTypeId="urn:microsoft.com/office/officeart/2005/8/quickstyle/simple1" qsCatId="simple" csTypeId="urn:microsoft.com/office/officeart/2005/8/colors/accent2_2" csCatId="accent2" phldr="1"/>
+      <dgm:spPr/>
+      <dgm:t>
+        <a:bodyPr/>
+        <a:lstStyle/>
+        <a:p>
+          <a:endParaRPr lang="en-US"/>
+        </a:p>
+      </dgm:t>
+    </dgm:pt>
+    <dgm:pt modelId="{D51C03AA-2DBE-4C18-81CB-6401C659E68D}">
+      <dgm:prSet/>
+      <dgm:spPr/>
+      <dgm:t>
+        <a:bodyPr/>
+        <a:lstStyle/>
+        <a:p>
+          <a:r>
+            <a:rPr lang="en-US"/>
+            <a:t>Found data</a:t>
+          </a:r>
+        </a:p>
+      </dgm:t>
+    </dgm:pt>
+    <dgm:pt modelId="{64ED41A4-AFC4-42FE-A335-C8315A6B6C88}" type="parTrans" cxnId="{95B5293A-3BD7-4CA9-A093-52BC3D41F26C}">
+      <dgm:prSet/>
+      <dgm:spPr/>
+      <dgm:t>
+        <a:bodyPr/>
+        <a:lstStyle/>
+        <a:p>
+          <a:endParaRPr lang="en-US"/>
+        </a:p>
+      </dgm:t>
+    </dgm:pt>
+    <dgm:pt modelId="{FB831359-E5FE-400D-90D0-D84334966CF7}" type="sibTrans" cxnId="{95B5293A-3BD7-4CA9-A093-52BC3D41F26C}">
+      <dgm:prSet/>
+      <dgm:spPr/>
+      <dgm:t>
+        <a:bodyPr/>
+        <a:lstStyle/>
+        <a:p>
+          <a:endParaRPr lang="en-US"/>
+        </a:p>
+      </dgm:t>
+    </dgm:pt>
+    <dgm:pt modelId="{11120D2A-2A91-4488-BC5D-CB02DD47767F}">
+      <dgm:prSet/>
+      <dgm:spPr/>
+      <dgm:t>
+        <a:bodyPr/>
+        <a:lstStyle/>
+        <a:p>
+          <a:r>
+            <a:rPr lang="en-US"/>
+            <a:t>Cleaned data using Python Pandas</a:t>
+          </a:r>
+        </a:p>
+      </dgm:t>
+    </dgm:pt>
+    <dgm:pt modelId="{F2D85405-BB2B-49B3-9AA2-1D212133C85B}" type="parTrans" cxnId="{2D970C83-69E4-4E81-A84F-0CA660992BAF}">
+      <dgm:prSet/>
+      <dgm:spPr/>
+      <dgm:t>
+        <a:bodyPr/>
+        <a:lstStyle/>
+        <a:p>
+          <a:endParaRPr lang="en-US"/>
+        </a:p>
+      </dgm:t>
+    </dgm:pt>
+    <dgm:pt modelId="{3706EFFD-4F34-4E63-870E-08A1036A2944}" type="sibTrans" cxnId="{2D970C83-69E4-4E81-A84F-0CA660992BAF}">
+      <dgm:prSet/>
+      <dgm:spPr/>
+      <dgm:t>
+        <a:bodyPr/>
+        <a:lstStyle/>
+        <a:p>
+          <a:endParaRPr lang="en-US"/>
+        </a:p>
+      </dgm:t>
+    </dgm:pt>
+    <dgm:pt modelId="{B74F3772-D8D9-471F-B8D9-DB3D24B51EDF}">
+      <dgm:prSet/>
+      <dgm:spPr/>
+      <dgm:t>
+        <a:bodyPr/>
+        <a:lstStyle/>
+        <a:p>
+          <a:r>
+            <a:rPr lang="en-US"/>
+            <a:t>Used Tableau to visualize both high-level perspectives and an overview of bigger impact points</a:t>
+          </a:r>
+        </a:p>
+      </dgm:t>
+    </dgm:pt>
+    <dgm:pt modelId="{667C9BFB-AEDF-41AF-AF42-111FAD457831}" type="parTrans" cxnId="{7AFF5C04-ACC2-40C9-86F3-A08F7DACCC1D}">
+      <dgm:prSet/>
+      <dgm:spPr/>
+      <dgm:t>
+        <a:bodyPr/>
+        <a:lstStyle/>
+        <a:p>
+          <a:endParaRPr lang="en-US"/>
+        </a:p>
+      </dgm:t>
+    </dgm:pt>
+    <dgm:pt modelId="{63DCBB2F-B048-4883-B0DC-A8D68C0EBBE1}" type="sibTrans" cxnId="{7AFF5C04-ACC2-40C9-86F3-A08F7DACCC1D}">
+      <dgm:prSet/>
+      <dgm:spPr/>
+      <dgm:t>
+        <a:bodyPr/>
+        <a:lstStyle/>
+        <a:p>
+          <a:endParaRPr lang="en-US"/>
+        </a:p>
+      </dgm:t>
+    </dgm:pt>
+    <dgm:pt modelId="{812297F0-FD23-4BD3-8020-84E19313A092}">
+      <dgm:prSet/>
+      <dgm:spPr/>
+      <dgm:t>
+        <a:bodyPr/>
+        <a:lstStyle/>
+        <a:p>
+          <a:r>
+            <a:rPr lang="en-US"/>
+            <a:t>Utilized Machine Learning to project something</a:t>
+          </a:r>
+        </a:p>
+      </dgm:t>
+    </dgm:pt>
+    <dgm:pt modelId="{5D6FA4C5-E638-4C50-B502-1750FDE127A0}" type="parTrans" cxnId="{8B5D503F-F16F-4320-8241-342B70A069DC}">
+      <dgm:prSet/>
+      <dgm:spPr/>
+      <dgm:t>
+        <a:bodyPr/>
+        <a:lstStyle/>
+        <a:p>
+          <a:endParaRPr lang="en-US"/>
+        </a:p>
+      </dgm:t>
+    </dgm:pt>
+    <dgm:pt modelId="{3AA60EDF-EEA3-4A54-A42C-0AC7281219A3}" type="sibTrans" cxnId="{8B5D503F-F16F-4320-8241-342B70A069DC}">
+      <dgm:prSet/>
+      <dgm:spPr/>
+      <dgm:t>
+        <a:bodyPr/>
+        <a:lstStyle/>
+        <a:p>
+          <a:endParaRPr lang="en-US"/>
+        </a:p>
+      </dgm:t>
+    </dgm:pt>
+    <dgm:pt modelId="{1D8AEE64-2936-419C-87D1-F1B1B8EBA6B9}">
+      <dgm:prSet/>
+      <dgm:spPr/>
+      <dgm:t>
+        <a:bodyPr/>
+        <a:lstStyle/>
+        <a:p>
+          <a:r>
+            <a:rPr lang="en-US" dirty="0"/>
+            <a:t>Deployed to GitHub pages to be simulated as a web page </a:t>
+          </a:r>
+        </a:p>
+      </dgm:t>
+    </dgm:pt>
+    <dgm:pt modelId="{3A389B27-0619-4938-94E1-49EE64FB6E38}" type="parTrans" cxnId="{0EB1D6B5-4A38-4D42-A642-E1E56737C1E7}">
+      <dgm:prSet/>
+      <dgm:spPr/>
+      <dgm:t>
+        <a:bodyPr/>
+        <a:lstStyle/>
+        <a:p>
+          <a:endParaRPr lang="en-US"/>
+        </a:p>
+      </dgm:t>
+    </dgm:pt>
+    <dgm:pt modelId="{E3E9A435-E45D-4211-A1B5-955966CA8EC4}" type="sibTrans" cxnId="{0EB1D6B5-4A38-4D42-A642-E1E56737C1E7}">
+      <dgm:prSet/>
+      <dgm:spPr/>
+      <dgm:t>
+        <a:bodyPr/>
+        <a:lstStyle/>
+        <a:p>
+          <a:endParaRPr lang="en-US"/>
+        </a:p>
+      </dgm:t>
+    </dgm:pt>
+    <dgm:pt modelId="{841C2335-D3D5-47AD-81FE-B792F78B3DBF}" type="pres">
+      <dgm:prSet presAssocID="{670CD6D4-026D-4C37-8476-6E0899DD8EE8}" presName="root" presStyleCnt="0">
+        <dgm:presLayoutVars>
+          <dgm:dir/>
+          <dgm:resizeHandles val="exact"/>
+        </dgm:presLayoutVars>
+      </dgm:prSet>
+      <dgm:spPr/>
+    </dgm:pt>
+    <dgm:pt modelId="{643904C5-24D5-4F72-A6D5-FB89765DF179}" type="pres">
+      <dgm:prSet presAssocID="{D51C03AA-2DBE-4C18-81CB-6401C659E68D}" presName="compNode" presStyleCnt="0"/>
+      <dgm:spPr/>
+    </dgm:pt>
+    <dgm:pt modelId="{9AEDE38C-1D95-4150-9FF0-87A5059BF8DB}" type="pres">
+      <dgm:prSet presAssocID="{D51C03AA-2DBE-4C18-81CB-6401C659E68D}" presName="iconRect" presStyleLbl="node1" presStyleIdx="0" presStyleCnt="5"/>
+      <dgm:spPr>
+        <a:blipFill>
+          <a:blip xmlns:r="http://schemas.openxmlformats.org/officeDocument/2006/relationships" r:embed="rId1">
+            <a:extLst>
+              <a:ext uri="{28A0092B-C50C-407E-A947-70E740481C1C}">
+                <a14:useLocalDpi xmlns:a14="http://schemas.microsoft.com/office/drawing/2010/main" val="0"/>
+              </a:ext>
+              <a:ext uri="{96DAC541-7B7A-43D3-8B79-37D633B846F1}">
+                <asvg:svgBlip xmlns:asvg="http://schemas.microsoft.com/office/drawing/2016/SVG/main" r:embed="rId2"/>
+              </a:ext>
+            </a:extLst>
+          </a:blip>
+          <a:stretch>
+            <a:fillRect/>
+          </a:stretch>
+        </a:blipFill>
+        <a:ln>
+          <a:noFill/>
+        </a:ln>
+      </dgm:spPr>
+      <dgm:extLst>
+        <a:ext uri="{E40237B7-FDA0-4F09-8148-C483321AD2D9}">
+          <dgm14:cNvPr xmlns:dgm14="http://schemas.microsoft.com/office/drawing/2010/diagram" id="0" name="" descr="Magnifying glass"/>
+        </a:ext>
+      </dgm:extLst>
+    </dgm:pt>
+    <dgm:pt modelId="{71290C43-1247-4D15-9777-7115FBE62C8F}" type="pres">
+      <dgm:prSet presAssocID="{D51C03AA-2DBE-4C18-81CB-6401C659E68D}" presName="spaceRect" presStyleCnt="0"/>
+      <dgm:spPr/>
+    </dgm:pt>
+    <dgm:pt modelId="{58391C76-D433-4BAF-8D59-A87A10823E78}" type="pres">
+      <dgm:prSet presAssocID="{D51C03AA-2DBE-4C18-81CB-6401C659E68D}" presName="textRect" presStyleLbl="revTx" presStyleIdx="0" presStyleCnt="5">
+        <dgm:presLayoutVars>
+          <dgm:chMax val="1"/>
+          <dgm:chPref val="1"/>
+        </dgm:presLayoutVars>
+      </dgm:prSet>
+      <dgm:spPr/>
+    </dgm:pt>
+    <dgm:pt modelId="{0229D782-AD28-4991-9984-9D4048009CF0}" type="pres">
+      <dgm:prSet presAssocID="{FB831359-E5FE-400D-90D0-D84334966CF7}" presName="sibTrans" presStyleCnt="0"/>
+      <dgm:spPr/>
+    </dgm:pt>
+    <dgm:pt modelId="{D48761FC-E02F-44F2-9EA5-ECA00C1FEB95}" type="pres">
+      <dgm:prSet presAssocID="{11120D2A-2A91-4488-BC5D-CB02DD47767F}" presName="compNode" presStyleCnt="0"/>
+      <dgm:spPr/>
+    </dgm:pt>
+    <dgm:pt modelId="{F87FCBD7-5841-4CB7-8852-4E3F4FA74B17}" type="pres">
+      <dgm:prSet presAssocID="{11120D2A-2A91-4488-BC5D-CB02DD47767F}" presName="iconRect" presStyleLbl="node1" presStyleIdx="1" presStyleCnt="5"/>
+      <dgm:spPr>
+        <a:blipFill>
+          <a:blip xmlns:r="http://schemas.openxmlformats.org/officeDocument/2006/relationships" r:embed="rId3">
+            <a:extLst>
+              <a:ext uri="{28A0092B-C50C-407E-A947-70E740481C1C}">
+                <a14:useLocalDpi xmlns:a14="http://schemas.microsoft.com/office/drawing/2010/main" val="0"/>
+              </a:ext>
+              <a:ext uri="{96DAC541-7B7A-43D3-8B79-37D633B846F1}">
+                <asvg:svgBlip xmlns:asvg="http://schemas.microsoft.com/office/drawing/2016/SVG/main" r:embed="rId4"/>
+              </a:ext>
+            </a:extLst>
+          </a:blip>
+          <a:stretch>
+            <a:fillRect/>
+          </a:stretch>
+        </a:blipFill>
+        <a:ln>
+          <a:noFill/>
+        </a:ln>
+      </dgm:spPr>
+      <dgm:extLst>
+        <a:ext uri="{E40237B7-FDA0-4F09-8148-C483321AD2D9}">
+          <dgm14:cNvPr xmlns:dgm14="http://schemas.microsoft.com/office/drawing/2010/diagram" id="0" name="" descr="Bug"/>
+        </a:ext>
+      </dgm:extLst>
+    </dgm:pt>
+    <dgm:pt modelId="{DF051C73-6304-477B-B18C-ED8CF5DF6B7C}" type="pres">
+      <dgm:prSet presAssocID="{11120D2A-2A91-4488-BC5D-CB02DD47767F}" presName="spaceRect" presStyleCnt="0"/>
+      <dgm:spPr/>
+    </dgm:pt>
+    <dgm:pt modelId="{8AE98502-E18B-483D-BAAF-09E860B92039}" type="pres">
+      <dgm:prSet presAssocID="{11120D2A-2A91-4488-BC5D-CB02DD47767F}" presName="textRect" presStyleLbl="revTx" presStyleIdx="1" presStyleCnt="5">
+        <dgm:presLayoutVars>
+          <dgm:chMax val="1"/>
+          <dgm:chPref val="1"/>
+        </dgm:presLayoutVars>
+      </dgm:prSet>
+      <dgm:spPr/>
+    </dgm:pt>
+    <dgm:pt modelId="{5B541F0C-E341-4373-A7B3-37B03B6FC410}" type="pres">
+      <dgm:prSet presAssocID="{3706EFFD-4F34-4E63-870E-08A1036A2944}" presName="sibTrans" presStyleCnt="0"/>
+      <dgm:spPr/>
+    </dgm:pt>
+    <dgm:pt modelId="{8CB52E5C-1CD7-473A-82F1-E351FC051CFA}" type="pres">
+      <dgm:prSet presAssocID="{B74F3772-D8D9-471F-B8D9-DB3D24B51EDF}" presName="compNode" presStyleCnt="0"/>
+      <dgm:spPr/>
+    </dgm:pt>
+    <dgm:pt modelId="{2943791F-D8CA-4003-B0ED-05DE1364DFFB}" type="pres">
+      <dgm:prSet presAssocID="{B74F3772-D8D9-471F-B8D9-DB3D24B51EDF}" presName="iconRect" presStyleLbl="node1" presStyleIdx="2" presStyleCnt="5"/>
+      <dgm:spPr>
+        <a:blipFill>
+          <a:blip xmlns:r="http://schemas.openxmlformats.org/officeDocument/2006/relationships" r:embed="rId5">
+            <a:extLst>
+              <a:ext uri="{28A0092B-C50C-407E-A947-70E740481C1C}">
+                <a14:useLocalDpi xmlns:a14="http://schemas.microsoft.com/office/drawing/2010/main" val="0"/>
+              </a:ext>
+              <a:ext uri="{96DAC541-7B7A-43D3-8B79-37D633B846F1}">
+                <asvg:svgBlip xmlns:asvg="http://schemas.microsoft.com/office/drawing/2016/SVG/main" r:embed="rId6"/>
+              </a:ext>
+            </a:extLst>
+          </a:blip>
+          <a:stretch>
+            <a:fillRect/>
+          </a:stretch>
+        </a:blipFill>
+        <a:ln>
+          <a:noFill/>
+        </a:ln>
+      </dgm:spPr>
+      <dgm:extLst>
+        <a:ext uri="{E40237B7-FDA0-4F09-8148-C483321AD2D9}">
+          <dgm14:cNvPr xmlns:dgm14="http://schemas.microsoft.com/office/drawing/2010/diagram" id="0" name="" descr="Eye"/>
+        </a:ext>
+      </dgm:extLst>
+    </dgm:pt>
+    <dgm:pt modelId="{93E1BE6D-07E5-4713-AE77-BC2AA89B6AC0}" type="pres">
+      <dgm:prSet presAssocID="{B74F3772-D8D9-471F-B8D9-DB3D24B51EDF}" presName="spaceRect" presStyleCnt="0"/>
+      <dgm:spPr/>
+    </dgm:pt>
+    <dgm:pt modelId="{FA94779B-4573-4217-8799-5E290343C9CE}" type="pres">
+      <dgm:prSet presAssocID="{B74F3772-D8D9-471F-B8D9-DB3D24B51EDF}" presName="textRect" presStyleLbl="revTx" presStyleIdx="2" presStyleCnt="5">
+        <dgm:presLayoutVars>
+          <dgm:chMax val="1"/>
+          <dgm:chPref val="1"/>
+        </dgm:presLayoutVars>
+      </dgm:prSet>
+      <dgm:spPr/>
+    </dgm:pt>
+    <dgm:pt modelId="{1B5463BC-354E-4BA1-91CA-2ABD154E01ED}" type="pres">
+      <dgm:prSet presAssocID="{63DCBB2F-B048-4883-B0DC-A8D68C0EBBE1}" presName="sibTrans" presStyleCnt="0"/>
+      <dgm:spPr/>
+    </dgm:pt>
+    <dgm:pt modelId="{DA90B8C5-885B-4ED7-9FCE-2172B9B9B1FD}" type="pres">
+      <dgm:prSet presAssocID="{812297F0-FD23-4BD3-8020-84E19313A092}" presName="compNode" presStyleCnt="0"/>
+      <dgm:spPr/>
+    </dgm:pt>
+    <dgm:pt modelId="{EEC901D9-C03A-475F-B3A2-B795C903326F}" type="pres">
+      <dgm:prSet presAssocID="{812297F0-FD23-4BD3-8020-84E19313A092}" presName="iconRect" presStyleLbl="node1" presStyleIdx="3" presStyleCnt="5"/>
+      <dgm:spPr>
+        <a:blipFill>
+          <a:blip xmlns:r="http://schemas.openxmlformats.org/officeDocument/2006/relationships" r:embed="rId7">
+            <a:extLst>
+              <a:ext uri="{28A0092B-C50C-407E-A947-70E740481C1C}">
+                <a14:useLocalDpi xmlns:a14="http://schemas.microsoft.com/office/drawing/2010/main" val="0"/>
+              </a:ext>
+              <a:ext uri="{96DAC541-7B7A-43D3-8B79-37D633B846F1}">
+                <asvg:svgBlip xmlns:asvg="http://schemas.microsoft.com/office/drawing/2016/SVG/main" r:embed="rId8"/>
+              </a:ext>
+            </a:extLst>
+          </a:blip>
+          <a:stretch>
+            <a:fillRect/>
+          </a:stretch>
+        </a:blipFill>
+        <a:ln>
+          <a:noFill/>
+        </a:ln>
+      </dgm:spPr>
+      <dgm:extLst>
+        <a:ext uri="{E40237B7-FDA0-4F09-8148-C483321AD2D9}">
+          <dgm14:cNvPr xmlns:dgm14="http://schemas.microsoft.com/office/drawing/2010/diagram" id="0" name="" descr="Head with Gears"/>
+        </a:ext>
+      </dgm:extLst>
+    </dgm:pt>
+    <dgm:pt modelId="{79C0BE9F-165C-4406-859A-EB00CE6A44E1}" type="pres">
+      <dgm:prSet presAssocID="{812297F0-FD23-4BD3-8020-84E19313A092}" presName="spaceRect" presStyleCnt="0"/>
+      <dgm:spPr/>
+    </dgm:pt>
+    <dgm:pt modelId="{C0268248-ABF8-4330-BD16-2ED087FCCAE2}" type="pres">
+      <dgm:prSet presAssocID="{812297F0-FD23-4BD3-8020-84E19313A092}" presName="textRect" presStyleLbl="revTx" presStyleIdx="3" presStyleCnt="5">
+        <dgm:presLayoutVars>
+          <dgm:chMax val="1"/>
+          <dgm:chPref val="1"/>
+        </dgm:presLayoutVars>
+      </dgm:prSet>
+      <dgm:spPr/>
+    </dgm:pt>
+    <dgm:pt modelId="{0345F6D0-C4EB-49C7-A26F-27B118D97974}" type="pres">
+      <dgm:prSet presAssocID="{3AA60EDF-EEA3-4A54-A42C-0AC7281219A3}" presName="sibTrans" presStyleCnt="0"/>
+      <dgm:spPr/>
+    </dgm:pt>
+    <dgm:pt modelId="{4B0DABEC-C3E9-458F-AECC-EDDD09CB08B4}" type="pres">
+      <dgm:prSet presAssocID="{1D8AEE64-2936-419C-87D1-F1B1B8EBA6B9}" presName="compNode" presStyleCnt="0"/>
+      <dgm:spPr/>
+    </dgm:pt>
+    <dgm:pt modelId="{F7863FD1-FCE5-49BB-B524-B43837443773}" type="pres">
+      <dgm:prSet presAssocID="{1D8AEE64-2936-419C-87D1-F1B1B8EBA6B9}" presName="iconRect" presStyleLbl="node1" presStyleIdx="4" presStyleCnt="5"/>
+      <dgm:spPr>
+        <a:blipFill>
+          <a:blip xmlns:r="http://schemas.openxmlformats.org/officeDocument/2006/relationships" r:embed="rId9">
+            <a:extLst>
+              <a:ext uri="{28A0092B-C50C-407E-A947-70E740481C1C}">
+                <a14:useLocalDpi xmlns:a14="http://schemas.microsoft.com/office/drawing/2010/main" val="0"/>
+              </a:ext>
+              <a:ext uri="{96DAC541-7B7A-43D3-8B79-37D633B846F1}">
+                <asvg:svgBlip xmlns:asvg="http://schemas.microsoft.com/office/drawing/2016/SVG/main" r:embed="rId10"/>
+              </a:ext>
+            </a:extLst>
+          </a:blip>
+          <a:stretch>
+            <a:fillRect/>
+          </a:stretch>
+        </a:blipFill>
+        <a:ln>
+          <a:noFill/>
+        </a:ln>
+      </dgm:spPr>
+      <dgm:extLst>
+        <a:ext uri="{E40237B7-FDA0-4F09-8148-C483321AD2D9}">
+          <dgm14:cNvPr xmlns:dgm14="http://schemas.microsoft.com/office/drawing/2010/diagram" id="0" name="" descr="Right Pointing Backhand Index"/>
+        </a:ext>
+      </dgm:extLst>
+    </dgm:pt>
+    <dgm:pt modelId="{2D842278-0E5C-4E5C-A411-DCF522467B9A}" type="pres">
+      <dgm:prSet presAssocID="{1D8AEE64-2936-419C-87D1-F1B1B8EBA6B9}" presName="spaceRect" presStyleCnt="0"/>
+      <dgm:spPr/>
+    </dgm:pt>
+    <dgm:pt modelId="{D900672E-5246-4707-A4D8-402BE80375F6}" type="pres">
+      <dgm:prSet presAssocID="{1D8AEE64-2936-419C-87D1-F1B1B8EBA6B9}" presName="textRect" presStyleLbl="revTx" presStyleIdx="4" presStyleCnt="5">
+        <dgm:presLayoutVars>
+          <dgm:chMax val="1"/>
+          <dgm:chPref val="1"/>
+        </dgm:presLayoutVars>
+      </dgm:prSet>
+      <dgm:spPr/>
+    </dgm:pt>
+  </dgm:ptLst>
+  <dgm:cxnLst>
+    <dgm:cxn modelId="{7AFF5C04-ACC2-40C9-86F3-A08F7DACCC1D}" srcId="{670CD6D4-026D-4C37-8476-6E0899DD8EE8}" destId="{B74F3772-D8D9-471F-B8D9-DB3D24B51EDF}" srcOrd="2" destOrd="0" parTransId="{667C9BFB-AEDF-41AF-AF42-111FAD457831}" sibTransId="{63DCBB2F-B048-4883-B0DC-A8D68C0EBBE1}"/>
+    <dgm:cxn modelId="{48C5C925-CADF-40A4-B41D-2EAAA8FB7888}" type="presOf" srcId="{D51C03AA-2DBE-4C18-81CB-6401C659E68D}" destId="{58391C76-D433-4BAF-8D59-A87A10823E78}" srcOrd="0" destOrd="0" presId="urn:microsoft.com/office/officeart/2018/2/layout/IconLabelList"/>
+    <dgm:cxn modelId="{95B5293A-3BD7-4CA9-A093-52BC3D41F26C}" srcId="{670CD6D4-026D-4C37-8476-6E0899DD8EE8}" destId="{D51C03AA-2DBE-4C18-81CB-6401C659E68D}" srcOrd="0" destOrd="0" parTransId="{64ED41A4-AFC4-42FE-A335-C8315A6B6C88}" sibTransId="{FB831359-E5FE-400D-90D0-D84334966CF7}"/>
+    <dgm:cxn modelId="{8B5D503F-F16F-4320-8241-342B70A069DC}" srcId="{670CD6D4-026D-4C37-8476-6E0899DD8EE8}" destId="{812297F0-FD23-4BD3-8020-84E19313A092}" srcOrd="3" destOrd="0" parTransId="{5D6FA4C5-E638-4C50-B502-1750FDE127A0}" sibTransId="{3AA60EDF-EEA3-4A54-A42C-0AC7281219A3}"/>
+    <dgm:cxn modelId="{E273F951-7E94-42F3-8FC9-A7FA7D6F76AF}" type="presOf" srcId="{11120D2A-2A91-4488-BC5D-CB02DD47767F}" destId="{8AE98502-E18B-483D-BAAF-09E860B92039}" srcOrd="0" destOrd="0" presId="urn:microsoft.com/office/officeart/2018/2/layout/IconLabelList"/>
+    <dgm:cxn modelId="{3CB47B58-49CC-4380-B2BB-A3377A193710}" type="presOf" srcId="{812297F0-FD23-4BD3-8020-84E19313A092}" destId="{C0268248-ABF8-4330-BD16-2ED087FCCAE2}" srcOrd="0" destOrd="0" presId="urn:microsoft.com/office/officeart/2018/2/layout/IconLabelList"/>
+    <dgm:cxn modelId="{EFF47872-FF66-4897-A791-C361042949C3}" type="presOf" srcId="{1D8AEE64-2936-419C-87D1-F1B1B8EBA6B9}" destId="{D900672E-5246-4707-A4D8-402BE80375F6}" srcOrd="0" destOrd="0" presId="urn:microsoft.com/office/officeart/2018/2/layout/IconLabelList"/>
+    <dgm:cxn modelId="{2D970C83-69E4-4E81-A84F-0CA660992BAF}" srcId="{670CD6D4-026D-4C37-8476-6E0899DD8EE8}" destId="{11120D2A-2A91-4488-BC5D-CB02DD47767F}" srcOrd="1" destOrd="0" parTransId="{F2D85405-BB2B-49B3-9AA2-1D212133C85B}" sibTransId="{3706EFFD-4F34-4E63-870E-08A1036A2944}"/>
+    <dgm:cxn modelId="{8BA6DBA1-C0D6-458E-8943-E951750B4A21}" type="presOf" srcId="{670CD6D4-026D-4C37-8476-6E0899DD8EE8}" destId="{841C2335-D3D5-47AD-81FE-B792F78B3DBF}" srcOrd="0" destOrd="0" presId="urn:microsoft.com/office/officeart/2018/2/layout/IconLabelList"/>
+    <dgm:cxn modelId="{0EB1D6B5-4A38-4D42-A642-E1E56737C1E7}" srcId="{670CD6D4-026D-4C37-8476-6E0899DD8EE8}" destId="{1D8AEE64-2936-419C-87D1-F1B1B8EBA6B9}" srcOrd="4" destOrd="0" parTransId="{3A389B27-0619-4938-94E1-49EE64FB6E38}" sibTransId="{E3E9A435-E45D-4211-A1B5-955966CA8EC4}"/>
+    <dgm:cxn modelId="{C2FE6BB7-D257-420C-8AD9-24E02E338259}" type="presOf" srcId="{B74F3772-D8D9-471F-B8D9-DB3D24B51EDF}" destId="{FA94779B-4573-4217-8799-5E290343C9CE}" srcOrd="0" destOrd="0" presId="urn:microsoft.com/office/officeart/2018/2/layout/IconLabelList"/>
+    <dgm:cxn modelId="{CD69715C-EFC8-46DF-A7FB-4104011676A6}" type="presParOf" srcId="{841C2335-D3D5-47AD-81FE-B792F78B3DBF}" destId="{643904C5-24D5-4F72-A6D5-FB89765DF179}" srcOrd="0" destOrd="0" presId="urn:microsoft.com/office/officeart/2018/2/layout/IconLabelList"/>
+    <dgm:cxn modelId="{6B1C5060-D9A3-42A7-B99A-1B4CF093898A}" type="presParOf" srcId="{643904C5-24D5-4F72-A6D5-FB89765DF179}" destId="{9AEDE38C-1D95-4150-9FF0-87A5059BF8DB}" srcOrd="0" destOrd="0" presId="urn:microsoft.com/office/officeart/2018/2/layout/IconLabelList"/>
+    <dgm:cxn modelId="{4807D31A-B631-4FB5-95EE-432C81E43694}" type="presParOf" srcId="{643904C5-24D5-4F72-A6D5-FB89765DF179}" destId="{71290C43-1247-4D15-9777-7115FBE62C8F}" srcOrd="1" destOrd="0" presId="urn:microsoft.com/office/officeart/2018/2/layout/IconLabelList"/>
+    <dgm:cxn modelId="{5A7DBCE3-7912-4179-BC0B-DE7088812F18}" type="presParOf" srcId="{643904C5-24D5-4F72-A6D5-FB89765DF179}" destId="{58391C76-D433-4BAF-8D59-A87A10823E78}" srcOrd="2" destOrd="0" presId="urn:microsoft.com/office/officeart/2018/2/layout/IconLabelList"/>
+    <dgm:cxn modelId="{ABA5FC95-61E0-4A92-8255-5F6CE5D9D6E9}" type="presParOf" srcId="{841C2335-D3D5-47AD-81FE-B792F78B3DBF}" destId="{0229D782-AD28-4991-9984-9D4048009CF0}" srcOrd="1" destOrd="0" presId="urn:microsoft.com/office/officeart/2018/2/layout/IconLabelList"/>
+    <dgm:cxn modelId="{8D138278-86E4-4ACF-9143-9E88E9C5C494}" type="presParOf" srcId="{841C2335-D3D5-47AD-81FE-B792F78B3DBF}" destId="{D48761FC-E02F-44F2-9EA5-ECA00C1FEB95}" srcOrd="2" destOrd="0" presId="urn:microsoft.com/office/officeart/2018/2/layout/IconLabelList"/>
+    <dgm:cxn modelId="{D468A40E-A2BE-4973-8702-F739853CA845}" type="presParOf" srcId="{D48761FC-E02F-44F2-9EA5-ECA00C1FEB95}" destId="{F87FCBD7-5841-4CB7-8852-4E3F4FA74B17}" srcOrd="0" destOrd="0" presId="urn:microsoft.com/office/officeart/2018/2/layout/IconLabelList"/>
+    <dgm:cxn modelId="{8B5999B5-1C63-4402-903D-2B6A7DE570AE}" type="presParOf" srcId="{D48761FC-E02F-44F2-9EA5-ECA00C1FEB95}" destId="{DF051C73-6304-477B-B18C-ED8CF5DF6B7C}" srcOrd="1" destOrd="0" presId="urn:microsoft.com/office/officeart/2018/2/layout/IconLabelList"/>
+    <dgm:cxn modelId="{9683FB38-9AA8-480F-85E1-75D350352AFD}" type="presParOf" srcId="{D48761FC-E02F-44F2-9EA5-ECA00C1FEB95}" destId="{8AE98502-E18B-483D-BAAF-09E860B92039}" srcOrd="2" destOrd="0" presId="urn:microsoft.com/office/officeart/2018/2/layout/IconLabelList"/>
+    <dgm:cxn modelId="{D172FD4F-E2AB-4A6D-ACD6-24FB00C9F57E}" type="presParOf" srcId="{841C2335-D3D5-47AD-81FE-B792F78B3DBF}" destId="{5B541F0C-E341-4373-A7B3-37B03B6FC410}" srcOrd="3" destOrd="0" presId="urn:microsoft.com/office/officeart/2018/2/layout/IconLabelList"/>
+    <dgm:cxn modelId="{8C48233A-82DB-47F5-9679-FA35AAD1D358}" type="presParOf" srcId="{841C2335-D3D5-47AD-81FE-B792F78B3DBF}" destId="{8CB52E5C-1CD7-473A-82F1-E351FC051CFA}" srcOrd="4" destOrd="0" presId="urn:microsoft.com/office/officeart/2018/2/layout/IconLabelList"/>
+    <dgm:cxn modelId="{B22D847A-AA7A-454D-84EA-DF38A86CA4E5}" type="presParOf" srcId="{8CB52E5C-1CD7-473A-82F1-E351FC051CFA}" destId="{2943791F-D8CA-4003-B0ED-05DE1364DFFB}" srcOrd="0" destOrd="0" presId="urn:microsoft.com/office/officeart/2018/2/layout/IconLabelList"/>
+    <dgm:cxn modelId="{A3EF8725-C5D3-401B-9EE5-20EBC79F036A}" type="presParOf" srcId="{8CB52E5C-1CD7-473A-82F1-E351FC051CFA}" destId="{93E1BE6D-07E5-4713-AE77-BC2AA89B6AC0}" srcOrd="1" destOrd="0" presId="urn:microsoft.com/office/officeart/2018/2/layout/IconLabelList"/>
+    <dgm:cxn modelId="{19F02D3B-B4C2-41D1-BCE9-3377F1304ED0}" type="presParOf" srcId="{8CB52E5C-1CD7-473A-82F1-E351FC051CFA}" destId="{FA94779B-4573-4217-8799-5E290343C9CE}" srcOrd="2" destOrd="0" presId="urn:microsoft.com/office/officeart/2018/2/layout/IconLabelList"/>
+    <dgm:cxn modelId="{8EAC36B6-A999-4B74-B7A4-AE6260567FAE}" type="presParOf" srcId="{841C2335-D3D5-47AD-81FE-B792F78B3DBF}" destId="{1B5463BC-354E-4BA1-91CA-2ABD154E01ED}" srcOrd="5" destOrd="0" presId="urn:microsoft.com/office/officeart/2018/2/layout/IconLabelList"/>
+    <dgm:cxn modelId="{7B308165-6589-45CD-BDA1-D40094E3B60C}" type="presParOf" srcId="{841C2335-D3D5-47AD-81FE-B792F78B3DBF}" destId="{DA90B8C5-885B-4ED7-9FCE-2172B9B9B1FD}" srcOrd="6" destOrd="0" presId="urn:microsoft.com/office/officeart/2018/2/layout/IconLabelList"/>
+    <dgm:cxn modelId="{1CB5FC61-4E7D-42F0-8FEC-117E1E9F3A1D}" type="presParOf" srcId="{DA90B8C5-885B-4ED7-9FCE-2172B9B9B1FD}" destId="{EEC901D9-C03A-475F-B3A2-B795C903326F}" srcOrd="0" destOrd="0" presId="urn:microsoft.com/office/officeart/2018/2/layout/IconLabelList"/>
+    <dgm:cxn modelId="{D70B18AD-658E-451C-A7CD-BE82B75B943F}" type="presParOf" srcId="{DA90B8C5-885B-4ED7-9FCE-2172B9B9B1FD}" destId="{79C0BE9F-165C-4406-859A-EB00CE6A44E1}" srcOrd="1" destOrd="0" presId="urn:microsoft.com/office/officeart/2018/2/layout/IconLabelList"/>
+    <dgm:cxn modelId="{CC02AE5D-54F8-4E39-B839-520B898D69CB}" type="presParOf" srcId="{DA90B8C5-885B-4ED7-9FCE-2172B9B9B1FD}" destId="{C0268248-ABF8-4330-BD16-2ED087FCCAE2}" srcOrd="2" destOrd="0" presId="urn:microsoft.com/office/officeart/2018/2/layout/IconLabelList"/>
+    <dgm:cxn modelId="{139D1582-A0BB-46CD-A004-27C3FC728231}" type="presParOf" srcId="{841C2335-D3D5-47AD-81FE-B792F78B3DBF}" destId="{0345F6D0-C4EB-49C7-A26F-27B118D97974}" srcOrd="7" destOrd="0" presId="urn:microsoft.com/office/officeart/2018/2/layout/IconLabelList"/>
+    <dgm:cxn modelId="{0C4E0693-CB29-4993-9529-E80B241A70F8}" type="presParOf" srcId="{841C2335-D3D5-47AD-81FE-B792F78B3DBF}" destId="{4B0DABEC-C3E9-458F-AECC-EDDD09CB08B4}" srcOrd="8" destOrd="0" presId="urn:microsoft.com/office/officeart/2018/2/layout/IconLabelList"/>
+    <dgm:cxn modelId="{5C728FFA-DCB0-47F1-9C47-405023493078}" type="presParOf" srcId="{4B0DABEC-C3E9-458F-AECC-EDDD09CB08B4}" destId="{F7863FD1-FCE5-49BB-B524-B43837443773}" srcOrd="0" destOrd="0" presId="urn:microsoft.com/office/officeart/2018/2/layout/IconLabelList"/>
+    <dgm:cxn modelId="{FB57DBB2-643F-457D-B7B7-8C10F1ED7823}" type="presParOf" srcId="{4B0DABEC-C3E9-458F-AECC-EDDD09CB08B4}" destId="{2D842278-0E5C-4E5C-A411-DCF522467B9A}" srcOrd="1" destOrd="0" presId="urn:microsoft.com/office/officeart/2018/2/layout/IconLabelList"/>
+    <dgm:cxn modelId="{924C0305-A68A-4588-98F1-F5707FFF901B}" type="presParOf" srcId="{4B0DABEC-C3E9-458F-AECC-EDDD09CB08B4}" destId="{D900672E-5246-4707-A4D8-402BE80375F6}" srcOrd="2" destOrd="0" presId="urn:microsoft.com/office/officeart/2018/2/layout/IconLabelList"/>
+  </dgm:cxnLst>
+  <dgm:bg/>
+  <dgm:whole/>
+  <dgm:extLst>
+    <a:ext uri="http://schemas.microsoft.com/office/drawing/2008/diagram">
+      <dsp:dataModelExt xmlns:dsp="http://schemas.microsoft.com/office/drawing/2008/diagram" relId="rId6" minVer="http://schemas.openxmlformats.org/drawingml/2006/diagram"/>
+    </a:ext>
+  </dgm:extLst>
+</dgm:dataModel>
+</file>
+
+<file path=ppt/diagrams/drawing1.xml><?xml version="1.0" encoding="utf-8"?>
+<dsp:drawing xmlns:dgm="http://schemas.openxmlformats.org/drawingml/2006/diagram" xmlns:dsp="http://schemas.microsoft.com/office/drawing/2008/diagram" xmlns:a="http://schemas.openxmlformats.org/drawingml/2006/main">
+  <dsp:spTree>
+    <dsp:nvGrpSpPr>
+      <dsp:cNvPr id="0" name=""/>
+      <dsp:cNvGrpSpPr/>
+    </dsp:nvGrpSpPr>
+    <dsp:grpSpPr/>
+    <dsp:sp modelId="{9AEDE38C-1D95-4150-9FF0-87A5059BF8DB}">
+      <dsp:nvSpPr>
+        <dsp:cNvPr id="0" name=""/>
+        <dsp:cNvSpPr/>
+      </dsp:nvSpPr>
+      <dsp:spPr>
+        <a:xfrm>
+          <a:off x="489253" y="998804"/>
+          <a:ext cx="793388" cy="793388"/>
+        </a:xfrm>
+        <a:prstGeom prst="rect">
+          <a:avLst/>
+        </a:prstGeom>
+        <a:blipFill>
+          <a:blip xmlns:r="http://schemas.openxmlformats.org/officeDocument/2006/relationships" r:embed="rId1">
+            <a:extLst>
+              <a:ext uri="{28A0092B-C50C-407E-A947-70E740481C1C}">
+                <a14:useLocalDpi xmlns:a14="http://schemas.microsoft.com/office/drawing/2010/main" val="0"/>
+              </a:ext>
+              <a:ext uri="{96DAC541-7B7A-43D3-8B79-37D633B846F1}">
+                <asvg:svgBlip xmlns:asvg="http://schemas.microsoft.com/office/drawing/2016/SVG/main" r:embed="rId2"/>
+              </a:ext>
+            </a:extLst>
+          </a:blip>
+          <a:stretch>
+            <a:fillRect/>
+          </a:stretch>
+        </a:blipFill>
+        <a:ln w="15875" cap="flat" cmpd="sng" algn="ctr">
+          <a:noFill/>
+          <a:prstDash val="solid"/>
+        </a:ln>
+        <a:effectLst/>
+      </dsp:spPr>
+      <dsp:style>
+        <a:lnRef idx="2">
+          <a:scrgbClr r="0" g="0" b="0"/>
+        </a:lnRef>
+        <a:fillRef idx="1">
+          <a:scrgbClr r="0" g="0" b="0"/>
+        </a:fillRef>
+        <a:effectRef idx="0">
+          <a:scrgbClr r="0" g="0" b="0"/>
+        </a:effectRef>
+        <a:fontRef idx="minor">
+          <a:schemeClr val="lt1"/>
+        </a:fontRef>
+      </dsp:style>
+    </dsp:sp>
+    <dsp:sp modelId="{58391C76-D433-4BAF-8D59-A87A10823E78}">
+      <dsp:nvSpPr>
+        <dsp:cNvPr id="0" name=""/>
+        <dsp:cNvSpPr/>
+      </dsp:nvSpPr>
+      <dsp:spPr>
+        <a:xfrm>
+          <a:off x="4405" y="2056851"/>
+          <a:ext cx="1763085" cy="705234"/>
+        </a:xfrm>
+        <a:prstGeom prst="rect">
+          <a:avLst/>
+        </a:prstGeom>
+        <a:noFill/>
+        <a:ln>
+          <a:noFill/>
+        </a:ln>
+        <a:effectLst/>
+      </dsp:spPr>
+      <dsp:style>
+        <a:lnRef idx="0">
+          <a:scrgbClr r="0" g="0" b="0"/>
+        </a:lnRef>
+        <a:fillRef idx="0">
+          <a:scrgbClr r="0" g="0" b="0"/>
+        </a:fillRef>
+        <a:effectRef idx="0">
+          <a:scrgbClr r="0" g="0" b="0"/>
+        </a:effectRef>
+        <a:fontRef idx="minor"/>
+      </dsp:style>
+      <dsp:txBody>
+        <a:bodyPr spcFirstLastPara="0" vert="horz" wrap="square" lIns="0" tIns="0" rIns="0" bIns="0" numCol="1" spcCol="1270" anchor="t" anchorCtr="0">
+          <a:noAutofit/>
+        </a:bodyPr>
+        <a:lstStyle/>
+        <a:p>
+          <a:pPr marL="0" lvl="0" indent="0" algn="ctr" defTabSz="488950">
+            <a:lnSpc>
+              <a:spcPct val="90000"/>
+            </a:lnSpc>
+            <a:spcBef>
+              <a:spcPct val="0"/>
+            </a:spcBef>
+            <a:spcAft>
+              <a:spcPct val="35000"/>
+            </a:spcAft>
+            <a:buNone/>
+          </a:pPr>
+          <a:r>
+            <a:rPr lang="en-US" sz="1100" kern="1200"/>
+            <a:t>Found data</a:t>
+          </a:r>
+        </a:p>
+      </dsp:txBody>
+      <dsp:txXfrm>
+        <a:off x="4405" y="2056851"/>
+        <a:ext cx="1763085" cy="705234"/>
+      </dsp:txXfrm>
+    </dsp:sp>
+    <dsp:sp modelId="{F87FCBD7-5841-4CB7-8852-4E3F4FA74B17}">
+      <dsp:nvSpPr>
+        <dsp:cNvPr id="0" name=""/>
+        <dsp:cNvSpPr/>
+      </dsp:nvSpPr>
+      <dsp:spPr>
+        <a:xfrm>
+          <a:off x="2560879" y="998804"/>
+          <a:ext cx="793388" cy="793388"/>
+        </a:xfrm>
+        <a:prstGeom prst="rect">
+          <a:avLst/>
+        </a:prstGeom>
+        <a:blipFill>
+          <a:blip xmlns:r="http://schemas.openxmlformats.org/officeDocument/2006/relationships" r:embed="rId3">
+            <a:extLst>
+              <a:ext uri="{28A0092B-C50C-407E-A947-70E740481C1C}">
+                <a14:useLocalDpi xmlns:a14="http://schemas.microsoft.com/office/drawing/2010/main" val="0"/>
+              </a:ext>
+              <a:ext uri="{96DAC541-7B7A-43D3-8B79-37D633B846F1}">
+                <asvg:svgBlip xmlns:asvg="http://schemas.microsoft.com/office/drawing/2016/SVG/main" r:embed="rId4"/>
+              </a:ext>
+            </a:extLst>
+          </a:blip>
+          <a:stretch>
+            <a:fillRect/>
+          </a:stretch>
+        </a:blipFill>
+        <a:ln w="15875" cap="flat" cmpd="sng" algn="ctr">
+          <a:noFill/>
+          <a:prstDash val="solid"/>
+        </a:ln>
+        <a:effectLst/>
+      </dsp:spPr>
+      <dsp:style>
+        <a:lnRef idx="2">
+          <a:scrgbClr r="0" g="0" b="0"/>
+        </a:lnRef>
+        <a:fillRef idx="1">
+          <a:scrgbClr r="0" g="0" b="0"/>
+        </a:fillRef>
+        <a:effectRef idx="0">
+          <a:scrgbClr r="0" g="0" b="0"/>
+        </a:effectRef>
+        <a:fontRef idx="minor">
+          <a:schemeClr val="lt1"/>
+        </a:fontRef>
+      </dsp:style>
+    </dsp:sp>
+    <dsp:sp modelId="{8AE98502-E18B-483D-BAAF-09E860B92039}">
+      <dsp:nvSpPr>
+        <dsp:cNvPr id="0" name=""/>
+        <dsp:cNvSpPr/>
+      </dsp:nvSpPr>
+      <dsp:spPr>
+        <a:xfrm>
+          <a:off x="2076031" y="2056851"/>
+          <a:ext cx="1763085" cy="705234"/>
+        </a:xfrm>
+        <a:prstGeom prst="rect">
+          <a:avLst/>
+        </a:prstGeom>
+        <a:noFill/>
+        <a:ln>
+          <a:noFill/>
+        </a:ln>
+        <a:effectLst/>
+      </dsp:spPr>
+      <dsp:style>
+        <a:lnRef idx="0">
+          <a:scrgbClr r="0" g="0" b="0"/>
+        </a:lnRef>
+        <a:fillRef idx="0">
+          <a:scrgbClr r="0" g="0" b="0"/>
+        </a:fillRef>
+        <a:effectRef idx="0">
+          <a:scrgbClr r="0" g="0" b="0"/>
+        </a:effectRef>
+        <a:fontRef idx="minor"/>
+      </dsp:style>
+      <dsp:txBody>
+        <a:bodyPr spcFirstLastPara="0" vert="horz" wrap="square" lIns="0" tIns="0" rIns="0" bIns="0" numCol="1" spcCol="1270" anchor="t" anchorCtr="0">
+          <a:noAutofit/>
+        </a:bodyPr>
+        <a:lstStyle/>
+        <a:p>
+          <a:pPr marL="0" lvl="0" indent="0" algn="ctr" defTabSz="488950">
+            <a:lnSpc>
+              <a:spcPct val="90000"/>
+            </a:lnSpc>
+            <a:spcBef>
+              <a:spcPct val="0"/>
+            </a:spcBef>
+            <a:spcAft>
+              <a:spcPct val="35000"/>
+            </a:spcAft>
+            <a:buNone/>
+          </a:pPr>
+          <a:r>
+            <a:rPr lang="en-US" sz="1100" kern="1200"/>
+            <a:t>Cleaned data using Python Pandas</a:t>
+          </a:r>
+        </a:p>
+      </dsp:txBody>
+      <dsp:txXfrm>
+        <a:off x="2076031" y="2056851"/>
+        <a:ext cx="1763085" cy="705234"/>
+      </dsp:txXfrm>
+    </dsp:sp>
+    <dsp:sp modelId="{2943791F-D8CA-4003-B0ED-05DE1364DFFB}">
+      <dsp:nvSpPr>
+        <dsp:cNvPr id="0" name=""/>
+        <dsp:cNvSpPr/>
+      </dsp:nvSpPr>
+      <dsp:spPr>
+        <a:xfrm>
+          <a:off x="4632505" y="998804"/>
+          <a:ext cx="793388" cy="793388"/>
+        </a:xfrm>
+        <a:prstGeom prst="rect">
+          <a:avLst/>
+        </a:prstGeom>
+        <a:blipFill>
+          <a:blip xmlns:r="http://schemas.openxmlformats.org/officeDocument/2006/relationships" r:embed="rId5">
+            <a:extLst>
+              <a:ext uri="{28A0092B-C50C-407E-A947-70E740481C1C}">
+                <a14:useLocalDpi xmlns:a14="http://schemas.microsoft.com/office/drawing/2010/main" val="0"/>
+              </a:ext>
+              <a:ext uri="{96DAC541-7B7A-43D3-8B79-37D633B846F1}">
+                <asvg:svgBlip xmlns:asvg="http://schemas.microsoft.com/office/drawing/2016/SVG/main" r:embed="rId6"/>
+              </a:ext>
+            </a:extLst>
+          </a:blip>
+          <a:stretch>
+            <a:fillRect/>
+          </a:stretch>
+        </a:blipFill>
+        <a:ln w="15875" cap="flat" cmpd="sng" algn="ctr">
+          <a:noFill/>
+          <a:prstDash val="solid"/>
+        </a:ln>
+        <a:effectLst/>
+      </dsp:spPr>
+      <dsp:style>
+        <a:lnRef idx="2">
+          <a:scrgbClr r="0" g="0" b="0"/>
+        </a:lnRef>
+        <a:fillRef idx="1">
+          <a:scrgbClr r="0" g="0" b="0"/>
+        </a:fillRef>
+        <a:effectRef idx="0">
+          <a:scrgbClr r="0" g="0" b="0"/>
+        </a:effectRef>
+        <a:fontRef idx="minor">
+          <a:schemeClr val="lt1"/>
+        </a:fontRef>
+      </dsp:style>
+    </dsp:sp>
+    <dsp:sp modelId="{FA94779B-4573-4217-8799-5E290343C9CE}">
+      <dsp:nvSpPr>
+        <dsp:cNvPr id="0" name=""/>
+        <dsp:cNvSpPr/>
+      </dsp:nvSpPr>
+      <dsp:spPr>
+        <a:xfrm>
+          <a:off x="4147657" y="2056851"/>
+          <a:ext cx="1763085" cy="705234"/>
+        </a:xfrm>
+        <a:prstGeom prst="rect">
+          <a:avLst/>
+        </a:prstGeom>
+        <a:noFill/>
+        <a:ln>
+          <a:noFill/>
+        </a:ln>
+        <a:effectLst/>
+      </dsp:spPr>
+      <dsp:style>
+        <a:lnRef idx="0">
+          <a:scrgbClr r="0" g="0" b="0"/>
+        </a:lnRef>
+        <a:fillRef idx="0">
+          <a:scrgbClr r="0" g="0" b="0"/>
+        </a:fillRef>
+        <a:effectRef idx="0">
+          <a:scrgbClr r="0" g="0" b="0"/>
+        </a:effectRef>
+        <a:fontRef idx="minor"/>
+      </dsp:style>
+      <dsp:txBody>
+        <a:bodyPr spcFirstLastPara="0" vert="horz" wrap="square" lIns="0" tIns="0" rIns="0" bIns="0" numCol="1" spcCol="1270" anchor="t" anchorCtr="0">
+          <a:noAutofit/>
+        </a:bodyPr>
+        <a:lstStyle/>
+        <a:p>
+          <a:pPr marL="0" lvl="0" indent="0" algn="ctr" defTabSz="488950">
+            <a:lnSpc>
+              <a:spcPct val="90000"/>
+            </a:lnSpc>
+            <a:spcBef>
+              <a:spcPct val="0"/>
+            </a:spcBef>
+            <a:spcAft>
+              <a:spcPct val="35000"/>
+            </a:spcAft>
+            <a:buNone/>
+          </a:pPr>
+          <a:r>
+            <a:rPr lang="en-US" sz="1100" kern="1200"/>
+            <a:t>Used Tableau to visualize both high-level perspectives and an overview of bigger impact points</a:t>
+          </a:r>
+        </a:p>
+      </dsp:txBody>
+      <dsp:txXfrm>
+        <a:off x="4147657" y="2056851"/>
+        <a:ext cx="1763085" cy="705234"/>
+      </dsp:txXfrm>
+    </dsp:sp>
+    <dsp:sp modelId="{EEC901D9-C03A-475F-B3A2-B795C903326F}">
+      <dsp:nvSpPr>
+        <dsp:cNvPr id="0" name=""/>
+        <dsp:cNvSpPr/>
+      </dsp:nvSpPr>
+      <dsp:spPr>
+        <a:xfrm>
+          <a:off x="6704131" y="998804"/>
+          <a:ext cx="793388" cy="793388"/>
+        </a:xfrm>
+        <a:prstGeom prst="rect">
+          <a:avLst/>
+        </a:prstGeom>
+        <a:blipFill>
+          <a:blip xmlns:r="http://schemas.openxmlformats.org/officeDocument/2006/relationships" r:embed="rId7">
+            <a:extLst>
+              <a:ext uri="{28A0092B-C50C-407E-A947-70E740481C1C}">
+                <a14:useLocalDpi xmlns:a14="http://schemas.microsoft.com/office/drawing/2010/main" val="0"/>
+              </a:ext>
+              <a:ext uri="{96DAC541-7B7A-43D3-8B79-37D633B846F1}">
+                <asvg:svgBlip xmlns:asvg="http://schemas.microsoft.com/office/drawing/2016/SVG/main" r:embed="rId8"/>
+              </a:ext>
+            </a:extLst>
+          </a:blip>
+          <a:stretch>
+            <a:fillRect/>
+          </a:stretch>
+        </a:blipFill>
+        <a:ln w="15875" cap="flat" cmpd="sng" algn="ctr">
+          <a:noFill/>
+          <a:prstDash val="solid"/>
+        </a:ln>
+        <a:effectLst/>
+      </dsp:spPr>
+      <dsp:style>
+        <a:lnRef idx="2">
+          <a:scrgbClr r="0" g="0" b="0"/>
+        </a:lnRef>
+        <a:fillRef idx="1">
+          <a:scrgbClr r="0" g="0" b="0"/>
+        </a:fillRef>
+        <a:effectRef idx="0">
+          <a:scrgbClr r="0" g="0" b="0"/>
+        </a:effectRef>
+        <a:fontRef idx="minor">
+          <a:schemeClr val="lt1"/>
+        </a:fontRef>
+      </dsp:style>
+    </dsp:sp>
+    <dsp:sp modelId="{C0268248-ABF8-4330-BD16-2ED087FCCAE2}">
+      <dsp:nvSpPr>
+        <dsp:cNvPr id="0" name=""/>
+        <dsp:cNvSpPr/>
+      </dsp:nvSpPr>
+      <dsp:spPr>
+        <a:xfrm>
+          <a:off x="6219283" y="2056851"/>
+          <a:ext cx="1763085" cy="705234"/>
+        </a:xfrm>
+        <a:prstGeom prst="rect">
+          <a:avLst/>
+        </a:prstGeom>
+        <a:noFill/>
+        <a:ln>
+          <a:noFill/>
+        </a:ln>
+        <a:effectLst/>
+      </dsp:spPr>
+      <dsp:style>
+        <a:lnRef idx="0">
+          <a:scrgbClr r="0" g="0" b="0"/>
+        </a:lnRef>
+        <a:fillRef idx="0">
+          <a:scrgbClr r="0" g="0" b="0"/>
+        </a:fillRef>
+        <a:effectRef idx="0">
+          <a:scrgbClr r="0" g="0" b="0"/>
+        </a:effectRef>
+        <a:fontRef idx="minor"/>
+      </dsp:style>
+      <dsp:txBody>
+        <a:bodyPr spcFirstLastPara="0" vert="horz" wrap="square" lIns="0" tIns="0" rIns="0" bIns="0" numCol="1" spcCol="1270" anchor="t" anchorCtr="0">
+          <a:noAutofit/>
+        </a:bodyPr>
+        <a:lstStyle/>
+        <a:p>
+          <a:pPr marL="0" lvl="0" indent="0" algn="ctr" defTabSz="488950">
+            <a:lnSpc>
+              <a:spcPct val="90000"/>
+            </a:lnSpc>
+            <a:spcBef>
+              <a:spcPct val="0"/>
+            </a:spcBef>
+            <a:spcAft>
+              <a:spcPct val="35000"/>
+            </a:spcAft>
+            <a:buNone/>
+          </a:pPr>
+          <a:r>
+            <a:rPr lang="en-US" sz="1100" kern="1200"/>
+            <a:t>Utilized Machine Learning to project something</a:t>
+          </a:r>
+        </a:p>
+      </dsp:txBody>
+      <dsp:txXfrm>
+        <a:off x="6219283" y="2056851"/>
+        <a:ext cx="1763085" cy="705234"/>
+      </dsp:txXfrm>
+    </dsp:sp>
+    <dsp:sp modelId="{F7863FD1-FCE5-49BB-B524-B43837443773}">
+      <dsp:nvSpPr>
+        <dsp:cNvPr id="0" name=""/>
+        <dsp:cNvSpPr/>
+      </dsp:nvSpPr>
+      <dsp:spPr>
+        <a:xfrm>
+          <a:off x="8775757" y="998804"/>
+          <a:ext cx="793388" cy="793388"/>
+        </a:xfrm>
+        <a:prstGeom prst="rect">
+          <a:avLst/>
+        </a:prstGeom>
+        <a:blipFill>
+          <a:blip xmlns:r="http://schemas.openxmlformats.org/officeDocument/2006/relationships" r:embed="rId9">
+            <a:extLst>
+              <a:ext uri="{28A0092B-C50C-407E-A947-70E740481C1C}">
+                <a14:useLocalDpi xmlns:a14="http://schemas.microsoft.com/office/drawing/2010/main" val="0"/>
+              </a:ext>
+              <a:ext uri="{96DAC541-7B7A-43D3-8B79-37D633B846F1}">
+                <asvg:svgBlip xmlns:asvg="http://schemas.microsoft.com/office/drawing/2016/SVG/main" r:embed="rId10"/>
+              </a:ext>
+            </a:extLst>
+          </a:blip>
+          <a:stretch>
+            <a:fillRect/>
+          </a:stretch>
+        </a:blipFill>
+        <a:ln w="15875" cap="flat" cmpd="sng" algn="ctr">
+          <a:noFill/>
+          <a:prstDash val="solid"/>
+        </a:ln>
+        <a:effectLst/>
+      </dsp:spPr>
+      <dsp:style>
+        <a:lnRef idx="2">
+          <a:scrgbClr r="0" g="0" b="0"/>
+        </a:lnRef>
+        <a:fillRef idx="1">
+          <a:scrgbClr r="0" g="0" b="0"/>
+        </a:fillRef>
+        <a:effectRef idx="0">
+          <a:scrgbClr r="0" g="0" b="0"/>
+        </a:effectRef>
+        <a:fontRef idx="minor">
+          <a:schemeClr val="lt1"/>
+        </a:fontRef>
+      </dsp:style>
+    </dsp:sp>
+    <dsp:sp modelId="{D900672E-5246-4707-A4D8-402BE80375F6}">
+      <dsp:nvSpPr>
+        <dsp:cNvPr id="0" name=""/>
+        <dsp:cNvSpPr/>
+      </dsp:nvSpPr>
+      <dsp:spPr>
+        <a:xfrm>
+          <a:off x="8290908" y="2056851"/>
+          <a:ext cx="1763085" cy="705234"/>
+        </a:xfrm>
+        <a:prstGeom prst="rect">
+          <a:avLst/>
+        </a:prstGeom>
+        <a:noFill/>
+        <a:ln>
+          <a:noFill/>
+        </a:ln>
+        <a:effectLst/>
+      </dsp:spPr>
+      <dsp:style>
+        <a:lnRef idx="0">
+          <a:scrgbClr r="0" g="0" b="0"/>
+        </a:lnRef>
+        <a:fillRef idx="0">
+          <a:scrgbClr r="0" g="0" b="0"/>
+        </a:fillRef>
+        <a:effectRef idx="0">
+          <a:scrgbClr r="0" g="0" b="0"/>
+        </a:effectRef>
+        <a:fontRef idx="minor"/>
+      </dsp:style>
+      <dsp:txBody>
+        <a:bodyPr spcFirstLastPara="0" vert="horz" wrap="square" lIns="0" tIns="0" rIns="0" bIns="0" numCol="1" spcCol="1270" anchor="t" anchorCtr="0">
+          <a:noAutofit/>
+        </a:bodyPr>
+        <a:lstStyle/>
+        <a:p>
+          <a:pPr marL="0" lvl="0" indent="0" algn="ctr" defTabSz="488950">
+            <a:lnSpc>
+              <a:spcPct val="90000"/>
+            </a:lnSpc>
+            <a:spcBef>
+              <a:spcPct val="0"/>
+            </a:spcBef>
+            <a:spcAft>
+              <a:spcPct val="35000"/>
+            </a:spcAft>
+            <a:buNone/>
+          </a:pPr>
+          <a:r>
+            <a:rPr lang="en-US" sz="1100" kern="1200" dirty="0"/>
+            <a:t>Deployed to GitHub pages to be simulated as a web page </a:t>
+          </a:r>
+        </a:p>
+      </dsp:txBody>
+      <dsp:txXfrm>
+        <a:off x="8290908" y="2056851"/>
+        <a:ext cx="1763085" cy="705234"/>
+      </dsp:txXfrm>
+    </dsp:sp>
+  </dsp:spTree>
+</dsp:drawing>
+</file>
+
+<file path=ppt/diagrams/layout1.xml><?xml version="1.0" encoding="utf-8"?>
+<dgm:layoutDef xmlns:dgm="http://schemas.openxmlformats.org/drawingml/2006/diagram" xmlns:a="http://schemas.openxmlformats.org/drawingml/2006/main" uniqueId="urn:microsoft.com/office/officeart/2018/2/layout/IconLabelList">
+  <dgm:title val="Icon Label List"/>
+  <dgm:desc val="Use to show non-sequential or grouped chunks of information accompanied by a related visuals. Works best with icons or small pictures with short text captions."/>
+  <dgm:catLst>
+    <dgm:cat type="icon" pri="500"/>
+  </dgm:catLst>
+  <dgm:sampData useDef="1">
+    <dgm:dataModel>
+      <dgm:ptLst/>
+      <dgm:bg/>
+      <dgm:whole/>
+    </dgm:dataModel>
+  </dgm:sampData>
+  <dgm:styleData useDef="1">
+    <dgm:dataModel>
+      <dgm:ptLst/>
+      <dgm:bg/>
+      <dgm:whole/>
+    </dgm:dataModel>
+  </dgm:styleData>
+  <dgm:clrData useDef="1">
+    <dgm:dataModel>
+      <dgm:ptLst/>
+      <dgm:bg/>
+      <dgm:whole/>
+    </dgm:dataModel>
+  </dgm:clrData>
+  <dgm:layoutNode name="root">
+    <dgm:varLst>
+      <dgm:dir/>
+      <dgm:resizeHandles val="exact"/>
+    </dgm:varLst>
+    <dgm:choose name="Name0">
+      <dgm:if name="Name1" axis="self" func="var" arg="dir" op="equ" val="norm">
+        <dgm:alg type="snake">
+          <dgm:param type="grDir" val="tL"/>
+          <dgm:param type="flowDir" val="row"/>
+          <dgm:param type="contDir" val="sameDir"/>
+          <dgm:param type="off" val="ctr"/>
+          <dgm:param type="vertAlign" val="mid"/>
+          <dgm:param type="horzAlign" val="ctr"/>
+        </dgm:alg>
+      </dgm:if>
+      <dgm:else name="Name2">
+        <dgm:alg type="snake">
+          <dgm:param type="grDir" val="tR"/>
+          <dgm:param type="flowDir" val="row"/>
+          <dgm:param type="contDir" val="sameDir"/>
+          <dgm:param type="off" val="ctr"/>
+          <dgm:param type="vertAlign" val="mid"/>
+          <dgm:param type="horzAlign" val="ctr"/>
+        </dgm:alg>
+      </dgm:else>
+    </dgm:choose>
+    <dgm:shape xmlns:r="http://schemas.openxmlformats.org/officeDocument/2006/relationships" r:blip="">
+      <dgm:adjLst/>
+    </dgm:shape>
+    <dgm:presOf/>
+    <dgm:choose name="Name3">
+      <dgm:if name="Name4" axis="ch" ptType="node" func="cnt" op="lte" val="2">
+        <dgm:constrLst>
+          <dgm:constr type="h" for="ch" forName="compNode" refType="h" fact="0.4"/>
+          <dgm:constr type="w" for="ch" forName="compNode" val="120"/>
+          <dgm:constr type="w" for="ch" forName="sibTrans" refType="w" refFor="ch" refForName="compNode" fact="0.175"/>
+          <dgm:constr type="sp" refType="w" refFor="ch" refForName="compNode" op="equ" fact="0.25"/>
+          <dgm:constr type="primFontSz" for="des" ptType="node" op="equ" val="50"/>
+          <dgm:constr type="h" for="des" forName="compNode" op="equ"/>
+          <dgm:constr type="h" for="des" forName="textRect" op="equ"/>
+        </dgm:constrLst>
+      </dgm:if>
+      <dgm:if name="Name5" axis="ch" ptType="node" func="cnt" op="lte" val="4">
+        <dgm:constrLst>
+          <dgm:constr type="h" for="ch" forName="compNode" refType="h" fact="0.4"/>
+          <dgm:constr type="w" for="ch" forName="compNode" refType="w"/>
+          <dgm:constr type="w" for="ch" forName="sibTrans" refType="w" refFor="ch" refForName="compNode" fact="0.175"/>
+          <dgm:constr type="sp" refType="w" refFor="ch" refForName="compNode" op="equ" fact="0.25"/>
+          <dgm:constr type="primFontSz" for="des" ptType="node" op="equ" val="36"/>
+          <dgm:constr type="h" for="des" forName="compNode" op="equ"/>
+          <dgm:constr type="h" for="des" forName="textRect" op="equ"/>
+        </dgm:constrLst>
+      </dgm:if>
+      <dgm:else name="Name6">
+        <dgm:constrLst>
+          <dgm:constr type="h" for="ch" forName="compNode" refType="h" fact="0.4"/>
+          <dgm:constr type="w" for="ch" forName="compNode" refType="w"/>
+          <dgm:constr type="w" for="ch" forName="sibTrans" refType="w" refFor="ch" refForName="compNode" fact="0.175"/>
+          <dgm:constr type="sp" refType="w" refFor="ch" refForName="compNode" op="equ" fact="0.25"/>
+          <dgm:constr type="primFontSz" for="des" ptType="node" op="equ" val="24"/>
+          <dgm:constr type="h" for="des" forName="compNode" op="equ"/>
+          <dgm:constr type="h" for="des" forName="textRect" op="equ"/>
+        </dgm:constrLst>
+      </dgm:else>
+    </dgm:choose>
+    <dgm:ruleLst>
+      <dgm:rule type="w" for="ch" forName="compNode" val="50" fact="NaN" max="NaN"/>
+    </dgm:ruleLst>
+    <dgm:forEach name="Name7" axis="ch" ptType="node">
+      <dgm:layoutNode name="compNode">
+        <dgm:alg type="composite"/>
+        <dgm:shape xmlns:r="http://schemas.openxmlformats.org/officeDocument/2006/relationships" r:blip="">
+          <dgm:adjLst/>
+        </dgm:shape>
+        <dgm:presOf axis="self"/>
+        <dgm:constrLst>
+          <dgm:constr type="w" for="ch" forName="iconRect" refType="w" fact="0.45"/>
+          <dgm:constr type="h" for="ch" forName="iconRect" refType="w" refFor="ch" refForName="iconRect"/>
+          <dgm:constr type="ctrX" for="ch" forName="iconRect" refType="w" fact="0.5"/>
+          <dgm:constr type="t" for="ch" forName="iconRect"/>
+          <dgm:constr type="h" for="ch" forName="spaceRect" refType="h" fact="0.15"/>
+          <dgm:constr type="w" for="ch" forName="spaceRect" refType="w"/>
+          <dgm:constr type="l" for="ch" forName="spaceRect"/>
+          <dgm:constr type="t" for="ch" forName="spaceRect" refType="b" refFor="ch" refForName="iconRect"/>
+          <dgm:constr type="h" for="ch" forName="textRect" val="20"/>
+          <dgm:constr type="w" for="ch" forName="textRect" refType="w"/>
+          <dgm:constr type="l" for="ch" forName="textRect"/>
+          <dgm:constr type="t" for="ch" forName="textRect" refType="b" refFor="ch" refForName="spaceRect"/>
+        </dgm:constrLst>
+        <dgm:ruleLst>
+          <dgm:rule type="h" val="INF" fact="NaN" max="NaN"/>
+        </dgm:ruleLst>
+        <dgm:layoutNode name="iconRect" styleLbl="node1">
+          <dgm:alg type="sp"/>
+          <dgm:shape xmlns:r="http://schemas.openxmlformats.org/officeDocument/2006/relationships" type="rect" r:blip="" blipPhldr="1">
+            <dgm:adjLst/>
+          </dgm:shape>
+          <dgm:presOf/>
+          <dgm:constrLst/>
+          <dgm:ruleLst/>
+        </dgm:layoutNode>
+        <dgm:layoutNode name="spaceRect">
+          <dgm:alg type="sp"/>
+          <dgm:shape xmlns:r="http://schemas.openxmlformats.org/officeDocument/2006/relationships" r:blip="">
+            <dgm:adjLst/>
+          </dgm:shape>
+          <dgm:presOf/>
+          <dgm:constrLst/>
+          <dgm:ruleLst/>
+        </dgm:layoutNode>
+        <dgm:layoutNode name="textRect" styleLbl="revTx">
+          <dgm:varLst>
+            <dgm:chMax val="1"/>
+            <dgm:chPref val="1"/>
+          </dgm:varLst>
+          <dgm:alg type="tx">
+            <dgm:param type="txAnchorVert" val="t"/>
+          </dgm:alg>
+          <dgm:shape xmlns:r="http://schemas.openxmlformats.org/officeDocument/2006/relationships" type="rect" r:blip="">
+            <dgm:adjLst/>
+          </dgm:shape>
+          <dgm:presOf axis="self" ptType="node"/>
+          <dgm:constrLst>
+            <dgm:constr type="lMarg"/>
+            <dgm:constr type="rMarg"/>
+            <dgm:constr type="tMarg"/>
+            <dgm:constr type="bMarg"/>
+          </dgm:constrLst>
+          <dgm:ruleLst>
+            <dgm:rule type="primFontSz" val="11" fact="NaN" max="NaN"/>
+            <dgm:rule type="h" val="INF" fact="NaN" max="NaN"/>
+          </dgm:ruleLst>
+        </dgm:layoutNode>
+      </dgm:layoutNode>
+      <dgm:forEach name="Name8" axis="followSib" ptType="sibTrans" cnt="1">
+        <dgm:layoutNode name="sibTrans">
+          <dgm:alg type="sp"/>
+          <dgm:shape xmlns:r="http://schemas.openxmlformats.org/officeDocument/2006/relationships" r:blip="">
+            <dgm:adjLst/>
+          </dgm:shape>
+          <dgm:presOf axis="self"/>
+          <dgm:constrLst/>
+          <dgm:ruleLst/>
+        </dgm:layoutNode>
+      </dgm:forEach>
+    </dgm:forEach>
+  </dgm:layoutNode>
+  <dgm:extLst>
+    <a:ext uri="{68A01E43-0DF5-4B5B-8FA6-DAF915123BFB}">
+      <dgm1612:lstStyle xmlns:dgm1612="http://schemas.microsoft.com/office/drawing/2016/12/diagram">
+        <a:lvl1pPr>
+          <a:lnSpc>
+            <a:spcPct val="100000"/>
+          </a:lnSpc>
+        </a:lvl1pPr>
+      </dgm1612:lstStyle>
+    </a:ext>
+  </dgm:extLst>
+</dgm:layoutDef>
+</file>
+
+<file path=ppt/diagrams/quickStyle1.xml><?xml version="1.0" encoding="utf-8"?>
+<dgm:styleDef xmlns:dgm="http://schemas.openxmlformats.org/drawingml/2006/diagram" xmlns:a="http://schemas.openxmlformats.org/drawingml/2006/main" uniqueId="urn:microsoft.com/office/officeart/2005/8/quickstyle/simple1">
+  <dgm:title val=""/>
+  <dgm:desc val=""/>
+  <dgm:catLst>
+    <dgm:cat type="simple" pri="10100"/>
+  </dgm:catLst>
+  <dgm:scene3d>
+    <a:camera prst="orthographicFront"/>
+    <a:lightRig rig="threePt" dir="t"/>
+  </dgm:scene3d>
+  <dgm:styleLbl name="node0">
+    <dgm:scene3d>
+      <a:camera prst="orthographicFront"/>
+      <a:lightRig rig="threePt" dir="t"/>
+    </dgm:scene3d>
+    <dgm:sp3d/>
+    <dgm:txPr/>
+    <dgm:style>
+      <a:lnRef idx="2">
+        <a:scrgbClr r="0" g="0" b="0"/>
+      </a:lnRef>
+      <a:fillRef idx="1">
+        <a:scrgbClr r="0" g="0" b="0"/>
+      </a:fillRef>
+      <a:effectRef idx="0">
+        <a:scrgbClr r="0" g="0" b="0"/>
+      </a:effectRef>
+      <a:fontRef idx="minor">
+        <a:schemeClr val="lt1"/>
+      </a:fontRef>
+    </dgm:style>
+  </dgm:styleLbl>
+  <dgm:styleLbl name="lnNode1">
+    <dgm:scene3d>
+      <a:camera prst="orthographicFront"/>
+      <a:lightRig rig="threePt" dir="t"/>
+    </dgm:scene3d>
+    <dgm:sp3d/>
+    <dgm:txPr/>
+    <dgm:style>
+      <a:lnRef idx="2">
+        <a:scrgbClr r="0" g="0" b="0"/>
+      </a:lnRef>
+      <a:fillRef idx="1">
+        <a:scrgbClr r="0" g="0" b="0"/>
+      </a:fillRef>
+      <a:effectRef idx="0">
+        <a:scrgbClr r="0" g="0" b="0"/>
+      </a:effectRef>
+      <a:fontRef idx="minor">
+        <a:schemeClr val="lt1"/>
+      </a:fontRef>
+    </dgm:style>
+  </dgm:styleLbl>
+  <dgm:styleLbl name="vennNode1">
+    <dgm:scene3d>
+      <a:camera prst="orthographicFront"/>
+      <a:lightRig rig="threePt" dir="t"/>
+    </dgm:scene3d>
+    <dgm:sp3d/>
+    <dgm:txPr/>
+    <dgm:style>
+      <a:lnRef idx="2">
+        <a:scrgbClr r="0" g="0" b="0"/>
+      </a:lnRef>
+      <a:fillRef idx="1">
+        <a:scrgbClr r="0" g="0" b="0"/>
+      </a:fillRef>
+      <a:effectRef idx="0">
+        <a:scrgbClr r="0" g="0" b="0"/>
+      </a:effectRef>
+      <a:fontRef idx="minor">
+        <a:schemeClr val="tx1"/>
+      </a:fontRef>
+    </dgm:style>
+  </dgm:styleLbl>
+  <dgm:styleLbl name="alignNode1">
+    <dgm:scene3d>
+      <a:camera prst="orthographicFront"/>
+      <a:lightRig rig="threePt" dir="t"/>
+    </dgm:scene3d>
+    <dgm:sp3d/>
+    <dgm:txPr/>
+    <dgm:style>
+      <a:lnRef idx="2">
+        <a:scrgbClr r="0" g="0" b="0"/>
+      </a:lnRef>
+      <a:fillRef idx="1">
+        <a:scrgbClr r="0" g="0" b="0"/>
+      </a:fillRef>
+      <a:effectRef idx="0">
+        <a:scrgbClr r="0" g="0" b="0"/>
+      </a:effectRef>
+      <a:fontRef idx="minor">
+        <a:schemeClr val="lt1"/>
+      </a:fontRef>
+    </dgm:style>
+  </dgm:styleLbl>
+  <dgm:styleLbl name="node1">
+    <dgm:scene3d>
+      <a:camera prst="orthographicFront"/>
+      <a:lightRig rig="threePt" dir="t"/>
+    </dgm:scene3d>
+    <dgm:sp3d/>
+    <dgm:txPr/>
+    <dgm:style>
+      <a:lnRef idx="2">
+        <a:scrgbClr r="0" g="0" b="0"/>
+      </a:lnRef>
+      <a:fillRef idx="1">
+        <a:scrgbClr r="0" g="0" b="0"/>
+      </a:fillRef>
+      <a:effectRef idx="0">
+        <a:scrgbClr r="0" g="0" b="0"/>
+      </a:effectRef>
+      <a:fontRef idx="minor">
+        <a:schemeClr val="lt1"/>
+      </a:fontRef>
+    </dgm:style>
+  </dgm:styleLbl>
+  <dgm:styleLbl name="node2">
+    <dgm:scene3d>
+      <a:camera prst="orthographicFront"/>
+      <a:lightRig rig="threePt" dir="t"/>
+    </dgm:scene3d>
+    <dgm:sp3d/>
+    <dgm:txPr/>
+    <dgm:style>
+      <a:lnRef idx="2">
+        <a:scrgbClr r="0" g="0" b="0"/>
+      </a:lnRef>
+      <a:fillRef idx="1">
+        <a:scrgbClr r="0" g="0" b="0"/>
+      </a:fillRef>
+      <a:effectRef idx="0">
+        <a:scrgbClr r="0" g="0" b="0"/>
+      </a:effectRef>
+      <a:fontRef idx="minor">
+        <a:schemeClr val="lt1"/>
+      </a:fontRef>
+    </dgm:style>
+  </dgm:styleLbl>
+  <dgm:styleLbl name="node3">
+    <dgm:scene3d>
+      <a:camera prst="orthographicFront"/>
+      <a:lightRig rig="threePt" dir="t"/>
+    </dgm:scene3d>
+    <dgm:sp3d/>
+    <dgm:txPr/>
+    <dgm:style>
+      <a:lnRef idx="2">
+        <a:scrgbClr r="0" g="0" b="0"/>
+      </a:lnRef>
+      <a:fillRef idx="1">
+        <a:scrgbClr r="0" g="0" b="0"/>
+      </a:fillRef>
+      <a:effectRef idx="0">
+        <a:scrgbClr r="0" g="0" b="0"/>
+      </a:effectRef>
+      <a:fontRef idx="minor">
+        <a:schemeClr val="lt1"/>
+      </a:fontRef>
+    </dgm:style>
+  </dgm:styleLbl>
+  <dgm:styleLbl name="node4">
+    <dgm:scene3d>
+      <a:camera prst="orthographicFront"/>
+      <a:lightRig rig="threePt" dir="t"/>
+    </dgm:scene3d>
+    <dgm:sp3d/>
+    <dgm:txPr/>
+    <dgm:style>
+      <a:lnRef idx="2">
+        <a:scrgbClr r="0" g="0" b="0"/>
+      </a:lnRef>
+      <a:fillRef idx="1">
+        <a:scrgbClr r="0" g="0" b="0"/>
+      </a:fillRef>
+      <a:effectRef idx="0">
+        <a:scrgbClr r="0" g="0" b="0"/>
+      </a:effectRef>
+      <a:fontRef idx="minor">
+        <a:schemeClr val="lt1"/>
+      </a:fontRef>
+    </dgm:style>
+  </dgm:styleLbl>
+  <dgm:styleLbl name="fgImgPlace1">
+    <dgm:scene3d>
+      <a:camera prst="orthographicFront"/>
+      <a:lightRig rig="threePt" dir="t"/>
+    </dgm:scene3d>
+    <dgm:sp3d/>
+    <dgm:txPr/>
+    <dgm:style>
+      <a:lnRef idx="2">
+        <a:scrgbClr r="0" g="0" b="0"/>
+      </a:lnRef>
+      <a:fillRef idx="1">
+        <a:scrgbClr r="0" g="0" b="0"/>
+      </a:fillRef>
+      <a:effectRef idx="0">
+        <a:scrgbClr r="0" g="0" b="0"/>
+      </a:effectRef>
+      <a:fontRef idx="minor"/>
+    </dgm:style>
+  </dgm:styleLbl>
+  <dgm:styleLbl name="alignImgPlace1">
+    <dgm:scene3d>
+      <a:camera prst="orthographicFront"/>
+      <a:lightRig rig="threePt" dir="t"/>
+    </dgm:scene3d>
+    <dgm:sp3d/>
+    <dgm:txPr/>
+    <dgm:style>
+      <a:lnRef idx="2">
+        <a:scrgbClr r="0" g="0" b="0"/>
+      </a:lnRef>
+      <a:fillRef idx="1">
+        <a:scrgbClr r="0" g="0" b="0"/>
+      </a:fillRef>
+      <a:effectRef idx="0">
+        <a:scrgbClr r="0" g="0" b="0"/>
+      </a:effectRef>
+      <a:fontRef idx="minor"/>
+    </dgm:style>
+  </dgm:styleLbl>
+  <dgm:styleLbl name="bgImgPlace1">
+    <dgm:scene3d>
+      <a:camera prst="orthographicFront"/>
+      <a:lightRig rig="threePt" dir="t"/>
+    </dgm:scene3d>
+    <dgm:sp3d/>
+    <dgm:txPr/>
+    <dgm:style>
+      <a:lnRef idx="2">
+        <a:scrgbClr r="0" g="0" b="0"/>
+      </a:lnRef>
+      <a:fillRef idx="1">
+        <a:scrgbClr r="0" g="0" b="0"/>
+      </a:fillRef>
+      <a:effectRef idx="0">
+        <a:scrgbClr r="0" g="0" b="0"/>
+      </a:effectRef>
+      <a:fontRef idx="minor"/>
+    </dgm:style>
+  </dgm:styleLbl>
+  <dgm:styleLbl name="sibTrans2D1">
+    <dgm:scene3d>
+      <a:camera prst="orthographicFront"/>
+      <a:lightRig rig="threePt" dir="t"/>
+    </dgm:scene3d>
+    <dgm:sp3d/>
+    <dgm:txPr/>
+    <dgm:style>
+      <a:lnRef idx="0">
+        <a:scrgbClr r="0" g="0" b="0"/>
+      </a:lnRef>
+      <a:fillRef idx="1">
+        <a:scrgbClr r="0" g="0" b="0"/>
+      </a:fillRef>
+      <a:effectRef idx="0">
+        <a:scrgbClr r="0" g="0" b="0"/>
+      </a:effectRef>
+      <a:fontRef idx="minor">
+        <a:schemeClr val="lt1"/>
+      </a:fontRef>
+    </dgm:style>
+  </dgm:styleLbl>
+  <dgm:styleLbl name="fgSibTrans2D1">
+    <dgm:scene3d>
+      <a:camera prst="orthographicFront"/>
+      <a:lightRig rig="threePt" dir="t"/>
+    </dgm:scene3d>
+    <dgm:sp3d/>
+    <dgm:txPr/>
+    <dgm:style>
+      <a:lnRef idx="0">
+        <a:scrgbClr r="0" g="0" b="0"/>
+      </a:lnRef>
+      <a:fillRef idx="1">
+        <a:scrgbClr r="0" g="0" b="0"/>
+      </a:fillRef>
+      <a:effectRef idx="0">
+        <a:scrgbClr r="0" g="0" b="0"/>
+      </a:effectRef>
+      <a:fontRef idx="minor">
+        <a:schemeClr val="lt1"/>
+      </a:fontRef>
+    </dgm:style>
+  </dgm:styleLbl>
+  <dgm:styleLbl name="bgSibTrans2D1">
+    <dgm:scene3d>
+      <a:camera prst="orthographicFront"/>
+      <a:lightRig rig="threePt" dir="t"/>
+    </dgm:scene3d>
+    <dgm:sp3d/>
+    <dgm:txPr/>
+    <dgm:style>
+      <a:lnRef idx="0">
+        <a:scrgbClr r="0" g="0" b="0"/>
+      </a:lnRef>
+      <a:fillRef idx="1">
+        <a:scrgbClr r="0" g="0" b="0"/>
+      </a:fillRef>
+      <a:effectRef idx="0">
+        <a:scrgbClr r="0" g="0" b="0"/>
+      </a:effectRef>
+      <a:fontRef idx="minor">
+        <a:schemeClr val="lt1"/>
+      </a:fontRef>
+    </dgm:style>
+  </dgm:styleLbl>
+  <dgm:styleLbl name="sibTrans1D1">
+    <dgm:scene3d>
+      <a:camera prst="orthographicFront"/>
+      <a:lightRig rig="threePt" dir="t"/>
+    </dgm:scene3d>
+    <dgm:sp3d/>
+    <dgm:txPr/>
+    <dgm:style>
+      <a:lnRef idx="1">
+        <a:scrgbClr r="0" g="0" b="0"/>
+      </a:lnRef>
+      <a:fillRef idx="0">
+        <a:scrgbClr r="0" g="0" b="0"/>
+      </a:fillRef>
+      <a:effectRef idx="0">
+        <a:scrgbClr r="0" g="0" b="0"/>
+      </a:effectRef>
+      <a:fontRef idx="minor"/>
+    </dgm:style>
+  </dgm:styleLbl>
+  <dgm:styleLbl name="callout">
+    <dgm:scene3d>
+      <a:camera prst="orthographicFront"/>
+      <a:lightRig rig="threePt" dir="t"/>
+    </dgm:scene3d>
+    <dgm:sp3d/>
+    <dgm:txPr/>
+    <dgm:style>
+      <a:lnRef idx="2">
+        <a:scrgbClr r="0" g="0" b="0"/>
+      </a:lnRef>
+      <a:fillRef idx="1">
+        <a:scrgbClr r="0" g="0" b="0"/>
+      </a:fillRef>
+      <a:effectRef idx="0">
+        <a:scrgbClr r="0" g="0" b="0"/>
+      </a:effectRef>
+      <a:fontRef idx="minor"/>
+    </dgm:style>
+  </dgm:styleLbl>
+  <dgm:styleLbl name="asst0">
+    <dgm:scene3d>
+      <a:camera prst="orthographicFront"/>
+      <a:lightRig rig="threePt" dir="t"/>
+    </dgm:scene3d>
+    <dgm:sp3d/>
+    <dgm:txPr/>
+    <dgm:style>
+      <a:lnRef idx="2">
+        <a:scrgbClr r="0" g="0" b="0"/>
+      </a:lnRef>
+      <a:fillRef idx="1">
+        <a:scrgbClr r="0" g="0" b="0"/>
+      </a:fillRef>
+      <a:effectRef idx="0">
+        <a:scrgbClr r="0" g="0" b="0"/>
+      </a:effectRef>
+      <a:fontRef idx="minor">
+        <a:schemeClr val="lt1"/>
+      </a:fontRef>
+    </dgm:style>
+  </dgm:styleLbl>
+  <dgm:styleLbl name="asst1">
+    <dgm:scene3d>
+      <a:camera prst="orthographicFront"/>
+      <a:lightRig rig="threePt" dir="t"/>
+    </dgm:scene3d>
+    <dgm:sp3d/>
+    <dgm:txPr/>
+    <dgm:style>
+      <a:lnRef idx="2">
+        <a:scrgbClr r="0" g="0" b="0"/>
+      </a:lnRef>
+      <a:fillRef idx="1">
+        <a:scrgbClr r="0" g="0" b="0"/>
+      </a:fillRef>
+      <a:effectRef idx="0">
+        <a:scrgbClr r="0" g="0" b="0"/>
+      </a:effectRef>
+      <a:fontRef idx="minor">
+        <a:schemeClr val="lt1"/>
+      </a:fontRef>
+    </dgm:style>
+  </dgm:styleLbl>
+  <dgm:styleLbl name="asst2">
+    <dgm:scene3d>
+      <a:camera prst="orthographicFront"/>
+      <a:lightRig rig="threePt" dir="t"/>
+    </dgm:scene3d>
+    <dgm:sp3d/>
+    <dgm:txPr/>
+    <dgm:style>
+      <a:lnRef idx="2">
+        <a:scrgbClr r="0" g="0" b="0"/>
+      </a:lnRef>
+      <a:fillRef idx="1">
+        <a:scrgbClr r="0" g="0" b="0"/>
+      </a:fillRef>
+      <a:effectRef idx="0">
+        <a:scrgbClr r="0" g="0" b="0"/>
+      </a:effectRef>
+      <a:fontRef idx="minor">
+        <a:schemeClr val="lt1"/>
+      </a:fontRef>
+    </dgm:style>
+  </dgm:styleLbl>
+  <dgm:styleLbl name="asst3">
+    <dgm:scene3d>
+      <a:camera prst="orthographicFront"/>
+      <a:lightRig rig="threePt" dir="t"/>
+    </dgm:scene3d>
+    <dgm:sp3d/>
+    <dgm:txPr/>
+    <dgm:style>
+      <a:lnRef idx="2">
+        <a:scrgbClr r="0" g="0" b="0"/>
+      </a:lnRef>
+      <a:fillRef idx="1">
+        <a:scrgbClr r="0" g="0" b="0"/>
+      </a:fillRef>
+      <a:effectRef idx="0">
+        <a:scrgbClr r="0" g="0" b="0"/>
+      </a:effectRef>
+      <a:fontRef idx="minor">
+        <a:schemeClr val="lt1"/>
+      </a:fontRef>
+    </dgm:style>
+  </dgm:styleLbl>
+  <dgm:styleLbl name="asst4">
+    <dgm:scene3d>
+      <a:camera prst="orthographicFront"/>
+      <a:lightRig rig="threePt" dir="t"/>
+    </dgm:scene3d>
+    <dgm:sp3d/>
+    <dgm:txPr/>
+    <dgm:style>
+      <a:lnRef idx="2">
+        <a:scrgbClr r="0" g="0" b="0"/>
+      </a:lnRef>
+      <a:fillRef idx="1">
+        <a:scrgbClr r="0" g="0" b="0"/>
+      </a:fillRef>
+      <a:effectRef idx="0">
+        <a:scrgbClr r="0" g="0" b="0"/>
+      </a:effectRef>
+      <a:fontRef idx="minor">
+        <a:schemeClr val="lt1"/>
+      </a:fontRef>
+    </dgm:style>
+  </dgm:styleLbl>
+  <dgm:styleLbl name="parChTrans2D1">
+    <dgm:scene3d>
+      <a:camera prst="orthographicFront"/>
+      <a:lightRig rig="threePt" dir="t"/>
+    </dgm:scene3d>
+    <dgm:sp3d/>
+    <dgm:txPr/>
+    <dgm:style>
+      <a:lnRef idx="2">
+        <a:scrgbClr r="0" g="0" b="0"/>
+      </a:lnRef>
+      <a:fillRef idx="1">
+        <a:scrgbClr r="0" g="0" b="0"/>
+      </a:fillRef>
+      <a:effectRef idx="0">
+        <a:scrgbClr r="0" g="0" b="0"/>
+      </a:effectRef>
+      <a:fontRef idx="minor">
+        <a:schemeClr val="lt1"/>
+      </a:fontRef>
+    </dgm:style>
+  </dgm:styleLbl>
+  <dgm:styleLbl name="parChTrans2D2">
+    <dgm:scene3d>
+      <a:camera prst="orthographicFront"/>
+      <a:lightRig rig="threePt" dir="t"/>
+    </dgm:scene3d>
+    <dgm:sp3d/>
+    <dgm:txPr/>
+    <dgm:style>
+      <a:lnRef idx="2">
+        <a:scrgbClr r="0" g="0" b="0"/>
+      </a:lnRef>
+      <a:fillRef idx="1">
+        <a:scrgbClr r="0" g="0" b="0"/>
+      </a:fillRef>
+      <a:effectRef idx="0">
+        <a:scrgbClr r="0" g="0" b="0"/>
+      </a:effectRef>
+      <a:fontRef idx="minor">
+        <a:schemeClr val="lt1"/>
+      </a:fontRef>
+    </dgm:style>
+  </dgm:styleLbl>
+  <dgm:styleLbl name="parChTrans2D3">
+    <dgm:scene3d>
+      <a:camera prst="orthographicFront"/>
+      <a:lightRig rig="threePt" dir="t"/>
+    </dgm:scene3d>
+    <dgm:sp3d/>
+    <dgm:txPr/>
+    <dgm:style>
+      <a:lnRef idx="2">
+        <a:scrgbClr r="0" g="0" b="0"/>
+      </a:lnRef>
+      <a:fillRef idx="1">
+        <a:scrgbClr r="0" g="0" b="0"/>
+      </a:fillRef>
+      <a:effectRef idx="0">
+        <a:scrgbClr r="0" g="0" b="0"/>
+      </a:effectRef>
+      <a:fontRef idx="minor">
+        <a:schemeClr val="lt1"/>
+      </a:fontRef>
+    </dgm:style>
+  </dgm:styleLbl>
+  <dgm:styleLbl name="parChTrans2D4">
+    <dgm:scene3d>
+      <a:camera prst="orthographicFront"/>
+      <a:lightRig rig="threePt" dir="t"/>
+    </dgm:scene3d>
+    <dgm:sp3d/>
+    <dgm:txPr/>
+    <dgm:style>
+      <a:lnRef idx="2">
+        <a:scrgbClr r="0" g="0" b="0"/>
+      </a:lnRef>
+      <a:fillRef idx="1">
+        <a:scrgbClr r="0" g="0" b="0"/>
+      </a:fillRef>
+      <a:effectRef idx="0">
+        <a:scrgbClr r="0" g="0" b="0"/>
+      </a:effectRef>
+      <a:fontRef idx="minor">
+        <a:schemeClr val="lt1"/>
+      </a:fontRef>
+    </dgm:style>
+  </dgm:styleLbl>
+  <dgm:styleLbl name="parChTrans1D1">
+    <dgm:scene3d>
+      <a:camera prst="orthographicFront"/>
+      <a:lightRig rig="threePt" dir="t"/>
+    </dgm:scene3d>
+    <dgm:sp3d/>
+    <dgm:txPr/>
+    <dgm:style>
+      <a:lnRef idx="2">
+        <a:scrgbClr r="0" g="0" b="0"/>
+      </a:lnRef>
+      <a:fillRef idx="0">
+        <a:scrgbClr r="0" g="0" b="0"/>
+      </a:fillRef>
+      <a:effectRef idx="0">
+        <a:scrgbClr r="0" g="0" b="0"/>
+      </a:effectRef>
+      <a:fontRef idx="minor"/>
+    </dgm:style>
+  </dgm:styleLbl>
+  <dgm:styleLbl name="parChTrans1D2">
+    <dgm:scene3d>
+      <a:camera prst="orthographicFront"/>
+      <a:lightRig rig="threePt" dir="t"/>
+    </dgm:scene3d>
+    <dgm:sp3d/>
+    <dgm:txPr/>
+    <dgm:style>
+      <a:lnRef idx="2">
+        <a:scrgbClr r="0" g="0" b="0"/>
+      </a:lnRef>
+      <a:fillRef idx="0">
+        <a:scrgbClr r="0" g="0" b="0"/>
+      </a:fillRef>
+      <a:effectRef idx="0">
+        <a:scrgbClr r="0" g="0" b="0"/>
+      </a:effectRef>
+      <a:fontRef idx="minor"/>
+    </dgm:style>
+  </dgm:styleLbl>
+  <dgm:styleLbl name="parChTrans1D3">
+    <dgm:scene3d>
+      <a:camera prst="orthographicFront"/>
+      <a:lightRig rig="threePt" dir="t"/>
+    </dgm:scene3d>
+    <dgm:sp3d/>
+    <dgm:txPr/>
+    <dgm:style>
+      <a:lnRef idx="2">
+        <a:scrgbClr r="0" g="0" b="0"/>
+      </a:lnRef>
+      <a:fillRef idx="0">
+        <a:scrgbClr r="0" g="0" b="0"/>
+      </a:fillRef>
+      <a:effectRef idx="0">
+        <a:scrgbClr r="0" g="0" b="0"/>
+      </a:effectRef>
+      <a:fontRef idx="minor"/>
+    </dgm:style>
+  </dgm:styleLbl>
+  <dgm:styleLbl name="parChTrans1D4">
+    <dgm:scene3d>
+      <a:camera prst="orthographicFront"/>
+      <a:lightRig rig="threePt" dir="t"/>
+    </dgm:scene3d>
+    <dgm:sp3d/>
+    <dgm:txPr/>
+    <dgm:style>
+      <a:lnRef idx="2">
+        <a:scrgbClr r="0" g="0" b="0"/>
+      </a:lnRef>
+      <a:fillRef idx="0">
+        <a:scrgbClr r="0" g="0" b="0"/>
+      </a:fillRef>
+      <a:effectRef idx="0">
+        <a:scrgbClr r="0" g="0" b="0"/>
+      </a:effectRef>
+      <a:fontRef idx="minor"/>
+    </dgm:style>
+  </dgm:styleLbl>
+  <dgm:styleLbl name="fgAcc1">
+    <dgm:scene3d>
+      <a:camera prst="orthographicFront"/>
+      <a:lightRig rig="threePt" dir="t"/>
+    </dgm:scene3d>
+    <dgm:sp3d/>
+    <dgm:txPr/>
+    <dgm:style>
+      <a:lnRef idx="2">
+        <a:scrgbClr r="0" g="0" b="0"/>
+      </a:lnRef>
+      <a:fillRef idx="1">
+        <a:scrgbClr r="0" g="0" b="0"/>
+      </a:fillRef>
+      <a:effectRef idx="0">
+        <a:scrgbClr r="0" g="0" b="0"/>
+      </a:effectRef>
+      <a:fontRef idx="minor"/>
+    </dgm:style>
+  </dgm:styleLbl>
+  <dgm:styleLbl name="conFgAcc1">
+    <dgm:scene3d>
+      <a:camera prst="orthographicFront"/>
+      <a:lightRig rig="threePt" dir="t"/>
+    </dgm:scene3d>
+    <dgm:sp3d/>
+    <dgm:txPr/>
+    <dgm:style>
+      <a:lnRef idx="2">
+        <a:scrgbClr r="0" g="0" b="0"/>
+      </a:lnRef>
+      <a:fillRef idx="1">
+        <a:scrgbClr r="0" g="0" b="0"/>
+      </a:fillRef>
+      <a:effectRef idx="0">
+        <a:scrgbClr r="0" g="0" b="0"/>
+      </a:effectRef>
+      <a:fontRef idx="minor"/>
+    </dgm:style>
+  </dgm:styleLbl>
+  <dgm:styleLbl name="alignAcc1">
+    <dgm:scene3d>
+      <a:camera prst="orthographicFront"/>
+      <a:lightRig rig="threePt" dir="t"/>
+    </dgm:scene3d>
+    <dgm:sp3d/>
+    <dgm:txPr/>
+    <dgm:style>
+      <a:lnRef idx="2">
+        <a:scrgbClr r="0" g="0" b="0"/>
+      </a:lnRef>
+      <a:fillRef idx="1">
+        <a:scrgbClr r="0" g="0" b="0"/>
+      </a:fillRef>
+      <a:effectRef idx="0">
+        <a:scrgbClr r="0" g="0" b="0"/>
+      </a:effectRef>
+      <a:fontRef idx="minor"/>
+    </dgm:style>
+  </dgm:styleLbl>
+  <dgm:styleLbl name="trAlignAcc1">
+    <dgm:scene3d>
+      <a:camera prst="orthographicFront"/>
+      <a:lightRig rig="threePt" dir="t"/>
+    </dgm:scene3d>
+    <dgm:sp3d/>
+    <dgm:txPr/>
+    <dgm:style>
+      <a:lnRef idx="1">
+        <a:scrgbClr r="0" g="0" b="0"/>
+      </a:lnRef>
+      <a:fillRef idx="1">
+        <a:scrgbClr r="0" g="0" b="0"/>
+      </a:fillRef>
+      <a:effectRef idx="0">
+        <a:scrgbClr r="0" g="0" b="0"/>
+      </a:effectRef>
+      <a:fontRef idx="minor"/>
+    </dgm:style>
+  </dgm:styleLbl>
+  <dgm:styleLbl name="bgAcc1">
+    <dgm:scene3d>
+      <a:camera prst="orthographicFront"/>
+      <a:lightRig rig="threePt" dir="t"/>
+    </dgm:scene3d>
+    <dgm:sp3d/>
+    <dgm:txPr/>
+    <dgm:style>
+      <a:lnRef idx="2">
+        <a:scrgbClr r="0" g="0" b="0"/>
+      </a:lnRef>
+      <a:fillRef idx="1">
+        <a:scrgbClr r="0" g="0" b="0"/>
+      </a:fillRef>
+      <a:effectRef idx="0">
+        <a:scrgbClr r="0" g="0" b="0"/>
+      </a:effectRef>
+      <a:fontRef idx="minor"/>
+    </dgm:style>
+  </dgm:styleLbl>
+  <dgm:styleLbl name="solidFgAcc1">
+    <dgm:scene3d>
+      <a:camera prst="orthographicFront"/>
+      <a:lightRig rig="threePt" dir="t"/>
+    </dgm:scene3d>
+    <dgm:sp3d/>
+    <dgm:txPr/>
+    <dgm:style>
+      <a:lnRef idx="2">
+        <a:scrgbClr r="0" g="0" b="0"/>
+      </a:lnRef>
+      <a:fillRef idx="1">
+        <a:scrgbClr r="0" g="0" b="0"/>
+      </a:fillRef>
+      <a:effectRef idx="0">
+        <a:scrgbClr r="0" g="0" b="0"/>
+      </a:effectRef>
+      <a:fontRef idx="minor"/>
+    </dgm:style>
+  </dgm:styleLbl>
+  <dgm:styleLbl name="solidAlignAcc1">
+    <dgm:scene3d>
+      <a:camera prst="orthographicFront"/>
+      <a:lightRig rig="threePt" dir="t"/>
+    </dgm:scene3d>
+    <dgm:sp3d/>
+    <dgm:txPr/>
+    <dgm:style>
+      <a:lnRef idx="2">
+        <a:scrgbClr r="0" g="0" b="0"/>
+      </a:lnRef>
+      <a:fillRef idx="1">
+        <a:scrgbClr r="0" g="0" b="0"/>
+      </a:fillRef>
+      <a:effectRef idx="0">
+        <a:scrgbClr r="0" g="0" b="0"/>
+      </a:effectRef>
+      <a:fontRef idx="minor"/>
+    </dgm:style>
+  </dgm:styleLbl>
+  <dgm:styleLbl name="solidBgAcc1">
+    <dgm:scene3d>
+      <a:camera prst="orthographicFront"/>
+      <a:lightRig rig="threePt" dir="t"/>
+    </dgm:scene3d>
+    <dgm:sp3d/>
+    <dgm:txPr/>
+    <dgm:style>
+      <a:lnRef idx="2">
+        <a:scrgbClr r="0" g="0" b="0"/>
+      </a:lnRef>
+      <a:fillRef idx="1">
+        <a:scrgbClr r="0" g="0" b="0"/>
+      </a:fillRef>
+      <a:effectRef idx="0">
+        <a:scrgbClr r="0" g="0" b="0"/>
+      </a:effectRef>
+      <a:fontRef idx="minor"/>
+    </dgm:style>
+  </dgm:styleLbl>
+  <dgm:styleLbl name="fgAccFollowNode1">
+    <dgm:scene3d>
+      <a:camera prst="orthographicFront"/>
+      <a:lightRig rig="threePt" dir="t"/>
+    </dgm:scene3d>
+    <dgm:sp3d/>
+    <dgm:txPr/>
+    <dgm:style>
+      <a:lnRef idx="2">
+        <a:scrgbClr r="0" g="0" b="0"/>
+      </a:lnRef>
+      <a:fillRef idx="1">
+        <a:scrgbClr r="0" g="0" b="0"/>
+      </a:fillRef>
+      <a:effectRef idx="0">
+        <a:scrgbClr r="0" g="0" b="0"/>
+      </a:effectRef>
+      <a:fontRef idx="minor"/>
+    </dgm:style>
+  </dgm:styleLbl>
+  <dgm:styleLbl name="alignAccFollowNode1">
+    <dgm:scene3d>
+      <a:camera prst="orthographicFront"/>
+      <a:lightRig rig="threePt" dir="t"/>
+    </dgm:scene3d>
+    <dgm:sp3d/>
+    <dgm:txPr/>
+    <dgm:style>
+      <a:lnRef idx="2">
+        <a:scrgbClr r="0" g="0" b="0"/>
+      </a:lnRef>
+      <a:fillRef idx="1">
+        <a:scrgbClr r="0" g="0" b="0"/>
+      </a:fillRef>
+      <a:effectRef idx="0">
+        <a:scrgbClr r="0" g="0" b="0"/>
+      </a:effectRef>
+      <a:fontRef idx="minor"/>
+    </dgm:style>
+  </dgm:styleLbl>
+  <dgm:styleLbl name="bgAccFollowNode1">
+    <dgm:scene3d>
+      <a:camera prst="orthographicFront"/>
+      <a:lightRig rig="threePt" dir="t"/>
+    </dgm:scene3d>
+    <dgm:sp3d/>
+    <dgm:txPr/>
+    <dgm:style>
+      <a:lnRef idx="2">
+        <a:scrgbClr r="0" g="0" b="0"/>
+      </a:lnRef>
+      <a:fillRef idx="1">
+        <a:scrgbClr r="0" g="0" b="0"/>
+      </a:fillRef>
+      <a:effectRef idx="0">
+        <a:scrgbClr r="0" g="0" b="0"/>
+      </a:effectRef>
+      <a:fontRef idx="minor"/>
+    </dgm:style>
+  </dgm:styleLbl>
+  <dgm:styleLbl name="fgAcc0">
+    <dgm:scene3d>
+      <a:camera prst="orthographicFront"/>
+      <a:lightRig rig="threePt" dir="t"/>
+    </dgm:scene3d>
+    <dgm:sp3d/>
+    <dgm:txPr/>
+    <dgm:style>
+      <a:lnRef idx="2">
+        <a:scrgbClr r="0" g="0" b="0"/>
+      </a:lnRef>
+      <a:fillRef idx="1">
+        <a:scrgbClr r="0" g="0" b="0"/>
+      </a:fillRef>
+      <a:effectRef idx="0">
+        <a:scrgbClr r="0" g="0" b="0"/>
+      </a:effectRef>
+      <a:fontRef idx="minor"/>
+    </dgm:style>
+  </dgm:styleLbl>
+  <dgm:styleLbl name="fgAcc2">
+    <dgm:scene3d>
+      <a:camera prst="orthographicFront"/>
+      <a:lightRig rig="threePt" dir="t"/>
+    </dgm:scene3d>
+    <dgm:sp3d/>
+    <dgm:txPr/>
+    <dgm:style>
+      <a:lnRef idx="2">
+        <a:scrgbClr r="0" g="0" b="0"/>
+      </a:lnRef>
+      <a:fillRef idx="1">
+        <a:scrgbClr r="0" g="0" b="0"/>
+      </a:fillRef>
+      <a:effectRef idx="0">
+        <a:scrgbClr r="0" g="0" b="0"/>
+      </a:effectRef>
+      <a:fontRef idx="minor"/>
+    </dgm:style>
+  </dgm:styleLbl>
+  <dgm:styleLbl name="fgAcc3">
+    <dgm:scene3d>
+      <a:camera prst="orthographicFront"/>
+      <a:lightRig rig="threePt" dir="t"/>
+    </dgm:scene3d>
+    <dgm:sp3d/>
+    <dgm:txPr/>
+    <dgm:style>
+      <a:lnRef idx="2">
+        <a:scrgbClr r="0" g="0" b="0"/>
+      </a:lnRef>
+      <a:fillRef idx="1">
+        <a:scrgbClr r="0" g="0" b="0"/>
+      </a:fillRef>
+      <a:effectRef idx="0">
+        <a:scrgbClr r="0" g="0" b="0"/>
+      </a:effectRef>
+      <a:fontRef idx="minor"/>
+    </dgm:style>
+  </dgm:styleLbl>
+  <dgm:styleLbl name="fgAcc4">
+    <dgm:scene3d>
+      <a:camera prst="orthographicFront"/>
+      <a:lightRig rig="threePt" dir="t"/>
+    </dgm:scene3d>
+    <dgm:sp3d/>
+    <dgm:txPr/>
+    <dgm:style>
+      <a:lnRef idx="2">
+        <a:scrgbClr r="0" g="0" b="0"/>
+      </a:lnRef>
+      <a:fillRef idx="1">
+        <a:scrgbClr r="0" g="0" b="0"/>
+      </a:fillRef>
+      <a:effectRef idx="0">
+        <a:scrgbClr r="0" g="0" b="0"/>
+      </a:effectRef>
+      <a:fontRef idx="minor"/>
+    </dgm:style>
+  </dgm:styleLbl>
+  <dgm:styleLbl name="bgShp">
+    <dgm:scene3d>
+      <a:camera prst="orthographicFront"/>
+      <a:lightRig rig="threePt" dir="t"/>
+    </dgm:scene3d>
+    <dgm:sp3d/>
+    <dgm:txPr/>
+    <dgm:style>
+      <a:lnRef idx="0">
+        <a:scrgbClr r="0" g="0" b="0"/>
+      </a:lnRef>
+      <a:fillRef idx="1">
+        <a:scrgbClr r="0" g="0" b="0"/>
+      </a:fillRef>
+      <a:effectRef idx="0">
+        <a:scrgbClr r="0" g="0" b="0"/>
+      </a:effectRef>
+      <a:fontRef idx="minor"/>
+    </dgm:style>
+  </dgm:styleLbl>
+  <dgm:styleLbl name="dkBgShp">
+    <dgm:scene3d>
+      <a:camera prst="orthographicFront"/>
+      <a:lightRig rig="threePt" dir="t"/>
+    </dgm:scene3d>
+    <dgm:sp3d/>
+    <dgm:txPr/>
+    <dgm:style>
+      <a:lnRef idx="0">
+        <a:scrgbClr r="0" g="0" b="0"/>
+      </a:lnRef>
+      <a:fillRef idx="1">
+        <a:scrgbClr r="0" g="0" b="0"/>
+      </a:fillRef>
+      <a:effectRef idx="0">
+        <a:scrgbClr r="0" g="0" b="0"/>
+      </a:effectRef>
+      <a:fontRef idx="minor"/>
+    </dgm:style>
+  </dgm:styleLbl>
+  <dgm:styleLbl name="trBgShp">
+    <dgm:scene3d>
+      <a:camera prst="orthographicFront"/>
+      <a:lightRig rig="threePt" dir="t"/>
+    </dgm:scene3d>
+    <dgm:sp3d/>
+    <dgm:txPr/>
+    <dgm:style>
+      <a:lnRef idx="0">
+        <a:scrgbClr r="0" g="0" b="0"/>
+      </a:lnRef>
+      <a:fillRef idx="1">
+        <a:scrgbClr r="0" g="0" b="0"/>
+      </a:fillRef>
+      <a:effectRef idx="0">
+        <a:scrgbClr r="0" g="0" b="0"/>
+      </a:effectRef>
+      <a:fontRef idx="minor"/>
+    </dgm:style>
+  </dgm:styleLbl>
+  <dgm:styleLbl name="fgShp">
+    <dgm:scene3d>
+      <a:camera prst="orthographicFront"/>
+      <a:lightRig rig="threePt" dir="t"/>
+    </dgm:scene3d>
+    <dgm:sp3d/>
+    <dgm:txPr/>
+    <dgm:style>
+      <a:lnRef idx="2">
+        <a:scrgbClr r="0" g="0" b="0"/>
+      </a:lnRef>
+      <a:fillRef idx="1">
+        <a:scrgbClr r="0" g="0" b="0"/>
+      </a:fillRef>
+      <a:effectRef idx="0">
+        <a:scrgbClr r="0" g="0" b="0"/>
+      </a:effectRef>
+      <a:fontRef idx="minor"/>
+    </dgm:style>
+  </dgm:styleLbl>
+  <dgm:styleLbl name="revTx">
+    <dgm:scene3d>
+      <a:camera prst="orthographicFront"/>
+      <a:lightRig rig="threePt" dir="t"/>
+    </dgm:scene3d>
+    <dgm:sp3d/>
+    <dgm:txPr/>
+    <dgm:style>
+      <a:lnRef idx="0">
+        <a:scrgbClr r="0" g="0" b="0"/>
+      </a:lnRef>
+      <a:fillRef idx="0">
+        <a:scrgbClr r="0" g="0" b="0"/>
+      </a:fillRef>
+      <a:effectRef idx="0">
+        <a:scrgbClr r="0" g="0" b="0"/>
+      </a:effectRef>
+      <a:fontRef idx="minor"/>
+    </dgm:style>
+  </dgm:styleLbl>
+</dgm:styleDef>
 </file>
 
 <file path=ppt/slideLayouts/slideLayout1.xml><?xml version="1.0" encoding="utf-8"?>
@@ -4685,6 +7709,408 @@
 </p:sld>
 </file>
 
+<file path=ppt/slides/slide5.xml><?xml version="1.0" encoding="utf-8"?>
+<p:sld xmlns:a="http://schemas.openxmlformats.org/drawingml/2006/main" xmlns:r="http://schemas.openxmlformats.org/officeDocument/2006/relationships" xmlns:p="http://schemas.openxmlformats.org/presentationml/2006/main">
+  <p:cSld>
+    <p:spTree>
+      <p:nvGrpSpPr>
+        <p:cNvPr id="1" name=""/>
+        <p:cNvGrpSpPr/>
+        <p:nvPr/>
+      </p:nvGrpSpPr>
+      <p:grpSpPr>
+        <a:xfrm>
+          <a:off x="0" y="0"/>
+          <a:ext cx="0" cy="0"/>
+          <a:chOff x="0" y="0"/>
+          <a:chExt cx="0" cy="0"/>
+        </a:xfrm>
+      </p:grpSpPr>
+      <p:sp>
+        <p:nvSpPr>
+          <p:cNvPr id="9" name="Title 1">
+            <a:extLst>
+              <a:ext uri="{FF2B5EF4-FFF2-40B4-BE49-F238E27FC236}">
+                <a16:creationId xmlns:a16="http://schemas.microsoft.com/office/drawing/2014/main" id="{C58D9FD8-E2C6-4F60-9465-62A8F8712D29}"/>
+              </a:ext>
+            </a:extLst>
+          </p:cNvPr>
+          <p:cNvSpPr>
+            <a:spLocks noGrp="1"/>
+          </p:cNvSpPr>
+          <p:nvPr>
+            <p:ph type="ctrTitle"/>
+          </p:nvPr>
+        </p:nvSpPr>
+        <p:spPr>
+          <a:xfrm>
+            <a:off x="1097280" y="758952"/>
+            <a:ext cx="10058400" cy="3566160"/>
+          </a:xfrm>
+        </p:spPr>
+        <p:txBody>
+          <a:bodyPr anchor="b">
+            <a:normAutofit/>
+          </a:bodyPr>
+          <a:lstStyle/>
+          <a:p>
+            <a:r>
+              <a:rPr lang="en-US" dirty="0"/>
+              <a:t>Objectives</a:t>
+            </a:r>
+          </a:p>
+        </p:txBody>
+      </p:sp>
+      <p:sp>
+        <p:nvSpPr>
+          <p:cNvPr id="14" name="Content Placeholder 2">
+            <a:extLst>
+              <a:ext uri="{FF2B5EF4-FFF2-40B4-BE49-F238E27FC236}">
+                <a16:creationId xmlns:a16="http://schemas.microsoft.com/office/drawing/2014/main" id="{30D63FA8-110E-49B5-BA1A-0C7AE3D8D733}"/>
+              </a:ext>
+            </a:extLst>
+          </p:cNvPr>
+          <p:cNvSpPr>
+            <a:spLocks noGrp="1"/>
+          </p:cNvSpPr>
+          <p:nvPr>
+            <p:ph type="subTitle" idx="1"/>
+          </p:nvPr>
+        </p:nvSpPr>
+        <p:spPr>
+          <a:xfrm>
+            <a:off x="1100051" y="4645152"/>
+            <a:ext cx="10058400" cy="1143000"/>
+          </a:xfrm>
+        </p:spPr>
+        <p:txBody>
+          <a:bodyPr>
+            <a:normAutofit/>
+          </a:bodyPr>
+          <a:lstStyle/>
+          <a:p>
+            <a:r>
+              <a:rPr lang="en-US" dirty="0"/>
+              <a:t>Establish and visualize a relationship between certain demographic factors and eviction rates</a:t>
+            </a:r>
+          </a:p>
+          <a:p>
+            <a:endParaRPr lang="en-US" dirty="0"/>
+          </a:p>
+        </p:txBody>
+      </p:sp>
+    </p:spTree>
+    <p:extLst>
+      <p:ext uri="{BB962C8B-B14F-4D97-AF65-F5344CB8AC3E}">
+        <p14:creationId xmlns:p14="http://schemas.microsoft.com/office/powerpoint/2010/main" val="2313063048"/>
+      </p:ext>
+    </p:extLst>
+  </p:cSld>
+  <p:clrMapOvr>
+    <a:masterClrMapping/>
+  </p:clrMapOvr>
+</p:sld>
+</file>
+
+<file path=ppt/slides/slide6.xml><?xml version="1.0" encoding="utf-8"?>
+<p:sld xmlns:a="http://schemas.openxmlformats.org/drawingml/2006/main" xmlns:r="http://schemas.openxmlformats.org/officeDocument/2006/relationships" xmlns:p="http://schemas.openxmlformats.org/presentationml/2006/main">
+  <p:cSld>
+    <p:spTree>
+      <p:nvGrpSpPr>
+        <p:cNvPr id="1" name=""/>
+        <p:cNvGrpSpPr/>
+        <p:nvPr/>
+      </p:nvGrpSpPr>
+      <p:grpSpPr>
+        <a:xfrm>
+          <a:off x="0" y="0"/>
+          <a:ext cx="0" cy="0"/>
+          <a:chOff x="0" y="0"/>
+          <a:chExt cx="0" cy="0"/>
+        </a:xfrm>
+      </p:grpSpPr>
+      <p:sp>
+        <p:nvSpPr>
+          <p:cNvPr id="8" name="Title 1">
+            <a:extLst>
+              <a:ext uri="{FF2B5EF4-FFF2-40B4-BE49-F238E27FC236}">
+                <a16:creationId xmlns:a16="http://schemas.microsoft.com/office/drawing/2014/main" id="{C61D2630-EA61-4ABC-983D-69A9AC809083}"/>
+              </a:ext>
+            </a:extLst>
+          </p:cNvPr>
+          <p:cNvSpPr>
+            <a:spLocks noGrp="1"/>
+          </p:cNvSpPr>
+          <p:nvPr>
+            <p:ph type="title"/>
+          </p:nvPr>
+        </p:nvSpPr>
+        <p:spPr>
+          <a:xfrm>
+            <a:off x="1097280" y="286603"/>
+            <a:ext cx="10058400" cy="1450757"/>
+          </a:xfrm>
+        </p:spPr>
+        <p:txBody>
+          <a:bodyPr/>
+          <a:lstStyle/>
+          <a:p>
+            <a:r>
+              <a:rPr lang="en-US" dirty="0"/>
+              <a:t>Expectations VS Findings</a:t>
+            </a:r>
+          </a:p>
+        </p:txBody>
+      </p:sp>
+      <p:sp>
+        <p:nvSpPr>
+          <p:cNvPr id="10" name="Content Placeholder 2">
+            <a:extLst>
+              <a:ext uri="{FF2B5EF4-FFF2-40B4-BE49-F238E27FC236}">
+                <a16:creationId xmlns:a16="http://schemas.microsoft.com/office/drawing/2014/main" id="{69333B02-1024-4712-A252-74C1CD75CFFE}"/>
+              </a:ext>
+            </a:extLst>
+          </p:cNvPr>
+          <p:cNvSpPr>
+            <a:spLocks noGrp="1"/>
+          </p:cNvSpPr>
+          <p:nvPr>
+            <p:ph sz="half" idx="1"/>
+          </p:nvPr>
+        </p:nvSpPr>
+        <p:spPr>
+          <a:xfrm>
+            <a:off x="1097280" y="2120900"/>
+            <a:ext cx="4639736" cy="3748193"/>
+          </a:xfrm>
+        </p:spPr>
+        <p:txBody>
+          <a:bodyPr/>
+          <a:lstStyle/>
+          <a:p>
+            <a:endParaRPr lang="en-US" dirty="0"/>
+          </a:p>
+        </p:txBody>
+      </p:sp>
+      <p:sp>
+        <p:nvSpPr>
+          <p:cNvPr id="12" name="Content Placeholder 3">
+            <a:extLst>
+              <a:ext uri="{FF2B5EF4-FFF2-40B4-BE49-F238E27FC236}">
+                <a16:creationId xmlns:a16="http://schemas.microsoft.com/office/drawing/2014/main" id="{269B4227-D587-4AE0-9D80-E2DD539B0C1D}"/>
+              </a:ext>
+            </a:extLst>
+          </p:cNvPr>
+          <p:cNvSpPr>
+            <a:spLocks noGrp="1"/>
+          </p:cNvSpPr>
+          <p:nvPr>
+            <p:ph sz="half" idx="2"/>
+          </p:nvPr>
+        </p:nvSpPr>
+        <p:spPr>
+          <a:xfrm>
+            <a:off x="6515944" y="2120900"/>
+            <a:ext cx="4639736" cy="3748194"/>
+          </a:xfrm>
+        </p:spPr>
+        <p:txBody>
+          <a:bodyPr/>
+          <a:lstStyle/>
+          <a:p>
+            <a:endParaRPr lang="en-US"/>
+          </a:p>
+        </p:txBody>
+      </p:sp>
+    </p:spTree>
+    <p:extLst>
+      <p:ext uri="{BB962C8B-B14F-4D97-AF65-F5344CB8AC3E}">
+        <p14:creationId xmlns:p14="http://schemas.microsoft.com/office/powerpoint/2010/main" val="296680088"/>
+      </p:ext>
+    </p:extLst>
+  </p:cSld>
+  <p:clrMapOvr>
+    <a:masterClrMapping/>
+  </p:clrMapOvr>
+</p:sld>
+</file>
+
+<file path=ppt/slides/slide7.xml><?xml version="1.0" encoding="utf-8"?>
+<p:sld xmlns:a="http://schemas.openxmlformats.org/drawingml/2006/main" xmlns:r="http://schemas.openxmlformats.org/officeDocument/2006/relationships" xmlns:p="http://schemas.openxmlformats.org/presentationml/2006/main">
+  <p:cSld>
+    <p:spTree>
+      <p:nvGrpSpPr>
+        <p:cNvPr id="1" name=""/>
+        <p:cNvGrpSpPr/>
+        <p:nvPr/>
+      </p:nvGrpSpPr>
+      <p:grpSpPr>
+        <a:xfrm>
+          <a:off x="0" y="0"/>
+          <a:ext cx="0" cy="0"/>
+          <a:chOff x="0" y="0"/>
+          <a:chExt cx="0" cy="0"/>
+        </a:xfrm>
+      </p:grpSpPr>
+      <p:sp>
+        <p:nvSpPr>
+          <p:cNvPr id="2" name="Title 1">
+            <a:extLst>
+              <a:ext uri="{FF2B5EF4-FFF2-40B4-BE49-F238E27FC236}">
+                <a16:creationId xmlns:a16="http://schemas.microsoft.com/office/drawing/2014/main" id="{8144F27F-F08D-4342-8E80-605BC420E421}"/>
+              </a:ext>
+            </a:extLst>
+          </p:cNvPr>
+          <p:cNvSpPr>
+            <a:spLocks noGrp="1"/>
+          </p:cNvSpPr>
+          <p:nvPr>
+            <p:ph type="title"/>
+          </p:nvPr>
+        </p:nvSpPr>
+        <p:spPr>
+          <a:xfrm>
+            <a:off x="1097280" y="286603"/>
+            <a:ext cx="10058400" cy="1450757"/>
+          </a:xfrm>
+        </p:spPr>
+        <p:txBody>
+          <a:bodyPr anchor="b">
+            <a:normAutofit/>
+          </a:bodyPr>
+          <a:lstStyle/>
+          <a:p>
+            <a:r>
+              <a:rPr lang="en-US" dirty="0"/>
+              <a:t>Process</a:t>
+            </a:r>
+          </a:p>
+        </p:txBody>
+      </p:sp>
+      <p:graphicFrame>
+        <p:nvGraphicFramePr>
+          <p:cNvPr id="6" name="Content Placeholder 2">
+            <a:extLst>
+              <a:ext uri="{FF2B5EF4-FFF2-40B4-BE49-F238E27FC236}">
+                <a16:creationId xmlns:a16="http://schemas.microsoft.com/office/drawing/2014/main" id="{84B8D5ED-4A91-4029-A7D7-1A8783D6BEB7}"/>
+              </a:ext>
+            </a:extLst>
+          </p:cNvPr>
+          <p:cNvGraphicFramePr>
+            <a:graphicFrameLocks noGrp="1"/>
+          </p:cNvGraphicFramePr>
+          <p:nvPr>
+            <p:ph idx="1"/>
+            <p:extLst>
+              <p:ext uri="{D42A27DB-BD31-4B8C-83A1-F6EECF244321}">
+                <p14:modId xmlns:p14="http://schemas.microsoft.com/office/powerpoint/2010/main" val="3665768410"/>
+              </p:ext>
+            </p:extLst>
+          </p:nvPr>
+        </p:nvGraphicFramePr>
+        <p:xfrm>
+          <a:off x="1097280" y="2108201"/>
+          <a:ext cx="10058400" cy="3760891"/>
+        </p:xfrm>
+        <a:graphic>
+          <a:graphicData uri="http://schemas.openxmlformats.org/drawingml/2006/diagram">
+            <dgm:relIds xmlns:dgm="http://schemas.openxmlformats.org/drawingml/2006/diagram" xmlns:r="http://schemas.openxmlformats.org/officeDocument/2006/relationships" r:dm="rId2" r:lo="rId3" r:qs="rId4" r:cs="rId5"/>
+          </a:graphicData>
+        </a:graphic>
+      </p:graphicFrame>
+    </p:spTree>
+    <p:extLst>
+      <p:ext uri="{BB962C8B-B14F-4D97-AF65-F5344CB8AC3E}">
+        <p14:creationId xmlns:p14="http://schemas.microsoft.com/office/powerpoint/2010/main" val="1680272468"/>
+      </p:ext>
+    </p:extLst>
+  </p:cSld>
+  <p:clrMapOvr>
+    <a:masterClrMapping/>
+  </p:clrMapOvr>
+</p:sld>
+</file>
+
+<file path=ppt/slides/slide8.xml><?xml version="1.0" encoding="utf-8"?>
+<p:sld xmlns:a="http://schemas.openxmlformats.org/drawingml/2006/main" xmlns:r="http://schemas.openxmlformats.org/officeDocument/2006/relationships" xmlns:p="http://schemas.openxmlformats.org/presentationml/2006/main">
+  <p:cSld>
+    <p:spTree>
+      <p:nvGrpSpPr>
+        <p:cNvPr id="1" name=""/>
+        <p:cNvGrpSpPr/>
+        <p:nvPr/>
+      </p:nvGrpSpPr>
+      <p:grpSpPr>
+        <a:xfrm>
+          <a:off x="0" y="0"/>
+          <a:ext cx="0" cy="0"/>
+          <a:chOff x="0" y="0"/>
+          <a:chExt cx="0" cy="0"/>
+        </a:xfrm>
+      </p:grpSpPr>
+      <p:sp>
+        <p:nvSpPr>
+          <p:cNvPr id="2" name="Title 1">
+            <a:extLst>
+              <a:ext uri="{FF2B5EF4-FFF2-40B4-BE49-F238E27FC236}">
+                <a16:creationId xmlns:a16="http://schemas.microsoft.com/office/drawing/2014/main" id="{9DEDA222-456D-F148-976B-0C9590C7647B}"/>
+              </a:ext>
+            </a:extLst>
+          </p:cNvPr>
+          <p:cNvSpPr>
+            <a:spLocks noGrp="1"/>
+          </p:cNvSpPr>
+          <p:nvPr>
+            <p:ph type="title"/>
+          </p:nvPr>
+        </p:nvSpPr>
+        <p:spPr/>
+        <p:txBody>
+          <a:bodyPr/>
+          <a:lstStyle/>
+          <a:p>
+            <a:endParaRPr lang="en-US"/>
+          </a:p>
+        </p:txBody>
+      </p:sp>
+      <p:sp>
+        <p:nvSpPr>
+          <p:cNvPr id="3" name="Content Placeholder 2">
+            <a:extLst>
+              <a:ext uri="{FF2B5EF4-FFF2-40B4-BE49-F238E27FC236}">
+                <a16:creationId xmlns:a16="http://schemas.microsoft.com/office/drawing/2014/main" id="{1CB88301-8A12-594A-9EF1-AB5FAC058D4E}"/>
+              </a:ext>
+            </a:extLst>
+          </p:cNvPr>
+          <p:cNvSpPr>
+            <a:spLocks noGrp="1"/>
+          </p:cNvSpPr>
+          <p:nvPr>
+            <p:ph idx="1"/>
+          </p:nvPr>
+        </p:nvSpPr>
+        <p:spPr/>
+        <p:txBody>
+          <a:bodyPr/>
+          <a:lstStyle/>
+          <a:p>
+            <a:endParaRPr lang="en-US"/>
+          </a:p>
+        </p:txBody>
+      </p:sp>
+    </p:spTree>
+    <p:extLst>
+      <p:ext uri="{BB962C8B-B14F-4D97-AF65-F5344CB8AC3E}">
+        <p14:creationId xmlns:p14="http://schemas.microsoft.com/office/powerpoint/2010/main" val="632981348"/>
+      </p:ext>
+    </p:extLst>
+  </p:cSld>
+  <p:clrMapOvr>
+    <a:masterClrMapping/>
+  </p:clrMapOvr>
+</p:sld>
+</file>
+
 <file path=ppt/theme/theme1.xml><?xml version="1.0" encoding="utf-8"?>
 <a:theme xmlns:a="http://schemas.openxmlformats.org/drawingml/2006/main" name="1_RetrospectVTI">
   <a:themeElements>

--- a/EvictionPrediction.pptx
+++ b/EvictionPrediction.pptx
@@ -8,11 +8,12 @@
     <p:sldId id="257" r:id="rId2"/>
     <p:sldId id="258" r:id="rId3"/>
     <p:sldId id="259" r:id="rId4"/>
-    <p:sldId id="260" r:id="rId5"/>
-    <p:sldId id="261" r:id="rId6"/>
-    <p:sldId id="263" r:id="rId7"/>
-    <p:sldId id="262" r:id="rId8"/>
-    <p:sldId id="264" r:id="rId9"/>
+    <p:sldId id="265" r:id="rId5"/>
+    <p:sldId id="260" r:id="rId6"/>
+    <p:sldId id="261" r:id="rId7"/>
+    <p:sldId id="263" r:id="rId8"/>
+    <p:sldId id="262" r:id="rId9"/>
+    <p:sldId id="266" r:id="rId10"/>
   </p:sldIdLst>
   <p:sldSz cx="12192000" cy="6858000"/>
   <p:notesSz cx="6858000" cy="9144000"/>
@@ -3383,7 +3384,7 @@
           <a:p>
             <a:fld id="{9184DA70-C731-4C70-880D-CCD4705E623C}" type="datetime1">
               <a:rPr lang="en-US" smtClean="0"/>
-              <a:t>10/1/20</a:t>
+              <a:t>10/3/20</a:t>
             </a:fld>
             <a:endParaRPr lang="en-US" dirty="0"/>
           </a:p>
@@ -3571,7 +3572,7 @@
           <a:p>
             <a:fld id="{B612A279-0833-481D-8C56-F67FD0AC6C50}" type="datetime1">
               <a:rPr lang="en-US" smtClean="0"/>
-              <a:t>10/1/20</a:t>
+              <a:t>10/3/20</a:t>
             </a:fld>
             <a:endParaRPr lang="en-US" dirty="0"/>
           </a:p>
@@ -3813,7 +3814,7 @@
           <a:p>
             <a:fld id="{6587DA83-5663-4C9C-B9AA-0B40A3DAFF81}" type="datetime1">
               <a:rPr lang="en-US" smtClean="0"/>
-              <a:t>10/1/20</a:t>
+              <a:t>10/3/20</a:t>
             </a:fld>
             <a:endParaRPr lang="en-US" dirty="0"/>
           </a:p>
@@ -4001,7 +4002,7 @@
           <a:p>
             <a:fld id="{4BE1D723-8F53-4F53-90B0-1982A396982E}" type="datetime1">
               <a:rPr lang="en-US" smtClean="0"/>
-              <a:t>10/1/20</a:t>
+              <a:t>10/3/20</a:t>
             </a:fld>
             <a:endParaRPr lang="en-US" dirty="0"/>
           </a:p>
@@ -4374,7 +4375,7 @@
           <a:p>
             <a:fld id="{97669AF7-7BEB-44E4-9852-375E34362B5B}" type="datetime1">
               <a:rPr lang="en-US" smtClean="0"/>
-              <a:t>10/1/20</a:t>
+              <a:t>10/3/20</a:t>
             </a:fld>
             <a:endParaRPr lang="en-US" dirty="0"/>
           </a:p>
@@ -4629,7 +4630,7 @@
           <a:p>
             <a:fld id="{BAAAC38D-0552-4C82-B593-E6124DFADBE2}" type="datetime1">
               <a:rPr lang="en-US" smtClean="0"/>
-              <a:t>10/1/20</a:t>
+              <a:t>10/3/20</a:t>
             </a:fld>
             <a:endParaRPr lang="en-US" dirty="0"/>
           </a:p>
@@ -5026,7 +5027,7 @@
           <a:p>
             <a:fld id="{D9DF0F1C-5577-4ACB-BB62-DF8F3C494C7E}" type="datetime1">
               <a:rPr lang="en-US" smtClean="0"/>
-              <a:t>10/1/20</a:t>
+              <a:t>10/3/20</a:t>
             </a:fld>
             <a:endParaRPr lang="en-US" dirty="0"/>
           </a:p>
@@ -5162,7 +5163,7 @@
           <a:p>
             <a:fld id="{1775B394-D9F9-4F0C-B15D-605F45CB9E9F}" type="datetime1">
               <a:rPr lang="en-US" smtClean="0"/>
-              <a:t>10/1/20</a:t>
+              <a:t>10/3/20</a:t>
             </a:fld>
             <a:endParaRPr lang="en-US" dirty="0"/>
           </a:p>
@@ -5319,7 +5320,7 @@
           <a:p>
             <a:fld id="{39667345-2558-425A-8533-9BFDBCE15005}" type="datetime1">
               <a:rPr lang="en-US" smtClean="0"/>
-              <a:t>10/1/20</a:t>
+              <a:t>10/3/20</a:t>
             </a:fld>
             <a:endParaRPr lang="en-US" dirty="0"/>
           </a:p>
@@ -5648,7 +5649,7 @@
           <a:p>
             <a:fld id="{92BEA474-078D-4E9B-9B14-09A87B19DC46}" type="datetime1">
               <a:rPr lang="en-US" smtClean="0"/>
-              <a:t>10/1/20</a:t>
+              <a:t>10/3/20</a:t>
             </a:fld>
             <a:endParaRPr lang="en-US" dirty="0"/>
           </a:p>
@@ -5998,7 +5999,7 @@
           <a:p>
             <a:fld id="{4907D986-8816-4272-A432-0437A28A9828}" type="datetime1">
               <a:rPr lang="en-US" smtClean="0"/>
-              <a:t>10/1/20</a:t>
+              <a:t>10/3/20</a:t>
             </a:fld>
             <a:endParaRPr lang="en-US" dirty="0"/>
           </a:p>
@@ -6259,7 +6260,7 @@
           <a:p>
             <a:fld id="{62D6E202-B606-4609-B914-27C9371A1F6D}" type="datetime1">
               <a:rPr lang="en-US" smtClean="0"/>
-              <a:t>10/1/20</a:t>
+              <a:t>10/3/20</a:t>
             </a:fld>
             <a:endParaRPr lang="en-US" dirty="0"/>
           </a:p>
@@ -7383,7 +7384,11 @@
           <a:p>
             <a:pPr fontAlgn="base"/>
             <a:r>
-              <a:rPr lang="en-US" b="1" dirty="0"/>
+              <a:rPr lang="en-US" b="1" dirty="0">
+                <a:solidFill>
+                  <a:schemeClr val="bg1"/>
+                </a:solidFill>
+              </a:rPr>
               <a:t>EVICTION: Noun – Cambridge English dictionary </a:t>
             </a:r>
           </a:p>
@@ -7577,7 +7582,7 @@
           <p:cNvPr id="2" name="Title 1">
             <a:extLst>
               <a:ext uri="{FF2B5EF4-FFF2-40B4-BE49-F238E27FC236}">
-                <a16:creationId xmlns:a16="http://schemas.microsoft.com/office/drawing/2014/main" id="{32D12789-4B6C-E241-92A0-76DF1C67EC3F}"/>
+                <a16:creationId xmlns:a16="http://schemas.microsoft.com/office/drawing/2014/main" id="{D951E3AD-CF94-8C48-B514-8B36EEA4C12F}"/>
               </a:ext>
             </a:extLst>
           </p:cNvPr>
@@ -7595,46 +7600,17 @@
           <a:p>
             <a:r>
               <a:rPr lang="en-US" dirty="0"/>
-              <a:t>KCMO Locally</a:t>
+              <a:t>Impact of evictions</a:t>
             </a:r>
           </a:p>
         </p:txBody>
       </p:sp>
-      <p:pic>
-        <p:nvPicPr>
-          <p:cNvPr id="5" name="Content Placeholder 4">
+      <p:sp>
+        <p:nvSpPr>
+          <p:cNvPr id="3" name="Content Placeholder 2">
             <a:extLst>
               <a:ext uri="{FF2B5EF4-FFF2-40B4-BE49-F238E27FC236}">
-                <a16:creationId xmlns:a16="http://schemas.microsoft.com/office/drawing/2014/main" id="{C135E06A-712E-2043-B6A1-0C29845B4E8F}"/>
-              </a:ext>
-            </a:extLst>
-          </p:cNvPr>
-          <p:cNvPicPr>
-            <a:picLocks noGrp="1" noChangeAspect="1"/>
-          </p:cNvPicPr>
-          <p:nvPr>
-            <p:ph idx="1"/>
-          </p:nvPr>
-        </p:nvPicPr>
-        <p:blipFill>
-          <a:blip r:embed="rId2"/>
-          <a:stretch>
-            <a:fillRect/>
-          </a:stretch>
-        </p:blipFill>
-        <p:spPr>
-          <a:xfrm>
-            <a:off x="5459413" y="1581920"/>
-            <a:ext cx="5927725" cy="3756072"/>
-          </a:xfrm>
-        </p:spPr>
-      </p:pic>
-      <p:sp>
-        <p:nvSpPr>
-          <p:cNvPr id="4" name="Text Placeholder 3">
-            <a:extLst>
-              <a:ext uri="{FF2B5EF4-FFF2-40B4-BE49-F238E27FC236}">
-                <a16:creationId xmlns:a16="http://schemas.microsoft.com/office/drawing/2014/main" id="{7CE043F8-0EC3-944C-8A23-2C6E7164F720}"/>
+                <a16:creationId xmlns:a16="http://schemas.microsoft.com/office/drawing/2014/main" id="{B2F1B4DB-61B3-E84C-BC47-598FF8D88FB5}"/>
               </a:ext>
             </a:extLst>
           </p:cNvPr>
@@ -7642,7 +7618,7 @@
             <a:spLocks noGrp="1"/>
           </p:cNvSpPr>
           <p:nvPr>
-            <p:ph type="body" sz="half" idx="2"/>
+            <p:ph idx="1"/>
           </p:nvPr>
         </p:nvSpPr>
         <p:spPr/>
@@ -7650,56 +7626,39 @@
           <a:bodyPr/>
           <a:lstStyle/>
           <a:p>
-            <a:pPr marL="285750" indent="-285750">
-              <a:buFont typeface="Arial" panose="020B0604020202020204" pitchFamily="34" charset="0"/>
-              <a:buChar char="•"/>
-            </a:pPr>
-            <a:r>
-              <a:rPr lang="en-US" dirty="0"/>
-              <a:t>65</a:t>
-            </a:r>
-            <a:r>
-              <a:rPr lang="en-US" baseline="30000" dirty="0"/>
-              <a:t>th</a:t>
-            </a:r>
-            <a:r>
-              <a:rPr lang="en-US" dirty="0"/>
-              <a:t> in evictions nationwide </a:t>
-            </a:r>
-          </a:p>
-          <a:p>
-            <a:pPr marL="285750" indent="-285750">
-              <a:buFont typeface="Arial" panose="020B0604020202020204" pitchFamily="34" charset="0"/>
-              <a:buChar char="•"/>
-            </a:pPr>
-            <a:r>
-              <a:rPr lang="en-US" dirty="0"/>
-              <a:t>Over 10 households are evicted on an average day</a:t>
-            </a:r>
-          </a:p>
-          <a:p>
-            <a:pPr marL="285750" indent="-285750">
-              <a:buFont typeface="Arial" panose="020B0604020202020204" pitchFamily="34" charset="0"/>
-              <a:buChar char="•"/>
-            </a:pPr>
-            <a:r>
-              <a:rPr lang="en-US" dirty="0"/>
-              <a:t>19 in 100 renter homes are evicted every year</a:t>
-            </a:r>
-          </a:p>
-          <a:p>
-            <a:pPr marL="285750" indent="-285750">
-              <a:buFont typeface="Arial" panose="020B0604020202020204" pitchFamily="34" charset="0"/>
-              <a:buChar char="•"/>
-            </a:pPr>
-            <a:endParaRPr lang="en-US" dirty="0"/>
+            <a:endParaRPr lang="en-US"/>
+          </a:p>
+        </p:txBody>
+      </p:sp>
+      <p:sp>
+        <p:nvSpPr>
+          <p:cNvPr id="4" name="Text Placeholder 3">
+            <a:extLst>
+              <a:ext uri="{FF2B5EF4-FFF2-40B4-BE49-F238E27FC236}">
+                <a16:creationId xmlns:a16="http://schemas.microsoft.com/office/drawing/2014/main" id="{1AF2D43C-3D69-DC43-A15E-B47A0D3C16C0}"/>
+              </a:ext>
+            </a:extLst>
+          </p:cNvPr>
+          <p:cNvSpPr>
+            <a:spLocks noGrp="1"/>
+          </p:cNvSpPr>
+          <p:nvPr>
+            <p:ph type="body" sz="half" idx="2"/>
+          </p:nvPr>
+        </p:nvSpPr>
+        <p:spPr/>
+        <p:txBody>
+          <a:bodyPr/>
+          <a:lstStyle/>
+          <a:p>
+            <a:endParaRPr lang="en-US"/>
           </a:p>
         </p:txBody>
       </p:sp>
     </p:spTree>
     <p:extLst>
       <p:ext uri="{BB962C8B-B14F-4D97-AF65-F5344CB8AC3E}">
-        <p14:creationId xmlns:p14="http://schemas.microsoft.com/office/powerpoint/2010/main" val="79375410"/>
+        <p14:creationId xmlns:p14="http://schemas.microsoft.com/office/powerpoint/2010/main" val="2673116629"/>
       </p:ext>
     </p:extLst>
   </p:cSld>
@@ -7728,10 +7687,10 @@
       </p:grpSpPr>
       <p:sp>
         <p:nvSpPr>
-          <p:cNvPr id="9" name="Title 1">
+          <p:cNvPr id="2" name="Title 1">
             <a:extLst>
               <a:ext uri="{FF2B5EF4-FFF2-40B4-BE49-F238E27FC236}">
-                <a16:creationId xmlns:a16="http://schemas.microsoft.com/office/drawing/2014/main" id="{C58D9FD8-E2C6-4F60-9465-62A8F8712D29}"/>
+                <a16:creationId xmlns:a16="http://schemas.microsoft.com/office/drawing/2014/main" id="{32D12789-4B6C-E241-92A0-76DF1C67EC3F}"/>
               </a:ext>
             </a:extLst>
           </p:cNvPr>
@@ -7739,34 +7698,56 @@
             <a:spLocks noGrp="1"/>
           </p:cNvSpPr>
           <p:nvPr>
-            <p:ph type="ctrTitle"/>
-          </p:nvPr>
-        </p:nvSpPr>
+            <p:ph type="title"/>
+          </p:nvPr>
+        </p:nvSpPr>
+        <p:spPr/>
+        <p:txBody>
+          <a:bodyPr/>
+          <a:lstStyle/>
+          <a:p>
+            <a:r>
+              <a:rPr lang="en-US" dirty="0"/>
+              <a:t>KCMO Locally</a:t>
+            </a:r>
+          </a:p>
+        </p:txBody>
+      </p:sp>
+      <p:pic>
+        <p:nvPicPr>
+          <p:cNvPr id="5" name="Content Placeholder 4">
+            <a:extLst>
+              <a:ext uri="{FF2B5EF4-FFF2-40B4-BE49-F238E27FC236}">
+                <a16:creationId xmlns:a16="http://schemas.microsoft.com/office/drawing/2014/main" id="{C135E06A-712E-2043-B6A1-0C29845B4E8F}"/>
+              </a:ext>
+            </a:extLst>
+          </p:cNvPr>
+          <p:cNvPicPr>
+            <a:picLocks noGrp="1" noChangeAspect="1"/>
+          </p:cNvPicPr>
+          <p:nvPr>
+            <p:ph idx="1"/>
+          </p:nvPr>
+        </p:nvPicPr>
+        <p:blipFill>
+          <a:blip r:embed="rId2"/>
+          <a:stretch>
+            <a:fillRect/>
+          </a:stretch>
+        </p:blipFill>
         <p:spPr>
           <a:xfrm>
-            <a:off x="1097280" y="758952"/>
-            <a:ext cx="10058400" cy="3566160"/>
+            <a:off x="5459413" y="1581920"/>
+            <a:ext cx="5927725" cy="3756072"/>
           </a:xfrm>
         </p:spPr>
-        <p:txBody>
-          <a:bodyPr anchor="b">
-            <a:normAutofit/>
-          </a:bodyPr>
-          <a:lstStyle/>
-          <a:p>
-            <a:r>
-              <a:rPr lang="en-US" dirty="0"/>
-              <a:t>Objectives</a:t>
-            </a:r>
-          </a:p>
-        </p:txBody>
-      </p:sp>
-      <p:sp>
-        <p:nvSpPr>
-          <p:cNvPr id="14" name="Content Placeholder 2">
+      </p:pic>
+      <p:sp>
+        <p:nvSpPr>
+          <p:cNvPr id="4" name="Text Placeholder 3">
             <a:extLst>
               <a:ext uri="{FF2B5EF4-FFF2-40B4-BE49-F238E27FC236}">
-                <a16:creationId xmlns:a16="http://schemas.microsoft.com/office/drawing/2014/main" id="{30D63FA8-110E-49B5-BA1A-0C7AE3D8D733}"/>
+                <a16:creationId xmlns:a16="http://schemas.microsoft.com/office/drawing/2014/main" id="{7CE043F8-0EC3-944C-8A23-2C6E7164F720}"/>
               </a:ext>
             </a:extLst>
           </p:cNvPr>
@@ -7774,27 +7755,56 @@
             <a:spLocks noGrp="1"/>
           </p:cNvSpPr>
           <p:nvPr>
-            <p:ph type="subTitle" idx="1"/>
-          </p:nvPr>
-        </p:nvSpPr>
-        <p:spPr>
-          <a:xfrm>
-            <a:off x="1100051" y="4645152"/>
-            <a:ext cx="10058400" cy="1143000"/>
-          </a:xfrm>
-        </p:spPr>
+            <p:ph type="body" sz="half" idx="2"/>
+          </p:nvPr>
+        </p:nvSpPr>
+        <p:spPr/>
         <p:txBody>
-          <a:bodyPr>
-            <a:normAutofit/>
-          </a:bodyPr>
+          <a:bodyPr/>
           <a:lstStyle/>
           <a:p>
+            <a:pPr marL="285750" indent="-285750">
+              <a:buFont typeface="Arial" panose="020B0604020202020204" pitchFamily="34" charset="0"/>
+              <a:buChar char="•"/>
+            </a:pPr>
             <a:r>
               <a:rPr lang="en-US" dirty="0"/>
-              <a:t>Establish and visualize a relationship between certain demographic factors and eviction rates</a:t>
-            </a:r>
-          </a:p>
-          <a:p>
+              <a:t>65</a:t>
+            </a:r>
+            <a:r>
+              <a:rPr lang="en-US" baseline="30000" dirty="0"/>
+              <a:t>th</a:t>
+            </a:r>
+            <a:r>
+              <a:rPr lang="en-US" dirty="0"/>
+              <a:t> in evictions nationwide </a:t>
+            </a:r>
+          </a:p>
+          <a:p>
+            <a:pPr marL="285750" indent="-285750">
+              <a:buFont typeface="Arial" panose="020B0604020202020204" pitchFamily="34" charset="0"/>
+              <a:buChar char="•"/>
+            </a:pPr>
+            <a:r>
+              <a:rPr lang="en-US" dirty="0"/>
+              <a:t>Over 10 households are evicted on an average day</a:t>
+            </a:r>
+          </a:p>
+          <a:p>
+            <a:pPr marL="285750" indent="-285750">
+              <a:buFont typeface="Arial" panose="020B0604020202020204" pitchFamily="34" charset="0"/>
+              <a:buChar char="•"/>
+            </a:pPr>
+            <a:r>
+              <a:rPr lang="en-US" dirty="0"/>
+              <a:t>19 in 100 renter homes are evicted every year</a:t>
+            </a:r>
+          </a:p>
+          <a:p>
+            <a:pPr marL="285750" indent="-285750">
+              <a:buFont typeface="Arial" panose="020B0604020202020204" pitchFamily="34" charset="0"/>
+              <a:buChar char="•"/>
+            </a:pPr>
             <a:endParaRPr lang="en-US" dirty="0"/>
           </a:p>
         </p:txBody>
@@ -7802,7 +7812,7 @@
     </p:spTree>
     <p:extLst>
       <p:ext uri="{BB962C8B-B14F-4D97-AF65-F5344CB8AC3E}">
-        <p14:creationId xmlns:p14="http://schemas.microsoft.com/office/powerpoint/2010/main" val="2313063048"/>
+        <p14:creationId xmlns:p14="http://schemas.microsoft.com/office/powerpoint/2010/main" val="79375410"/>
       </p:ext>
     </p:extLst>
   </p:cSld>
@@ -7831,10 +7841,10 @@
       </p:grpSpPr>
       <p:sp>
         <p:nvSpPr>
-          <p:cNvPr id="8" name="Title 1">
+          <p:cNvPr id="9" name="Title 1">
             <a:extLst>
               <a:ext uri="{FF2B5EF4-FFF2-40B4-BE49-F238E27FC236}">
-                <a16:creationId xmlns:a16="http://schemas.microsoft.com/office/drawing/2014/main" id="{C61D2630-EA61-4ABC-983D-69A9AC809083}"/>
+                <a16:creationId xmlns:a16="http://schemas.microsoft.com/office/drawing/2014/main" id="{C58D9FD8-E2C6-4F60-9465-62A8F8712D29}"/>
               </a:ext>
             </a:extLst>
           </p:cNvPr>
@@ -7842,32 +7852,34 @@
             <a:spLocks noGrp="1"/>
           </p:cNvSpPr>
           <p:nvPr>
-            <p:ph type="title"/>
+            <p:ph type="ctrTitle"/>
           </p:nvPr>
         </p:nvSpPr>
         <p:spPr>
           <a:xfrm>
-            <a:off x="1097280" y="286603"/>
-            <a:ext cx="10058400" cy="1450757"/>
+            <a:off x="1097280" y="758952"/>
+            <a:ext cx="10058400" cy="3566160"/>
           </a:xfrm>
         </p:spPr>
         <p:txBody>
-          <a:bodyPr/>
+          <a:bodyPr anchor="b">
+            <a:normAutofit/>
+          </a:bodyPr>
           <a:lstStyle/>
           <a:p>
             <a:r>
               <a:rPr lang="en-US" dirty="0"/>
-              <a:t>Expectations VS Findings</a:t>
+              <a:t>Project Objective</a:t>
             </a:r>
           </a:p>
         </p:txBody>
       </p:sp>
       <p:sp>
         <p:nvSpPr>
-          <p:cNvPr id="10" name="Content Placeholder 2">
+          <p:cNvPr id="14" name="Content Placeholder 2">
             <a:extLst>
               <a:ext uri="{FF2B5EF4-FFF2-40B4-BE49-F238E27FC236}">
-                <a16:creationId xmlns:a16="http://schemas.microsoft.com/office/drawing/2014/main" id="{69333B02-1024-4712-A252-74C1CD75CFFE}"/>
+                <a16:creationId xmlns:a16="http://schemas.microsoft.com/office/drawing/2014/main" id="{30D63FA8-110E-49B5-BA1A-0C7AE3D8D733}"/>
               </a:ext>
             </a:extLst>
           </p:cNvPr>
@@ -7875,57 +7887,35 @@
             <a:spLocks noGrp="1"/>
           </p:cNvSpPr>
           <p:nvPr>
-            <p:ph sz="half" idx="1"/>
+            <p:ph type="subTitle" idx="1"/>
           </p:nvPr>
         </p:nvSpPr>
         <p:spPr>
           <a:xfrm>
-            <a:off x="1097280" y="2120900"/>
-            <a:ext cx="4639736" cy="3748193"/>
+            <a:off x="1100051" y="4645152"/>
+            <a:ext cx="10058400" cy="1143000"/>
           </a:xfrm>
         </p:spPr>
         <p:txBody>
-          <a:bodyPr/>
+          <a:bodyPr>
+            <a:normAutofit/>
+          </a:bodyPr>
           <a:lstStyle/>
           <a:p>
+            <a:r>
+              <a:rPr lang="en-US" dirty="0"/>
+              <a:t>Establish and visualize a relationship between certain demographic factors and eviction rates</a:t>
+            </a:r>
+          </a:p>
+          <a:p>
             <a:endParaRPr lang="en-US" dirty="0"/>
-          </a:p>
-        </p:txBody>
-      </p:sp>
-      <p:sp>
-        <p:nvSpPr>
-          <p:cNvPr id="12" name="Content Placeholder 3">
-            <a:extLst>
-              <a:ext uri="{FF2B5EF4-FFF2-40B4-BE49-F238E27FC236}">
-                <a16:creationId xmlns:a16="http://schemas.microsoft.com/office/drawing/2014/main" id="{269B4227-D587-4AE0-9D80-E2DD539B0C1D}"/>
-              </a:ext>
-            </a:extLst>
-          </p:cNvPr>
-          <p:cNvSpPr>
-            <a:spLocks noGrp="1"/>
-          </p:cNvSpPr>
-          <p:nvPr>
-            <p:ph sz="half" idx="2"/>
-          </p:nvPr>
-        </p:nvSpPr>
-        <p:spPr>
-          <a:xfrm>
-            <a:off x="6515944" y="2120900"/>
-            <a:ext cx="4639736" cy="3748194"/>
-          </a:xfrm>
-        </p:spPr>
-        <p:txBody>
-          <a:bodyPr/>
-          <a:lstStyle/>
-          <a:p>
-            <a:endParaRPr lang="en-US"/>
           </a:p>
         </p:txBody>
       </p:sp>
     </p:spTree>
     <p:extLst>
       <p:ext uri="{BB962C8B-B14F-4D97-AF65-F5344CB8AC3E}">
-        <p14:creationId xmlns:p14="http://schemas.microsoft.com/office/powerpoint/2010/main" val="296680088"/>
+        <p14:creationId xmlns:p14="http://schemas.microsoft.com/office/powerpoint/2010/main" val="2313063048"/>
       </p:ext>
     </p:extLst>
   </p:cSld>
@@ -7954,10 +7944,10 @@
       </p:grpSpPr>
       <p:sp>
         <p:nvSpPr>
-          <p:cNvPr id="2" name="Title 1">
+          <p:cNvPr id="8" name="Title 1">
             <a:extLst>
               <a:ext uri="{FF2B5EF4-FFF2-40B4-BE49-F238E27FC236}">
-                <a16:creationId xmlns:a16="http://schemas.microsoft.com/office/drawing/2014/main" id="{8144F27F-F08D-4342-8E80-605BC420E421}"/>
+                <a16:creationId xmlns:a16="http://schemas.microsoft.com/office/drawing/2014/main" id="{C61D2630-EA61-4ABC-983D-69A9AC809083}"/>
               </a:ext>
             </a:extLst>
           </p:cNvPr>
@@ -7975,53 +7965,80 @@
           </a:xfrm>
         </p:spPr>
         <p:txBody>
-          <a:bodyPr anchor="b">
-            <a:normAutofit/>
-          </a:bodyPr>
+          <a:bodyPr/>
           <a:lstStyle/>
           <a:p>
             <a:r>
               <a:rPr lang="en-US" dirty="0"/>
-              <a:t>Process</a:t>
+              <a:t>Expectations VS Findings</a:t>
             </a:r>
           </a:p>
         </p:txBody>
       </p:sp>
-      <p:graphicFrame>
-        <p:nvGraphicFramePr>
-          <p:cNvPr id="6" name="Content Placeholder 2">
+      <p:sp>
+        <p:nvSpPr>
+          <p:cNvPr id="10" name="Content Placeholder 2">
             <a:extLst>
               <a:ext uri="{FF2B5EF4-FFF2-40B4-BE49-F238E27FC236}">
-                <a16:creationId xmlns:a16="http://schemas.microsoft.com/office/drawing/2014/main" id="{84B8D5ED-4A91-4029-A7D7-1A8783D6BEB7}"/>
+                <a16:creationId xmlns:a16="http://schemas.microsoft.com/office/drawing/2014/main" id="{69333B02-1024-4712-A252-74C1CD75CFFE}"/>
               </a:ext>
             </a:extLst>
           </p:cNvPr>
-          <p:cNvGraphicFramePr>
-            <a:graphicFrameLocks noGrp="1"/>
-          </p:cNvGraphicFramePr>
-          <p:nvPr>
-            <p:ph idx="1"/>
-            <p:extLst>
-              <p:ext uri="{D42A27DB-BD31-4B8C-83A1-F6EECF244321}">
-                <p14:modId xmlns:p14="http://schemas.microsoft.com/office/powerpoint/2010/main" val="3665768410"/>
-              </p:ext>
-            </p:extLst>
-          </p:nvPr>
-        </p:nvGraphicFramePr>
-        <p:xfrm>
-          <a:off x="1097280" y="2108201"/>
-          <a:ext cx="10058400" cy="3760891"/>
-        </p:xfrm>
-        <a:graphic>
-          <a:graphicData uri="http://schemas.openxmlformats.org/drawingml/2006/diagram">
-            <dgm:relIds xmlns:dgm="http://schemas.openxmlformats.org/drawingml/2006/diagram" xmlns:r="http://schemas.openxmlformats.org/officeDocument/2006/relationships" r:dm="rId2" r:lo="rId3" r:qs="rId4" r:cs="rId5"/>
-          </a:graphicData>
-        </a:graphic>
-      </p:graphicFrame>
+          <p:cNvSpPr>
+            <a:spLocks noGrp="1"/>
+          </p:cNvSpPr>
+          <p:nvPr>
+            <p:ph sz="half" idx="1"/>
+          </p:nvPr>
+        </p:nvSpPr>
+        <p:spPr>
+          <a:xfrm>
+            <a:off x="1097280" y="2120900"/>
+            <a:ext cx="4639736" cy="3748193"/>
+          </a:xfrm>
+        </p:spPr>
+        <p:txBody>
+          <a:bodyPr/>
+          <a:lstStyle/>
+          <a:p>
+            <a:endParaRPr lang="en-US" dirty="0"/>
+          </a:p>
+        </p:txBody>
+      </p:sp>
+      <p:sp>
+        <p:nvSpPr>
+          <p:cNvPr id="12" name="Content Placeholder 3">
+            <a:extLst>
+              <a:ext uri="{FF2B5EF4-FFF2-40B4-BE49-F238E27FC236}">
+                <a16:creationId xmlns:a16="http://schemas.microsoft.com/office/drawing/2014/main" id="{269B4227-D587-4AE0-9D80-E2DD539B0C1D}"/>
+              </a:ext>
+            </a:extLst>
+          </p:cNvPr>
+          <p:cNvSpPr>
+            <a:spLocks noGrp="1"/>
+          </p:cNvSpPr>
+          <p:nvPr>
+            <p:ph sz="half" idx="2"/>
+          </p:nvPr>
+        </p:nvSpPr>
+        <p:spPr>
+          <a:xfrm>
+            <a:off x="6515944" y="2120900"/>
+            <a:ext cx="4639736" cy="3748194"/>
+          </a:xfrm>
+        </p:spPr>
+        <p:txBody>
+          <a:bodyPr/>
+          <a:lstStyle/>
+          <a:p>
+            <a:endParaRPr lang="en-US"/>
+          </a:p>
+        </p:txBody>
+      </p:sp>
     </p:spTree>
     <p:extLst>
       <p:ext uri="{BB962C8B-B14F-4D97-AF65-F5344CB8AC3E}">
-        <p14:creationId xmlns:p14="http://schemas.microsoft.com/office/powerpoint/2010/main" val="1680272468"/>
+        <p14:creationId xmlns:p14="http://schemas.microsoft.com/office/powerpoint/2010/main" val="296680088"/>
       </p:ext>
     </p:extLst>
   </p:cSld>
@@ -8053,7 +8070,7 @@
           <p:cNvPr id="2" name="Title 1">
             <a:extLst>
               <a:ext uri="{FF2B5EF4-FFF2-40B4-BE49-F238E27FC236}">
-                <a16:creationId xmlns:a16="http://schemas.microsoft.com/office/drawing/2014/main" id="{9DEDA222-456D-F148-976B-0C9590C7647B}"/>
+                <a16:creationId xmlns:a16="http://schemas.microsoft.com/office/drawing/2014/main" id="{8144F27F-F08D-4342-8E80-605BC420E421}"/>
               </a:ext>
             </a:extLst>
           </p:cNvPr>
@@ -8064,21 +8081,92 @@
             <p:ph type="title"/>
           </p:nvPr>
         </p:nvSpPr>
-        <p:spPr/>
+        <p:spPr>
+          <a:xfrm>
+            <a:off x="1097280" y="286603"/>
+            <a:ext cx="10058400" cy="1450757"/>
+          </a:xfrm>
+        </p:spPr>
         <p:txBody>
-          <a:bodyPr/>
+          <a:bodyPr anchor="b">
+            <a:normAutofit/>
+          </a:bodyPr>
           <a:lstStyle/>
           <a:p>
-            <a:endParaRPr lang="en-US"/>
+            <a:r>
+              <a:rPr lang="en-US" dirty="0"/>
+              <a:t>Procedure</a:t>
+            </a:r>
           </a:p>
         </p:txBody>
       </p:sp>
-      <p:sp>
-        <p:nvSpPr>
-          <p:cNvPr id="3" name="Content Placeholder 2">
+      <p:graphicFrame>
+        <p:nvGraphicFramePr>
+          <p:cNvPr id="6" name="Content Placeholder 2">
             <a:extLst>
               <a:ext uri="{FF2B5EF4-FFF2-40B4-BE49-F238E27FC236}">
-                <a16:creationId xmlns:a16="http://schemas.microsoft.com/office/drawing/2014/main" id="{1CB88301-8A12-594A-9EF1-AB5FAC058D4E}"/>
+                <a16:creationId xmlns:a16="http://schemas.microsoft.com/office/drawing/2014/main" id="{84B8D5ED-4A91-4029-A7D7-1A8783D6BEB7}"/>
+              </a:ext>
+            </a:extLst>
+          </p:cNvPr>
+          <p:cNvGraphicFramePr>
+            <a:graphicFrameLocks noGrp="1"/>
+          </p:cNvGraphicFramePr>
+          <p:nvPr>
+            <p:ph idx="1"/>
+            <p:extLst>
+              <p:ext uri="{D42A27DB-BD31-4B8C-83A1-F6EECF244321}">
+                <p14:modId xmlns:p14="http://schemas.microsoft.com/office/powerpoint/2010/main" val="3665768410"/>
+              </p:ext>
+            </p:extLst>
+          </p:nvPr>
+        </p:nvGraphicFramePr>
+        <p:xfrm>
+          <a:off x="1097280" y="2108201"/>
+          <a:ext cx="10058400" cy="3760891"/>
+        </p:xfrm>
+        <a:graphic>
+          <a:graphicData uri="http://schemas.openxmlformats.org/drawingml/2006/diagram">
+            <dgm:relIds xmlns:dgm="http://schemas.openxmlformats.org/drawingml/2006/diagram" xmlns:r="http://schemas.openxmlformats.org/officeDocument/2006/relationships" r:dm="rId2" r:lo="rId3" r:qs="rId4" r:cs="rId5"/>
+          </a:graphicData>
+        </a:graphic>
+      </p:graphicFrame>
+    </p:spTree>
+    <p:extLst>
+      <p:ext uri="{BB962C8B-B14F-4D97-AF65-F5344CB8AC3E}">
+        <p14:creationId xmlns:p14="http://schemas.microsoft.com/office/powerpoint/2010/main" val="1680272468"/>
+      </p:ext>
+    </p:extLst>
+  </p:cSld>
+  <p:clrMapOvr>
+    <a:masterClrMapping/>
+  </p:clrMapOvr>
+</p:sld>
+</file>
+
+<file path=ppt/slides/slide9.xml><?xml version="1.0" encoding="utf-8"?>
+<p:sld xmlns:a="http://schemas.openxmlformats.org/drawingml/2006/main" xmlns:r="http://schemas.openxmlformats.org/officeDocument/2006/relationships" xmlns:p="http://schemas.openxmlformats.org/presentationml/2006/main">
+  <p:cSld>
+    <p:spTree>
+      <p:nvGrpSpPr>
+        <p:cNvPr id="1" name=""/>
+        <p:cNvGrpSpPr/>
+        <p:nvPr/>
+      </p:nvGrpSpPr>
+      <p:grpSpPr>
+        <a:xfrm>
+          <a:off x="0" y="0"/>
+          <a:ext cx="0" cy="0"/>
+          <a:chOff x="0" y="0"/>
+          <a:chExt cx="0" cy="0"/>
+        </a:xfrm>
+      </p:grpSpPr>
+      <p:sp>
+        <p:nvSpPr>
+          <p:cNvPr id="2" name="Title 1">
+            <a:extLst>
+              <a:ext uri="{FF2B5EF4-FFF2-40B4-BE49-F238E27FC236}">
+                <a16:creationId xmlns:a16="http://schemas.microsoft.com/office/drawing/2014/main" id="{F5A3D953-AAB4-9847-A970-6FC8C07DE953}"/>
               </a:ext>
             </a:extLst>
           </p:cNvPr>
@@ -8086,7 +8174,7 @@
             <a:spLocks noGrp="1"/>
           </p:cNvSpPr>
           <p:nvPr>
-            <p:ph idx="1"/>
+            <p:ph type="title"/>
           </p:nvPr>
         </p:nvSpPr>
         <p:spPr/>
@@ -8094,6 +8182,31 @@
           <a:bodyPr/>
           <a:lstStyle/>
           <a:p>
+            <a:endParaRPr lang="en-US" dirty="0"/>
+          </a:p>
+        </p:txBody>
+      </p:sp>
+      <p:sp>
+        <p:nvSpPr>
+          <p:cNvPr id="3" name="Content Placeholder 2">
+            <a:extLst>
+              <a:ext uri="{FF2B5EF4-FFF2-40B4-BE49-F238E27FC236}">
+                <a16:creationId xmlns:a16="http://schemas.microsoft.com/office/drawing/2014/main" id="{12CE1F75-8790-5044-BDBA-4883A13AEED9}"/>
+              </a:ext>
+            </a:extLst>
+          </p:cNvPr>
+          <p:cNvSpPr>
+            <a:spLocks noGrp="1"/>
+          </p:cNvSpPr>
+          <p:nvPr>
+            <p:ph idx="1"/>
+          </p:nvPr>
+        </p:nvSpPr>
+        <p:spPr/>
+        <p:txBody>
+          <a:bodyPr/>
+          <a:lstStyle/>
+          <a:p>
             <a:endParaRPr lang="en-US"/>
           </a:p>
         </p:txBody>
@@ -8101,7 +8214,7 @@
     </p:spTree>
     <p:extLst>
       <p:ext uri="{BB962C8B-B14F-4D97-AF65-F5344CB8AC3E}">
-        <p14:creationId xmlns:p14="http://schemas.microsoft.com/office/powerpoint/2010/main" val="632981348"/>
+        <p14:creationId xmlns:p14="http://schemas.microsoft.com/office/powerpoint/2010/main" val="1711387078"/>
       </p:ext>
     </p:extLst>
   </p:cSld>

--- a/EvictionPrediction.pptx
+++ b/EvictionPrediction.pptx
@@ -3384,7 +3384,7 @@
           <a:p>
             <a:fld id="{9184DA70-C731-4C70-880D-CCD4705E623C}" type="datetime1">
               <a:rPr lang="en-US" smtClean="0"/>
-              <a:t>10/3/20</a:t>
+              <a:t>10/6/20</a:t>
             </a:fld>
             <a:endParaRPr lang="en-US" dirty="0"/>
           </a:p>
@@ -3572,7 +3572,7 @@
           <a:p>
             <a:fld id="{B612A279-0833-481D-8C56-F67FD0AC6C50}" type="datetime1">
               <a:rPr lang="en-US" smtClean="0"/>
-              <a:t>10/3/20</a:t>
+              <a:t>10/6/20</a:t>
             </a:fld>
             <a:endParaRPr lang="en-US" dirty="0"/>
           </a:p>
@@ -3814,7 +3814,7 @@
           <a:p>
             <a:fld id="{6587DA83-5663-4C9C-B9AA-0B40A3DAFF81}" type="datetime1">
               <a:rPr lang="en-US" smtClean="0"/>
-              <a:t>10/3/20</a:t>
+              <a:t>10/6/20</a:t>
             </a:fld>
             <a:endParaRPr lang="en-US" dirty="0"/>
           </a:p>
@@ -4002,7 +4002,7 @@
           <a:p>
             <a:fld id="{4BE1D723-8F53-4F53-90B0-1982A396982E}" type="datetime1">
               <a:rPr lang="en-US" smtClean="0"/>
-              <a:t>10/3/20</a:t>
+              <a:t>10/6/20</a:t>
             </a:fld>
             <a:endParaRPr lang="en-US" dirty="0"/>
           </a:p>
@@ -4375,7 +4375,7 @@
           <a:p>
             <a:fld id="{97669AF7-7BEB-44E4-9852-375E34362B5B}" type="datetime1">
               <a:rPr lang="en-US" smtClean="0"/>
-              <a:t>10/3/20</a:t>
+              <a:t>10/6/20</a:t>
             </a:fld>
             <a:endParaRPr lang="en-US" dirty="0"/>
           </a:p>
@@ -4630,7 +4630,7 @@
           <a:p>
             <a:fld id="{BAAAC38D-0552-4C82-B593-E6124DFADBE2}" type="datetime1">
               <a:rPr lang="en-US" smtClean="0"/>
-              <a:t>10/3/20</a:t>
+              <a:t>10/6/20</a:t>
             </a:fld>
             <a:endParaRPr lang="en-US" dirty="0"/>
           </a:p>
@@ -5027,7 +5027,7 @@
           <a:p>
             <a:fld id="{D9DF0F1C-5577-4ACB-BB62-DF8F3C494C7E}" type="datetime1">
               <a:rPr lang="en-US" smtClean="0"/>
-              <a:t>10/3/20</a:t>
+              <a:t>10/6/20</a:t>
             </a:fld>
             <a:endParaRPr lang="en-US" dirty="0"/>
           </a:p>
@@ -5163,7 +5163,7 @@
           <a:p>
             <a:fld id="{1775B394-D9F9-4F0C-B15D-605F45CB9E9F}" type="datetime1">
               <a:rPr lang="en-US" smtClean="0"/>
-              <a:t>10/3/20</a:t>
+              <a:t>10/6/20</a:t>
             </a:fld>
             <a:endParaRPr lang="en-US" dirty="0"/>
           </a:p>
@@ -5320,7 +5320,7 @@
           <a:p>
             <a:fld id="{39667345-2558-425A-8533-9BFDBCE15005}" type="datetime1">
               <a:rPr lang="en-US" smtClean="0"/>
-              <a:t>10/3/20</a:t>
+              <a:t>10/6/20</a:t>
             </a:fld>
             <a:endParaRPr lang="en-US" dirty="0"/>
           </a:p>
@@ -5649,7 +5649,7 @@
           <a:p>
             <a:fld id="{92BEA474-078D-4E9B-9B14-09A87B19DC46}" type="datetime1">
               <a:rPr lang="en-US" smtClean="0"/>
-              <a:t>10/3/20</a:t>
+              <a:t>10/6/20</a:t>
             </a:fld>
             <a:endParaRPr lang="en-US" dirty="0"/>
           </a:p>
@@ -5999,7 +5999,7 @@
           <a:p>
             <a:fld id="{4907D986-8816-4272-A432-0437A28A9828}" type="datetime1">
               <a:rPr lang="en-US" smtClean="0"/>
-              <a:t>10/3/20</a:t>
+              <a:t>10/6/20</a:t>
             </a:fld>
             <a:endParaRPr lang="en-US" dirty="0"/>
           </a:p>
@@ -6260,7 +6260,7 @@
           <a:p>
             <a:fld id="{62D6E202-B606-4609-B914-27C9371A1F6D}" type="datetime1">
               <a:rPr lang="en-US" smtClean="0"/>
-              <a:t>10/3/20</a:t>
+              <a:t>10/6/20</a:t>
             </a:fld>
             <a:endParaRPr lang="en-US" dirty="0"/>
           </a:p>
@@ -7605,12 +7605,47 @@
           </a:p>
         </p:txBody>
       </p:sp>
-      <p:sp>
-        <p:nvSpPr>
-          <p:cNvPr id="3" name="Content Placeholder 2">
+      <p:pic>
+        <p:nvPicPr>
+          <p:cNvPr id="6" name="Content Placeholder 5" descr="A picture containing diagram&#10;&#10;Description automatically generated">
             <a:extLst>
               <a:ext uri="{FF2B5EF4-FFF2-40B4-BE49-F238E27FC236}">
-                <a16:creationId xmlns:a16="http://schemas.microsoft.com/office/drawing/2014/main" id="{B2F1B4DB-61B3-E84C-BC47-598FF8D88FB5}"/>
+                <a16:creationId xmlns:a16="http://schemas.microsoft.com/office/drawing/2014/main" id="{58B6AC27-E80F-2A44-8985-4E7F8F44FB6F}"/>
+              </a:ext>
+            </a:extLst>
+          </p:cNvPr>
+          <p:cNvPicPr>
+            <a:picLocks noGrp="1" noChangeAspect="1"/>
+          </p:cNvPicPr>
+          <p:nvPr>
+            <p:ph idx="1"/>
+          </p:nvPr>
+        </p:nvPicPr>
+        <p:blipFill>
+          <a:blip r:embed="rId2">
+            <a:extLst>
+              <a:ext uri="{28A0092B-C50C-407E-A947-70E740481C1C}">
+                <a14:useLocalDpi xmlns:a14="http://schemas.microsoft.com/office/drawing/2010/main" val="0"/>
+              </a:ext>
+            </a:extLst>
+          </a:blip>
+          <a:stretch>
+            <a:fillRect/>
+          </a:stretch>
+        </p:blipFill>
+        <p:spPr>
+          <a:xfrm>
+            <a:off x="4708362" y="388307"/>
+            <a:ext cx="7276492" cy="6275540"/>
+          </a:xfrm>
+        </p:spPr>
+      </p:pic>
+      <p:sp>
+        <p:nvSpPr>
+          <p:cNvPr id="4" name="Text Placeholder 3">
+            <a:extLst>
+              <a:ext uri="{FF2B5EF4-FFF2-40B4-BE49-F238E27FC236}">
+                <a16:creationId xmlns:a16="http://schemas.microsoft.com/office/drawing/2014/main" id="{1AF2D43C-3D69-DC43-A15E-B47A0D3C16C0}"/>
               </a:ext>
             </a:extLst>
           </p:cNvPr>
@@ -7618,7 +7653,7 @@
             <a:spLocks noGrp="1"/>
           </p:cNvSpPr>
           <p:nvPr>
-            <p:ph idx="1"/>
+            <p:ph type="body" sz="half" idx="2"/>
           </p:nvPr>
         </p:nvSpPr>
         <p:spPr/>
@@ -7626,32 +7661,122 @@
           <a:bodyPr/>
           <a:lstStyle/>
           <a:p>
-            <a:endParaRPr lang="en-US"/>
+            <a:pPr marL="285750" indent="-285750">
+              <a:buFont typeface="Arial" panose="020B0604020202020204" pitchFamily="34" charset="0"/>
+              <a:buChar char="•"/>
+            </a:pPr>
+            <a:r>
+              <a:rPr lang="en-US" dirty="0"/>
+              <a:t>Direct cause of homelessness</a:t>
+            </a:r>
+          </a:p>
+          <a:p>
+            <a:pPr marL="285750" indent="-285750">
+              <a:buFont typeface="Arial" panose="020B0604020202020204" pitchFamily="34" charset="0"/>
+              <a:buChar char="•"/>
+            </a:pPr>
+            <a:r>
+              <a:rPr lang="en-US" dirty="0"/>
+              <a:t>567,715 people without homes per day in United States</a:t>
+            </a:r>
+          </a:p>
+          <a:p>
+            <a:pPr marL="285750" indent="-285750">
+              <a:buFont typeface="Arial" panose="020B0604020202020204" pitchFamily="34" charset="0"/>
+              <a:buChar char="•"/>
+            </a:pPr>
+            <a:r>
+              <a:rPr lang="en-US" b="1" dirty="0"/>
+              <a:t>6,179 people without homes per day in MO</a:t>
+            </a:r>
+          </a:p>
+          <a:p>
+            <a:pPr marL="285750" indent="-285750">
+              <a:buFont typeface="Arial" panose="020B0604020202020204" pitchFamily="34" charset="0"/>
+              <a:buChar char="•"/>
+            </a:pPr>
+            <a:endParaRPr lang="en-US" dirty="0"/>
           </a:p>
         </p:txBody>
       </p:sp>
       <p:sp>
         <p:nvSpPr>
-          <p:cNvPr id="4" name="Text Placeholder 3">
+          <p:cNvPr id="7" name="TextBox 6">
             <a:extLst>
               <a:ext uri="{FF2B5EF4-FFF2-40B4-BE49-F238E27FC236}">
-                <a16:creationId xmlns:a16="http://schemas.microsoft.com/office/drawing/2014/main" id="{1AF2D43C-3D69-DC43-A15E-B47A0D3C16C0}"/>
+                <a16:creationId xmlns:a16="http://schemas.microsoft.com/office/drawing/2014/main" id="{1DF756F2-686E-8640-8B32-829D1B69E56D}"/>
               </a:ext>
             </a:extLst>
           </p:cNvPr>
-          <p:cNvSpPr>
-            <a:spLocks noGrp="1"/>
-          </p:cNvSpPr>
-          <p:nvPr>
-            <p:ph type="body" sz="half" idx="2"/>
-          </p:nvPr>
-        </p:nvSpPr>
-        <p:spPr/>
+          <p:cNvSpPr txBox="1"/>
+          <p:nvPr/>
+        </p:nvSpPr>
+        <p:spPr>
+          <a:xfrm>
+            <a:off x="425885" y="5934670"/>
+            <a:ext cx="3858016" cy="461665"/>
+          </a:xfrm>
+          <a:prstGeom prst="rect">
+            <a:avLst/>
+          </a:prstGeom>
+          <a:noFill/>
+        </p:spPr>
         <p:txBody>
-          <a:bodyPr/>
+          <a:bodyPr wrap="square" rtlCol="0">
+            <a:spAutoFit/>
+          </a:bodyPr>
           <a:lstStyle/>
           <a:p>
-            <a:endParaRPr lang="en-US"/>
+            <a:r>
+              <a:rPr lang="en-US" sz="1200" dirty="0">
+                <a:solidFill>
+                  <a:schemeClr val="bg1">
+                    <a:lumMod val="75000"/>
+                  </a:schemeClr>
+                </a:solidFill>
+              </a:rPr>
+              <a:t>Source: https://</a:t>
+            </a:r>
+            <a:r>
+              <a:rPr lang="en-US" sz="1200" dirty="0" err="1">
+                <a:solidFill>
+                  <a:schemeClr val="bg1">
+                    <a:lumMod val="75000"/>
+                  </a:schemeClr>
+                </a:solidFill>
+              </a:rPr>
+              <a:t>www.usich.gov</a:t>
+            </a:r>
+            <a:r>
+              <a:rPr lang="en-US" sz="1200" dirty="0">
+                <a:solidFill>
+                  <a:schemeClr val="bg1">
+                    <a:lumMod val="75000"/>
+                  </a:schemeClr>
+                </a:solidFill>
+              </a:rPr>
+              <a:t>/homelessness-statistics/</a:t>
+            </a:r>
+            <a:r>
+              <a:rPr lang="en-US" sz="1200" dirty="0" err="1">
+                <a:solidFill>
+                  <a:schemeClr val="bg1">
+                    <a:lumMod val="75000"/>
+                  </a:schemeClr>
+                </a:solidFill>
+              </a:rPr>
+              <a:t>mo</a:t>
+            </a:r>
+            <a:r>
+              <a:rPr lang="en-US" sz="1200" dirty="0">
+                <a:solidFill>
+                  <a:schemeClr val="bg1">
+                    <a:lumMod val="75000"/>
+                  </a:schemeClr>
+                </a:solidFill>
+              </a:rPr>
+              <a:t>/</a:t>
+            </a:r>
           </a:p>
         </p:txBody>
       </p:sp>
